--- a/Dokumente/Programmierprojekt.pptx
+++ b/Dokumente/Programmierprojekt.pptx
@@ -5,28 +5,41 @@
     <p:sldMasterId id="2147483726" r:id="rId1"/>
   </p:sldMasterIdLst>
   <p:notesMasterIdLst>
-    <p:notesMasterId r:id="rId21"/>
+    <p:notesMasterId r:id="rId34"/>
   </p:notesMasterIdLst>
   <p:sldIdLst>
     <p:sldId id="256" r:id="rId2"/>
     <p:sldId id="265" r:id="rId3"/>
     <p:sldId id="257" r:id="rId4"/>
     <p:sldId id="258" r:id="rId5"/>
-    <p:sldId id="259" r:id="rId6"/>
-    <p:sldId id="260" r:id="rId7"/>
-    <p:sldId id="277" r:id="rId8"/>
-    <p:sldId id="276" r:id="rId9"/>
-    <p:sldId id="262" r:id="rId10"/>
-    <p:sldId id="263" r:id="rId11"/>
-    <p:sldId id="264" r:id="rId12"/>
-    <p:sldId id="272" r:id="rId13"/>
-    <p:sldId id="273" r:id="rId14"/>
-    <p:sldId id="261" r:id="rId15"/>
-    <p:sldId id="267" r:id="rId16"/>
-    <p:sldId id="270" r:id="rId17"/>
-    <p:sldId id="268" r:id="rId18"/>
-    <p:sldId id="274" r:id="rId19"/>
-    <p:sldId id="269" r:id="rId20"/>
+    <p:sldId id="286" r:id="rId6"/>
+    <p:sldId id="287" r:id="rId7"/>
+    <p:sldId id="259" r:id="rId8"/>
+    <p:sldId id="288" r:id="rId9"/>
+    <p:sldId id="289" r:id="rId10"/>
+    <p:sldId id="260" r:id="rId11"/>
+    <p:sldId id="277" r:id="rId12"/>
+    <p:sldId id="276" r:id="rId13"/>
+    <p:sldId id="262" r:id="rId14"/>
+    <p:sldId id="263" r:id="rId15"/>
+    <p:sldId id="264" r:id="rId16"/>
+    <p:sldId id="272" r:id="rId17"/>
+    <p:sldId id="273" r:id="rId18"/>
+    <p:sldId id="261" r:id="rId19"/>
+    <p:sldId id="270" r:id="rId20"/>
+    <p:sldId id="279" r:id="rId21"/>
+    <p:sldId id="281" r:id="rId22"/>
+    <p:sldId id="282" r:id="rId23"/>
+    <p:sldId id="283" r:id="rId24"/>
+    <p:sldId id="284" r:id="rId25"/>
+    <p:sldId id="285" r:id="rId26"/>
+    <p:sldId id="290" r:id="rId27"/>
+    <p:sldId id="291" r:id="rId28"/>
+    <p:sldId id="267" r:id="rId29"/>
+    <p:sldId id="278" r:id="rId30"/>
+    <p:sldId id="268" r:id="rId31"/>
+    <p:sldId id="274" r:id="rId32"/>
+    <p:sldId id="269" r:id="rId33"/>
   </p:sldIdLst>
   <p:sldSz cx="9144000" cy="6858000" type="screen4x3"/>
   <p:notesSz cx="6858000" cy="9144000"/>
@@ -127,7 +140,18 @@
   </p:defaultTextStyle>
   <p:extLst>
     <p:ext uri="{EFAFB233-063F-42B5-8137-9DF3F51BA10A}">
-      <p15:sldGuideLst xmlns:p15="http://schemas.microsoft.com/office/powerpoint/2012/main"/>
+      <p15:sldGuideLst xmlns:p15="http://schemas.microsoft.com/office/powerpoint/2012/main">
+        <p15:guide id="1" orient="horz" pos="2160">
+          <p15:clr>
+            <a:srgbClr val="A4A3A4"/>
+          </p15:clr>
+        </p15:guide>
+        <p15:guide id="2" pos="2880">
+          <p15:clr>
+            <a:srgbClr val="A4A3A4"/>
+          </p15:clr>
+        </p15:guide>
+      </p15:sldGuideLst>
     </p:ext>
   </p:extLst>
 </p:presentation>
@@ -136,11 +160,7 @@
 <file path=ppt/commentAuthors.xml><?xml version="1.0" encoding="utf-8"?>
 <p:cmAuthorLst xmlns:a="http://schemas.openxmlformats.org/drawingml/2006/main" xmlns:r="http://schemas.openxmlformats.org/officeDocument/2006/relationships" xmlns:p="http://schemas.openxmlformats.org/presentationml/2006/main">
   <p:cmAuthor id="1" name="Heiko Dudzus" initials="HD" lastIdx="1" clrIdx="0">
-    <p:extLst>
-      <p:ext uri="{19B8F6BF-5375-455C-9EA6-DF929625EA0E}">
-        <p15:presenceInfo xmlns:p15="http://schemas.microsoft.com/office/powerpoint/2012/main" userId="1d3620d4c953b280" providerId="Windows Live"/>
-      </p:ext>
-    </p:extLst>
+    <p:extLst/>
   </p:cmAuthor>
 </p:cmAuthorLst>
 </file>
@@ -227,7 +247,7 @@
           <a:p>
             <a:fld id="{289AEF3D-3EC4-41F6-A1D5-86EE8164C754}" type="datetimeFigureOut">
               <a:rPr lang="de-DE" smtClean="0"/>
-              <a:t>05.07.2016</a:t>
+              <a:t>06.07.2016</a:t>
             </a:fld>
             <a:endParaRPr lang="de-DE"/>
           </a:p>
@@ -749,7 +769,7 @@
           <a:p>
             <a:fld id="{F81AEAC5-8A17-42FE-80CE-211A2465496E}" type="slidenum">
               <a:rPr lang="de-DE" smtClean="0"/>
-              <a:t>19</a:t>
+              <a:t>32</a:t>
             </a:fld>
             <a:endParaRPr lang="de-DE"/>
           </a:p>
@@ -931,7 +951,7 @@
           <a:p>
             <a:fld id="{E4C97FFF-EC38-4DD5-A4FB-A4678EAD990A}" type="datetimeFigureOut">
               <a:rPr lang="de-DE" smtClean="0"/>
-              <a:t>05.07.2016</a:t>
+              <a:t>06.07.2016</a:t>
             </a:fld>
             <a:endParaRPr lang="de-DE"/>
           </a:p>
@@ -1101,7 +1121,7 @@
           <a:p>
             <a:fld id="{E4C97FFF-EC38-4DD5-A4FB-A4678EAD990A}" type="datetimeFigureOut">
               <a:rPr lang="de-DE" smtClean="0"/>
-              <a:t>05.07.2016</a:t>
+              <a:t>06.07.2016</a:t>
             </a:fld>
             <a:endParaRPr lang="de-DE"/>
           </a:p>
@@ -1281,7 +1301,7 @@
           <a:p>
             <a:fld id="{E4C97FFF-EC38-4DD5-A4FB-A4678EAD990A}" type="datetimeFigureOut">
               <a:rPr lang="de-DE" smtClean="0"/>
-              <a:t>05.07.2016</a:t>
+              <a:t>06.07.2016</a:t>
             </a:fld>
             <a:endParaRPr lang="de-DE"/>
           </a:p>
@@ -1451,7 +1471,7 @@
           <a:p>
             <a:fld id="{E4C97FFF-EC38-4DD5-A4FB-A4678EAD990A}" type="datetimeFigureOut">
               <a:rPr lang="de-DE" smtClean="0"/>
-              <a:t>05.07.2016</a:t>
+              <a:t>06.07.2016</a:t>
             </a:fld>
             <a:endParaRPr lang="de-DE"/>
           </a:p>
@@ -1719,7 +1739,7 @@
           <a:p>
             <a:fld id="{E4C97FFF-EC38-4DD5-A4FB-A4678EAD990A}" type="datetimeFigureOut">
               <a:rPr lang="de-DE" smtClean="0"/>
-              <a:t>05.07.2016</a:t>
+              <a:t>06.07.2016</a:t>
             </a:fld>
             <a:endParaRPr lang="de-DE"/>
           </a:p>
@@ -1951,7 +1971,7 @@
           <a:p>
             <a:fld id="{E4C97FFF-EC38-4DD5-A4FB-A4678EAD990A}" type="datetimeFigureOut">
               <a:rPr lang="de-DE" smtClean="0"/>
-              <a:t>05.07.2016</a:t>
+              <a:t>06.07.2016</a:t>
             </a:fld>
             <a:endParaRPr lang="de-DE"/>
           </a:p>
@@ -2310,7 +2330,7 @@
           <a:p>
             <a:fld id="{E4C97FFF-EC38-4DD5-A4FB-A4678EAD990A}" type="datetimeFigureOut">
               <a:rPr lang="de-DE" smtClean="0"/>
-              <a:t>05.07.2016</a:t>
+              <a:t>06.07.2016</a:t>
             </a:fld>
             <a:endParaRPr lang="de-DE"/>
           </a:p>
@@ -2451,7 +2471,7 @@
           <a:p>
             <a:fld id="{E4C97FFF-EC38-4DD5-A4FB-A4678EAD990A}" type="datetimeFigureOut">
               <a:rPr lang="de-DE" smtClean="0"/>
-              <a:t>05.07.2016</a:t>
+              <a:t>06.07.2016</a:t>
             </a:fld>
             <a:endParaRPr lang="de-DE"/>
           </a:p>
@@ -2546,7 +2566,7 @@
           <a:p>
             <a:fld id="{E4C97FFF-EC38-4DD5-A4FB-A4678EAD990A}" type="datetimeFigureOut">
               <a:rPr lang="de-DE" smtClean="0"/>
-              <a:t>05.07.2016</a:t>
+              <a:t>06.07.2016</a:t>
             </a:fld>
             <a:endParaRPr lang="de-DE"/>
           </a:p>
@@ -2903,7 +2923,7 @@
           <a:p>
             <a:fld id="{E4C97FFF-EC38-4DD5-A4FB-A4678EAD990A}" type="datetimeFigureOut">
               <a:rPr lang="de-DE" smtClean="0"/>
-              <a:t>05.07.2016</a:t>
+              <a:t>06.07.2016</a:t>
             </a:fld>
             <a:endParaRPr lang="de-DE"/>
           </a:p>
@@ -3262,7 +3282,7 @@
           <a:p>
             <a:fld id="{E4C97FFF-EC38-4DD5-A4FB-A4678EAD990A}" type="datetimeFigureOut">
               <a:rPr lang="de-DE" smtClean="0"/>
-              <a:t>05.07.2016</a:t>
+              <a:t>06.07.2016</a:t>
             </a:fld>
             <a:endParaRPr lang="de-DE"/>
           </a:p>
@@ -3505,7 +3525,7 @@
           <a:p>
             <a:fld id="{E4C97FFF-EC38-4DD5-A4FB-A4678EAD990A}" type="datetimeFigureOut">
               <a:rPr lang="de-DE" smtClean="0"/>
-              <a:t>05.07.2016</a:t>
+              <a:t>06.07.2016</a:t>
             </a:fld>
             <a:endParaRPr lang="de-DE"/>
           </a:p>
@@ -4071,6 +4091,332 @@
           <a:p>
             <a:r>
               <a:rPr lang="de-DE" dirty="0"/>
+              <a:t>Netzwerk</a:t>
+            </a:r>
+          </a:p>
+        </p:txBody>
+      </p:sp>
+      <p:sp>
+        <p:nvSpPr>
+          <p:cNvPr id="3" name="Textplatzhalter 2"/>
+          <p:cNvSpPr>
+            <a:spLocks noGrp="1"/>
+          </p:cNvSpPr>
+          <p:nvPr>
+            <p:ph type="body" idx="1"/>
+          </p:nvPr>
+        </p:nvSpPr>
+        <p:spPr/>
+        <p:txBody>
+          <a:bodyPr/>
+          <a:lstStyle/>
+          <a:p>
+            <a:endParaRPr lang="de-DE"/>
+          </a:p>
+        </p:txBody>
+      </p:sp>
+    </p:spTree>
+    <p:extLst>
+      <p:ext uri="{BB962C8B-B14F-4D97-AF65-F5344CB8AC3E}">
+        <p14:creationId xmlns:p14="http://schemas.microsoft.com/office/powerpoint/2010/main" val="1093014762"/>
+      </p:ext>
+    </p:extLst>
+  </p:cSld>
+  <p:clrMapOvr>
+    <a:masterClrMapping/>
+  </p:clrMapOvr>
+</p:sld>
+</file>
+
+<file path=ppt/slides/slide11.xml><?xml version="1.0" encoding="utf-8"?>
+<p:sld xmlns:a="http://schemas.openxmlformats.org/drawingml/2006/main" xmlns:r="http://schemas.openxmlformats.org/officeDocument/2006/relationships" xmlns:p="http://schemas.openxmlformats.org/presentationml/2006/main">
+  <p:cSld>
+    <p:spTree>
+      <p:nvGrpSpPr>
+        <p:cNvPr id="1" name=""/>
+        <p:cNvGrpSpPr/>
+        <p:nvPr/>
+      </p:nvGrpSpPr>
+      <p:grpSpPr>
+        <a:xfrm>
+          <a:off x="0" y="0"/>
+          <a:ext cx="0" cy="0"/>
+          <a:chOff x="0" y="0"/>
+          <a:chExt cx="0" cy="0"/>
+        </a:xfrm>
+      </p:grpSpPr>
+      <p:sp>
+        <p:nvSpPr>
+          <p:cNvPr id="2" name="Titel 1"/>
+          <p:cNvSpPr>
+            <a:spLocks noGrp="1"/>
+          </p:cNvSpPr>
+          <p:nvPr>
+            <p:ph type="title"/>
+          </p:nvPr>
+        </p:nvSpPr>
+        <p:spPr>
+          <a:xfrm>
+            <a:off x="1606297" y="424366"/>
+            <a:ext cx="5937755" cy="559308"/>
+          </a:xfrm>
+        </p:spPr>
+        <p:txBody>
+          <a:bodyPr>
+            <a:normAutofit fontScale="90000"/>
+          </a:bodyPr>
+          <a:lstStyle/>
+          <a:p>
+            <a:r>
+              <a:rPr lang="de-DE" dirty="0"/>
+              <a:t>Klassendiagramm Server</a:t>
+            </a:r>
+          </a:p>
+        </p:txBody>
+      </p:sp>
+      <p:pic>
+        <p:nvPicPr>
+          <p:cNvPr id="7" name="Inhaltsplatzhalter 6"/>
+          <p:cNvPicPr>
+            <a:picLocks noGrp="1" noChangeAspect="1"/>
+          </p:cNvPicPr>
+          <p:nvPr>
+            <p:ph idx="1"/>
+          </p:nvPr>
+        </p:nvPicPr>
+        <p:blipFill>
+          <a:blip r:embed="rId2"/>
+          <a:stretch>
+            <a:fillRect/>
+          </a:stretch>
+        </p:blipFill>
+        <p:spPr>
+          <a:xfrm>
+            <a:off x="865487" y="1370734"/>
+            <a:ext cx="7419373" cy="4996044"/>
+          </a:xfrm>
+          <a:prstGeom prst="rect">
+            <a:avLst/>
+          </a:prstGeom>
+        </p:spPr>
+      </p:pic>
+    </p:spTree>
+    <p:extLst>
+      <p:ext uri="{BB962C8B-B14F-4D97-AF65-F5344CB8AC3E}">
+        <p14:creationId xmlns:p14="http://schemas.microsoft.com/office/powerpoint/2010/main" val="220164420"/>
+      </p:ext>
+    </p:extLst>
+  </p:cSld>
+  <p:clrMapOvr>
+    <a:masterClrMapping/>
+  </p:clrMapOvr>
+</p:sld>
+</file>
+
+<file path=ppt/slides/slide12.xml><?xml version="1.0" encoding="utf-8"?>
+<p:sld xmlns:a="http://schemas.openxmlformats.org/drawingml/2006/main" xmlns:r="http://schemas.openxmlformats.org/officeDocument/2006/relationships" xmlns:p="http://schemas.openxmlformats.org/presentationml/2006/main">
+  <p:cSld>
+    <p:spTree>
+      <p:nvGrpSpPr>
+        <p:cNvPr id="1" name=""/>
+        <p:cNvGrpSpPr/>
+        <p:nvPr/>
+      </p:nvGrpSpPr>
+      <p:grpSpPr>
+        <a:xfrm>
+          <a:off x="0" y="0"/>
+          <a:ext cx="0" cy="0"/>
+          <a:chOff x="0" y="0"/>
+          <a:chExt cx="0" cy="0"/>
+        </a:xfrm>
+      </p:grpSpPr>
+      <p:sp>
+        <p:nvSpPr>
+          <p:cNvPr id="2" name="Titel 1"/>
+          <p:cNvSpPr>
+            <a:spLocks noGrp="1"/>
+          </p:cNvSpPr>
+          <p:nvPr>
+            <p:ph type="title"/>
+          </p:nvPr>
+        </p:nvSpPr>
+        <p:spPr>
+          <a:xfrm>
+            <a:off x="1606297" y="424366"/>
+            <a:ext cx="5937755" cy="559308"/>
+          </a:xfrm>
+        </p:spPr>
+        <p:txBody>
+          <a:bodyPr>
+            <a:normAutofit fontScale="90000"/>
+          </a:bodyPr>
+          <a:lstStyle/>
+          <a:p>
+            <a:r>
+              <a:rPr lang="de-DE" dirty="0"/>
+              <a:t>Klassendiagramm Client</a:t>
+            </a:r>
+          </a:p>
+        </p:txBody>
+      </p:sp>
+      <p:pic>
+        <p:nvPicPr>
+          <p:cNvPr id="4" name="Inhaltsplatzhalter 3"/>
+          <p:cNvPicPr>
+            <a:picLocks noGrp="1" noChangeAspect="1"/>
+          </p:cNvPicPr>
+          <p:nvPr>
+            <p:ph idx="1"/>
+          </p:nvPr>
+        </p:nvPicPr>
+        <p:blipFill>
+          <a:blip r:embed="rId2"/>
+          <a:stretch>
+            <a:fillRect/>
+          </a:stretch>
+        </p:blipFill>
+        <p:spPr>
+          <a:xfrm>
+            <a:off x="964888" y="1183697"/>
+            <a:ext cx="7220571" cy="5151904"/>
+          </a:xfrm>
+          <a:prstGeom prst="rect">
+            <a:avLst/>
+          </a:prstGeom>
+        </p:spPr>
+      </p:pic>
+    </p:spTree>
+    <p:extLst>
+      <p:ext uri="{BB962C8B-B14F-4D97-AF65-F5344CB8AC3E}">
+        <p14:creationId xmlns:p14="http://schemas.microsoft.com/office/powerpoint/2010/main" val="133935050"/>
+      </p:ext>
+    </p:extLst>
+  </p:cSld>
+  <p:clrMapOvr>
+    <a:masterClrMapping/>
+  </p:clrMapOvr>
+</p:sld>
+</file>
+
+<file path=ppt/slides/slide13.xml><?xml version="1.0" encoding="utf-8"?>
+<p:sld xmlns:a="http://schemas.openxmlformats.org/drawingml/2006/main" xmlns:r="http://schemas.openxmlformats.org/officeDocument/2006/relationships" xmlns:p="http://schemas.openxmlformats.org/presentationml/2006/main">
+  <p:cSld>
+    <p:spTree>
+      <p:nvGrpSpPr>
+        <p:cNvPr id="1" name=""/>
+        <p:cNvGrpSpPr/>
+        <p:nvPr/>
+      </p:nvGrpSpPr>
+      <p:grpSpPr>
+        <a:xfrm>
+          <a:off x="0" y="0"/>
+          <a:ext cx="0" cy="0"/>
+          <a:chOff x="0" y="0"/>
+          <a:chExt cx="0" cy="0"/>
+        </a:xfrm>
+      </p:grpSpPr>
+      <p:sp>
+        <p:nvSpPr>
+          <p:cNvPr id="2" name="Titel 1"/>
+          <p:cNvSpPr>
+            <a:spLocks noGrp="1"/>
+          </p:cNvSpPr>
+          <p:nvPr>
+            <p:ph type="title"/>
+          </p:nvPr>
+        </p:nvSpPr>
+        <p:spPr>
+          <a:xfrm>
+            <a:off x="1606297" y="424366"/>
+            <a:ext cx="5937755" cy="559308"/>
+          </a:xfrm>
+        </p:spPr>
+        <p:txBody>
+          <a:bodyPr>
+            <a:normAutofit fontScale="90000"/>
+          </a:bodyPr>
+          <a:lstStyle/>
+          <a:p>
+            <a:r>
+              <a:rPr lang="de-DE" dirty="0"/>
+              <a:t>Klassendiagramm</a:t>
+            </a:r>
+          </a:p>
+        </p:txBody>
+      </p:sp>
+      <p:pic>
+        <p:nvPicPr>
+          <p:cNvPr id="4" name="Inhaltsplatzhalter 3"/>
+          <p:cNvPicPr>
+            <a:picLocks noGrp="1" noChangeAspect="1"/>
+          </p:cNvPicPr>
+          <p:nvPr>
+            <p:ph idx="1"/>
+          </p:nvPr>
+        </p:nvPicPr>
+        <p:blipFill>
+          <a:blip r:embed="rId2"/>
+          <a:stretch>
+            <a:fillRect/>
+          </a:stretch>
+        </p:blipFill>
+        <p:spPr>
+          <a:xfrm>
+            <a:off x="969029" y="1135378"/>
+            <a:ext cx="7212290" cy="5480167"/>
+          </a:xfrm>
+          <a:prstGeom prst="rect">
+            <a:avLst/>
+          </a:prstGeom>
+        </p:spPr>
+      </p:pic>
+    </p:spTree>
+    <p:extLst>
+      <p:ext uri="{BB962C8B-B14F-4D97-AF65-F5344CB8AC3E}">
+        <p14:creationId xmlns:p14="http://schemas.microsoft.com/office/powerpoint/2010/main" val="2626846658"/>
+      </p:ext>
+    </p:extLst>
+  </p:cSld>
+  <p:clrMapOvr>
+    <a:masterClrMapping/>
+  </p:clrMapOvr>
+</p:sld>
+</file>
+
+<file path=ppt/slides/slide14.xml><?xml version="1.0" encoding="utf-8"?>
+<p:sld xmlns:a="http://schemas.openxmlformats.org/drawingml/2006/main" xmlns:r="http://schemas.openxmlformats.org/officeDocument/2006/relationships" xmlns:p="http://schemas.openxmlformats.org/presentationml/2006/main">
+  <p:cSld>
+    <p:spTree>
+      <p:nvGrpSpPr>
+        <p:cNvPr id="1" name=""/>
+        <p:cNvGrpSpPr/>
+        <p:nvPr/>
+      </p:nvGrpSpPr>
+      <p:grpSpPr>
+        <a:xfrm>
+          <a:off x="0" y="0"/>
+          <a:ext cx="0" cy="0"/>
+          <a:chOff x="0" y="0"/>
+          <a:chExt cx="0" cy="0"/>
+        </a:xfrm>
+      </p:grpSpPr>
+      <p:sp>
+        <p:nvSpPr>
+          <p:cNvPr id="2" name="Titel 1"/>
+          <p:cNvSpPr>
+            <a:spLocks noGrp="1"/>
+          </p:cNvSpPr>
+          <p:nvPr>
+            <p:ph type="title"/>
+          </p:nvPr>
+        </p:nvSpPr>
+        <p:spPr/>
+        <p:txBody>
+          <a:bodyPr/>
+          <a:lstStyle/>
+          <a:p>
+            <a:r>
+              <a:rPr lang="de-DE" dirty="0"/>
               <a:t>Telnet-Session</a:t>
             </a:r>
           </a:p>
@@ -4139,2811 +4485,6 @@
 </p:sld>
 </file>
 
-<file path=ppt/slides/slide11.xml><?xml version="1.0" encoding="utf-8"?>
-<p:sld xmlns:a="http://schemas.openxmlformats.org/drawingml/2006/main" xmlns:r="http://schemas.openxmlformats.org/officeDocument/2006/relationships" xmlns:p="http://schemas.openxmlformats.org/presentationml/2006/main">
-  <p:cSld>
-    <p:spTree>
-      <p:nvGrpSpPr>
-        <p:cNvPr id="1" name=""/>
-        <p:cNvGrpSpPr/>
-        <p:nvPr/>
-      </p:nvGrpSpPr>
-      <p:grpSpPr>
-        <a:xfrm>
-          <a:off x="0" y="0"/>
-          <a:ext cx="0" cy="0"/>
-          <a:chOff x="0" y="0"/>
-          <a:chExt cx="0" cy="0"/>
-        </a:xfrm>
-      </p:grpSpPr>
-      <p:sp>
-        <p:nvSpPr>
-          <p:cNvPr id="2" name="Titel 1"/>
-          <p:cNvSpPr>
-            <a:spLocks noGrp="1"/>
-          </p:cNvSpPr>
-          <p:nvPr>
-            <p:ph type="title"/>
-          </p:nvPr>
-        </p:nvSpPr>
-        <p:spPr/>
-        <p:txBody>
-          <a:bodyPr/>
-          <a:lstStyle/>
-          <a:p>
-            <a:r>
-              <a:rPr lang="de-DE" dirty="0"/>
-              <a:t>Protokoll</a:t>
-            </a:r>
-          </a:p>
-        </p:txBody>
-      </p:sp>
-      <p:sp>
-        <p:nvSpPr>
-          <p:cNvPr id="3" name="Inhaltsplatzhalter 2"/>
-          <p:cNvSpPr>
-            <a:spLocks noGrp="1"/>
-          </p:cNvSpPr>
-          <p:nvPr>
-            <p:ph idx="1"/>
-          </p:nvPr>
-        </p:nvSpPr>
-        <p:spPr/>
-        <p:txBody>
-          <a:bodyPr/>
-          <a:lstStyle/>
-          <a:p>
-            <a:r>
-              <a:rPr lang="de-DE" dirty="0"/>
-              <a:t>Zustände: </a:t>
-            </a:r>
-          </a:p>
-          <a:p>
-            <a:pPr lvl="1"/>
-            <a:r>
-              <a:rPr lang="de-DE" dirty="0"/>
-              <a:t>NICKNAME</a:t>
-            </a:r>
-          </a:p>
-          <a:p>
-            <a:pPr lvl="1"/>
-            <a:r>
-              <a:rPr lang="de-DE" dirty="0"/>
-              <a:t>WAIT</a:t>
-            </a:r>
-          </a:p>
-          <a:p>
-            <a:pPr lvl="1"/>
-            <a:r>
-              <a:rPr lang="de-DE" dirty="0"/>
-              <a:t>ACTIVE</a:t>
-            </a:r>
-          </a:p>
-          <a:p>
-            <a:pPr lvl="1"/>
-            <a:r>
-              <a:rPr lang="de-DE" dirty="0"/>
-              <a:t>PASSIVE</a:t>
-            </a:r>
-          </a:p>
-          <a:p>
-            <a:pPr lvl="1"/>
-            <a:r>
-              <a:rPr lang="de-DE" dirty="0"/>
-              <a:t>OVER</a:t>
-            </a:r>
-          </a:p>
-          <a:p>
-            <a:r>
-              <a:rPr lang="de-DE" dirty="0"/>
-              <a:t>obligatorische und freiwillige Servermeldungen</a:t>
-            </a:r>
-          </a:p>
-          <a:p>
-            <a:r>
-              <a:rPr lang="de-DE" dirty="0"/>
-              <a:t>Maschine oder Mensch als Empfänger</a:t>
-            </a:r>
-          </a:p>
-        </p:txBody>
-      </p:sp>
-    </p:spTree>
-    <p:extLst>
-      <p:ext uri="{BB962C8B-B14F-4D97-AF65-F5344CB8AC3E}">
-        <p14:creationId xmlns:p14="http://schemas.microsoft.com/office/powerpoint/2010/main" val="3998994253"/>
-      </p:ext>
-    </p:extLst>
-  </p:cSld>
-  <p:clrMapOvr>
-    <a:masterClrMapping/>
-  </p:clrMapOvr>
-</p:sld>
-</file>
-
-<file path=ppt/slides/slide12.xml><?xml version="1.0" encoding="utf-8"?>
-<p:sld xmlns:a="http://schemas.openxmlformats.org/drawingml/2006/main" xmlns:r="http://schemas.openxmlformats.org/officeDocument/2006/relationships" xmlns:p="http://schemas.openxmlformats.org/presentationml/2006/main">
-  <p:cSld>
-    <p:spTree>
-      <p:nvGrpSpPr>
-        <p:cNvPr id="1" name=""/>
-        <p:cNvGrpSpPr/>
-        <p:nvPr/>
-      </p:nvGrpSpPr>
-      <p:grpSpPr>
-        <a:xfrm>
-          <a:off x="0" y="0"/>
-          <a:ext cx="0" cy="0"/>
-          <a:chOff x="0" y="0"/>
-          <a:chExt cx="0" cy="0"/>
-        </a:xfrm>
-      </p:grpSpPr>
-      <p:sp>
-        <p:nvSpPr>
-          <p:cNvPr id="2" name="Titel 1"/>
-          <p:cNvSpPr>
-            <a:spLocks noGrp="1"/>
-          </p:cNvSpPr>
-          <p:nvPr>
-            <p:ph type="title"/>
-          </p:nvPr>
-        </p:nvSpPr>
-        <p:spPr/>
-        <p:txBody>
-          <a:bodyPr/>
-          <a:lstStyle/>
-          <a:p>
-            <a:r>
-              <a:rPr lang="de-DE" dirty="0"/>
-              <a:t>Protokoll</a:t>
-            </a:r>
-          </a:p>
-        </p:txBody>
-      </p:sp>
-      <p:graphicFrame>
-        <p:nvGraphicFramePr>
-          <p:cNvPr id="6" name="Inhaltsplatzhalter 5"/>
-          <p:cNvGraphicFramePr>
-            <a:graphicFrameLocks noGrp="1"/>
-          </p:cNvGraphicFramePr>
-          <p:nvPr>
-            <p:ph idx="1"/>
-            <p:extLst>
-              <p:ext uri="{D42A27DB-BD31-4B8C-83A1-F6EECF244321}">
-                <p14:modId xmlns:p14="http://schemas.microsoft.com/office/powerpoint/2010/main" val="2724475136"/>
-              </p:ext>
-            </p:extLst>
-          </p:nvPr>
-        </p:nvGraphicFramePr>
-        <p:xfrm>
-          <a:off x="631572" y="2370219"/>
-          <a:ext cx="7886700" cy="3610769"/>
-        </p:xfrm>
-        <a:graphic>
-          <a:graphicData uri="http://schemas.openxmlformats.org/drawingml/2006/table">
-            <a:tbl>
-              <a:tblPr>
-                <a:tableStyleId>{5C22544A-7EE6-4342-B048-85BDC9FD1C3A}</a:tableStyleId>
-              </a:tblPr>
-              <a:tblGrid>
-                <a:gridCol w="1266635">
-                  <a:extLst>
-                    <a:ext uri="{9D8B030D-6E8A-4147-A177-3AD203B41FA5}">
-                      <a16:colId xmlns:a16="http://schemas.microsoft.com/office/drawing/2014/main" val="4208212432"/>
-                    </a:ext>
-                  </a:extLst>
-                </a:gridCol>
-                <a:gridCol w="1250396">
-                  <a:extLst>
-                    <a:ext uri="{9D8B030D-6E8A-4147-A177-3AD203B41FA5}">
-                      <a16:colId xmlns:a16="http://schemas.microsoft.com/office/drawing/2014/main" val="2594024931"/>
-                    </a:ext>
-                  </a:extLst>
-                </a:gridCol>
-                <a:gridCol w="3962296">
-                  <a:extLst>
-                    <a:ext uri="{9D8B030D-6E8A-4147-A177-3AD203B41FA5}">
-                      <a16:colId xmlns:a16="http://schemas.microsoft.com/office/drawing/2014/main" val="582787192"/>
-                    </a:ext>
-                  </a:extLst>
-                </a:gridCol>
-                <a:gridCol w="1407373">
-                  <a:extLst>
-                    <a:ext uri="{9D8B030D-6E8A-4147-A177-3AD203B41FA5}">
-                      <a16:colId xmlns:a16="http://schemas.microsoft.com/office/drawing/2014/main" val="289491787"/>
-                    </a:ext>
-                  </a:extLst>
-                </a:gridCol>
-              </a:tblGrid>
-              <a:tr h="277122">
-                <a:tc>
-                  <a:txBody>
-                    <a:bodyPr/>
-                    <a:lstStyle/>
-                    <a:p>
-                      <a:pPr>
-                        <a:spcAft>
-                          <a:spcPts val="0"/>
-                        </a:spcAft>
-                      </a:pPr>
-                      <a:r>
-                        <a:rPr lang="de-DE" sz="1200" kern="150" dirty="0">
-                          <a:effectLst/>
-                        </a:rPr>
-                        <a:t>Zustand vorher</a:t>
-                      </a:r>
-                      <a:endParaRPr lang="de-DE" sz="1200" kern="150" dirty="0">
-                        <a:effectLst/>
-                        <a:latin typeface="Times New Roman" panose="02020603050405020304" pitchFamily="18" charset="0"/>
-                        <a:ea typeface="SimSun" panose="02010600030101010101" pitchFamily="2" charset="-122"/>
-                        <a:cs typeface="Mangal"/>
-                      </a:endParaRPr>
-                    </a:p>
-                  </a:txBody>
-                  <a:tcPr marL="22412" marR="22412" marT="22412" marB="22412"/>
-                </a:tc>
-                <a:tc>
-                  <a:txBody>
-                    <a:bodyPr/>
-                    <a:lstStyle/>
-                    <a:p>
-                      <a:pPr>
-                        <a:spcAft>
-                          <a:spcPts val="0"/>
-                        </a:spcAft>
-                      </a:pPr>
-                      <a:r>
-                        <a:rPr lang="de-DE" sz="1200" kern="150">
-                          <a:effectLst/>
-                        </a:rPr>
-                        <a:t>Client sendet</a:t>
-                      </a:r>
-                      <a:endParaRPr lang="de-DE" sz="1200" kern="150">
-                        <a:effectLst/>
-                        <a:latin typeface="Times New Roman" panose="02020603050405020304" pitchFamily="18" charset="0"/>
-                        <a:ea typeface="SimSun" panose="02010600030101010101" pitchFamily="2" charset="-122"/>
-                        <a:cs typeface="Mangal"/>
-                      </a:endParaRPr>
-                    </a:p>
-                  </a:txBody>
-                  <a:tcPr marL="22412" marR="22412" marT="22412" marB="22412"/>
-                </a:tc>
-                <a:tc>
-                  <a:txBody>
-                    <a:bodyPr/>
-                    <a:lstStyle/>
-                    <a:p>
-                      <a:pPr>
-                        <a:spcAft>
-                          <a:spcPts val="0"/>
-                        </a:spcAft>
-                      </a:pPr>
-                      <a:r>
-                        <a:rPr lang="de-DE" sz="1200" kern="150">
-                          <a:effectLst/>
-                        </a:rPr>
-                        <a:t>Server sendet / sendet an alle</a:t>
-                      </a:r>
-                      <a:endParaRPr lang="de-DE" sz="1200" kern="150">
-                        <a:effectLst/>
-                        <a:latin typeface="Times New Roman" panose="02020603050405020304" pitchFamily="18" charset="0"/>
-                        <a:ea typeface="SimSun" panose="02010600030101010101" pitchFamily="2" charset="-122"/>
-                        <a:cs typeface="Mangal"/>
-                      </a:endParaRPr>
-                    </a:p>
-                  </a:txBody>
-                  <a:tcPr marL="22412" marR="22412" marT="22412" marB="22412"/>
-                </a:tc>
-                <a:tc>
-                  <a:txBody>
-                    <a:bodyPr/>
-                    <a:lstStyle/>
-                    <a:p>
-                      <a:pPr>
-                        <a:spcAft>
-                          <a:spcPts val="0"/>
-                        </a:spcAft>
-                      </a:pPr>
-                      <a:r>
-                        <a:rPr lang="de-DE" sz="1200" kern="150">
-                          <a:effectLst/>
-                        </a:rPr>
-                        <a:t>Zustand nächster</a:t>
-                      </a:r>
-                      <a:endParaRPr lang="de-DE" sz="1200" kern="150">
-                        <a:effectLst/>
-                        <a:latin typeface="Times New Roman" panose="02020603050405020304" pitchFamily="18" charset="0"/>
-                        <a:ea typeface="SimSun" panose="02010600030101010101" pitchFamily="2" charset="-122"/>
-                        <a:cs typeface="Mangal"/>
-                      </a:endParaRPr>
-                    </a:p>
-                  </a:txBody>
-                  <a:tcPr marL="22412" marR="22412" marT="22412" marB="22412"/>
-                </a:tc>
-                <a:extLst>
-                  <a:ext uri="{0D108BD9-81ED-4DB2-BD59-A6C34878D82A}">
-                    <a16:rowId xmlns:a16="http://schemas.microsoft.com/office/drawing/2014/main" val="2155213384"/>
-                  </a:ext>
-                </a:extLst>
-              </a:tr>
-              <a:tr h="277122">
-                <a:tc>
-                  <a:txBody>
-                    <a:bodyPr/>
-                    <a:lstStyle/>
-                    <a:p>
-                      <a:pPr>
-                        <a:spcAft>
-                          <a:spcPts val="0"/>
-                        </a:spcAft>
-                      </a:pPr>
-                      <a:r>
-                        <a:rPr lang="de-DE" sz="1200" kern="150" dirty="0">
-                          <a:effectLst/>
-                        </a:rPr>
-                        <a:t>Neue Verbindung</a:t>
-                      </a:r>
-                      <a:endParaRPr lang="de-DE" sz="1200" kern="150" dirty="0">
-                        <a:effectLst/>
-                        <a:latin typeface="Times New Roman" panose="02020603050405020304" pitchFamily="18" charset="0"/>
-                        <a:ea typeface="SimSun" panose="02010600030101010101" pitchFamily="2" charset="-122"/>
-                        <a:cs typeface="Mangal"/>
-                      </a:endParaRPr>
-                    </a:p>
-                  </a:txBody>
-                  <a:tcPr marL="22412" marR="22412" marT="22412" marB="22412"/>
-                </a:tc>
-                <a:tc>
-                  <a:txBody>
-                    <a:bodyPr/>
-                    <a:lstStyle/>
-                    <a:p>
-                      <a:pPr>
-                        <a:spcAft>
-                          <a:spcPts val="0"/>
-                        </a:spcAft>
-                      </a:pPr>
-                      <a:r>
-                        <a:rPr lang="de-DE" sz="1200" kern="150">
-                          <a:effectLst/>
-                        </a:rPr>
-                        <a:t> </a:t>
-                      </a:r>
-                      <a:endParaRPr lang="de-DE" sz="1200" kern="150">
-                        <a:effectLst/>
-                        <a:latin typeface="Times New Roman" panose="02020603050405020304" pitchFamily="18" charset="0"/>
-                        <a:ea typeface="SimSun" panose="02010600030101010101" pitchFamily="2" charset="-122"/>
-                        <a:cs typeface="Mangal"/>
-                      </a:endParaRPr>
-                    </a:p>
-                  </a:txBody>
-                  <a:tcPr marL="22412" marR="22412" marT="22412" marB="22412"/>
-                </a:tc>
-                <a:tc>
-                  <a:txBody>
-                    <a:bodyPr/>
-                    <a:lstStyle/>
-                    <a:p>
-                      <a:pPr>
-                        <a:spcAft>
-                          <a:spcPts val="0"/>
-                        </a:spcAft>
-                      </a:pPr>
-                      <a:r>
-                        <a:rPr lang="de-DE" sz="1200" kern="150" dirty="0">
-                          <a:effectLst/>
-                        </a:rPr>
-                        <a:t>„</a:t>
-                      </a:r>
-                      <a:r>
-                        <a:rPr lang="de-DE" sz="1200" kern="150" dirty="0" err="1">
-                          <a:effectLst/>
-                        </a:rPr>
-                        <a:t>Hello</a:t>
-                      </a:r>
-                      <a:r>
-                        <a:rPr lang="de-DE" sz="1200" kern="150" dirty="0">
-                          <a:effectLst/>
-                        </a:rPr>
-                        <a:t> </a:t>
-                      </a:r>
-                      <a:r>
-                        <a:rPr lang="de-DE" sz="1200" kern="150" dirty="0" err="1">
-                          <a:effectLst/>
-                        </a:rPr>
-                        <a:t>set</a:t>
-                      </a:r>
-                      <a:r>
-                        <a:rPr lang="de-DE" sz="1200" kern="150" dirty="0">
-                          <a:effectLst/>
-                        </a:rPr>
-                        <a:t> </a:t>
-                      </a:r>
-                      <a:r>
-                        <a:rPr lang="de-DE" sz="1200" kern="150" dirty="0" err="1">
-                          <a:effectLst/>
-                        </a:rPr>
-                        <a:t>name</a:t>
-                      </a:r>
-                      <a:r>
-                        <a:rPr lang="de-DE" sz="1200" kern="150" dirty="0">
-                          <a:effectLst/>
-                        </a:rPr>
-                        <a:t> </a:t>
-                      </a:r>
-                      <a:r>
-                        <a:rPr lang="de-DE" sz="1200" kern="150" dirty="0" err="1">
-                          <a:effectLst/>
-                        </a:rPr>
-                        <a:t>with</a:t>
-                      </a:r>
-                      <a:r>
-                        <a:rPr lang="de-DE" sz="1200" kern="150" dirty="0">
-                          <a:effectLst/>
-                        </a:rPr>
-                        <a:t> NICK &lt;</a:t>
-                      </a:r>
-                      <a:r>
-                        <a:rPr lang="de-DE" sz="1200" kern="150" dirty="0" err="1">
-                          <a:effectLst/>
-                        </a:rPr>
-                        <a:t>name</a:t>
-                      </a:r>
-                      <a:r>
-                        <a:rPr lang="de-DE" sz="1200" kern="150" dirty="0">
-                          <a:effectLst/>
-                        </a:rPr>
-                        <a:t>&gt;“</a:t>
-                      </a:r>
-                      <a:endParaRPr lang="de-DE" sz="1200" kern="150" dirty="0">
-                        <a:effectLst/>
-                        <a:latin typeface="Times New Roman" panose="02020603050405020304" pitchFamily="18" charset="0"/>
-                        <a:ea typeface="SimSun" panose="02010600030101010101" pitchFamily="2" charset="-122"/>
-                        <a:cs typeface="Mangal"/>
-                      </a:endParaRPr>
-                    </a:p>
-                  </a:txBody>
-                  <a:tcPr marL="22412" marR="22412" marT="22412" marB="22412"/>
-                </a:tc>
-                <a:tc>
-                  <a:txBody>
-                    <a:bodyPr/>
-                    <a:lstStyle/>
-                    <a:p>
-                      <a:pPr>
-                        <a:spcAft>
-                          <a:spcPts val="0"/>
-                        </a:spcAft>
-                      </a:pPr>
-                      <a:r>
-                        <a:rPr lang="de-DE" sz="1200" kern="150">
-                          <a:effectLst/>
-                        </a:rPr>
-                        <a:t>NICKNAME</a:t>
-                      </a:r>
-                      <a:endParaRPr lang="de-DE" sz="1200" kern="150">
-                        <a:effectLst/>
-                        <a:latin typeface="Times New Roman" panose="02020603050405020304" pitchFamily="18" charset="0"/>
-                        <a:ea typeface="SimSun" panose="02010600030101010101" pitchFamily="2" charset="-122"/>
-                        <a:cs typeface="Mangal"/>
-                      </a:endParaRPr>
-                    </a:p>
-                  </a:txBody>
-                  <a:tcPr marL="22412" marR="22412" marT="22412" marB="22412"/>
-                </a:tc>
-                <a:extLst>
-                  <a:ext uri="{0D108BD9-81ED-4DB2-BD59-A6C34878D82A}">
-                    <a16:rowId xmlns:a16="http://schemas.microsoft.com/office/drawing/2014/main" val="2005812803"/>
-                  </a:ext>
-                </a:extLst>
-              </a:tr>
-              <a:tr h="694851">
-                <a:tc>
-                  <a:txBody>
-                    <a:bodyPr/>
-                    <a:lstStyle/>
-                    <a:p>
-                      <a:pPr>
-                        <a:spcAft>
-                          <a:spcPts val="0"/>
-                        </a:spcAft>
-                      </a:pPr>
-                      <a:r>
-                        <a:rPr lang="de-DE" sz="1200" kern="150" dirty="0">
-                          <a:effectLst/>
-                        </a:rPr>
-                        <a:t>NICKNAME</a:t>
-                      </a:r>
-                      <a:endParaRPr lang="de-DE" sz="1200" kern="150" dirty="0">
-                        <a:effectLst/>
-                        <a:latin typeface="Times New Roman" panose="02020603050405020304" pitchFamily="18" charset="0"/>
-                        <a:ea typeface="SimSun" panose="02010600030101010101" pitchFamily="2" charset="-122"/>
-                        <a:cs typeface="Mangal"/>
-                      </a:endParaRPr>
-                    </a:p>
-                  </a:txBody>
-                  <a:tcPr marL="22412" marR="22412" marT="22412" marB="22412"/>
-                </a:tc>
-                <a:tc>
-                  <a:txBody>
-                    <a:bodyPr/>
-                    <a:lstStyle/>
-                    <a:p>
-                      <a:pPr>
-                        <a:spcAft>
-                          <a:spcPts val="0"/>
-                        </a:spcAft>
-                      </a:pPr>
-                      <a:r>
-                        <a:rPr lang="de-DE" sz="1200" kern="150" dirty="0">
-                          <a:effectLst/>
-                        </a:rPr>
-                        <a:t>„NICK &lt;</a:t>
-                      </a:r>
-                      <a:r>
-                        <a:rPr lang="de-DE" sz="1200" kern="150" dirty="0" err="1">
-                          <a:effectLst/>
-                        </a:rPr>
-                        <a:t>name</a:t>
-                      </a:r>
-                      <a:r>
-                        <a:rPr lang="de-DE" sz="1200" kern="150" dirty="0">
-                          <a:effectLst/>
-                        </a:rPr>
-                        <a:t>&gt;“</a:t>
-                      </a:r>
-                      <a:endParaRPr lang="de-DE" sz="1200" kern="150" dirty="0">
-                        <a:effectLst/>
-                        <a:latin typeface="Times New Roman" panose="02020603050405020304" pitchFamily="18" charset="0"/>
-                        <a:ea typeface="SimSun" panose="02010600030101010101" pitchFamily="2" charset="-122"/>
-                        <a:cs typeface="Mangal"/>
-                      </a:endParaRPr>
-                    </a:p>
-                  </a:txBody>
-                  <a:tcPr marL="22412" marR="22412" marT="22412" marB="22412"/>
-                </a:tc>
-                <a:tc>
-                  <a:txBody>
-                    <a:bodyPr/>
-                    <a:lstStyle/>
-                    <a:p>
-                      <a:pPr>
-                        <a:spcAft>
-                          <a:spcPts val="0"/>
-                        </a:spcAft>
-                      </a:pPr>
-                      <a:r>
-                        <a:rPr lang="de-DE" sz="1200" u="sng" kern="150">
-                          <a:effectLst/>
-                        </a:rPr>
-                        <a:t>Gültiger Nickname:</a:t>
-                      </a:r>
-                      <a:endParaRPr lang="de-DE" sz="1200" kern="150">
-                        <a:effectLst/>
-                      </a:endParaRPr>
-                    </a:p>
-                    <a:p>
-                      <a:pPr>
-                        <a:spcAft>
-                          <a:spcPts val="0"/>
-                        </a:spcAft>
-                      </a:pPr>
-                      <a:r>
-                        <a:rPr lang="de-DE" sz="1200" kern="150">
-                          <a:effectLst/>
-                        </a:rPr>
-                        <a:t>An Client:</a:t>
-                      </a:r>
-                    </a:p>
-                    <a:p>
-                      <a:pPr>
-                        <a:spcAft>
-                          <a:spcPts val="0"/>
-                        </a:spcAft>
-                      </a:pPr>
-                      <a:r>
-                        <a:rPr lang="de-DE" sz="1200" kern="150">
-                          <a:effectLst/>
-                        </a:rPr>
-                        <a:t>„+NICKIS &lt;name&gt;“</a:t>
-                      </a:r>
-                      <a:endParaRPr lang="de-DE" sz="1200" kern="150">
-                        <a:effectLst/>
-                        <a:latin typeface="Times New Roman" panose="02020603050405020304" pitchFamily="18" charset="0"/>
-                        <a:ea typeface="SimSun" panose="02010600030101010101" pitchFamily="2" charset="-122"/>
-                        <a:cs typeface="Mangal"/>
-                      </a:endParaRPr>
-                    </a:p>
-                  </a:txBody>
-                  <a:tcPr marL="22412" marR="22412" marT="22412" marB="22412"/>
-                </a:tc>
-                <a:tc>
-                  <a:txBody>
-                    <a:bodyPr/>
-                    <a:lstStyle/>
-                    <a:p>
-                      <a:pPr>
-                        <a:spcAft>
-                          <a:spcPts val="0"/>
-                        </a:spcAft>
-                      </a:pPr>
-                      <a:r>
-                        <a:rPr lang="de-DE" sz="1200" kern="150">
-                          <a:effectLst/>
-                        </a:rPr>
-                        <a:t>WAIT</a:t>
-                      </a:r>
-                      <a:endParaRPr lang="de-DE" sz="1200" kern="150">
-                        <a:effectLst/>
-                        <a:latin typeface="Times New Roman" panose="02020603050405020304" pitchFamily="18" charset="0"/>
-                        <a:ea typeface="SimSun" panose="02010600030101010101" pitchFamily="2" charset="-122"/>
-                        <a:cs typeface="Mangal"/>
-                      </a:endParaRPr>
-                    </a:p>
-                  </a:txBody>
-                  <a:tcPr marL="22412" marR="22412" marT="22412" marB="22412"/>
-                </a:tc>
-                <a:extLst>
-                  <a:ext uri="{0D108BD9-81ED-4DB2-BD59-A6C34878D82A}">
-                    <a16:rowId xmlns:a16="http://schemas.microsoft.com/office/drawing/2014/main" val="1946019762"/>
-                  </a:ext>
-                </a:extLst>
-              </a:tr>
-              <a:tr h="694851">
-                <a:tc>
-                  <a:txBody>
-                    <a:bodyPr/>
-                    <a:lstStyle/>
-                    <a:p>
-                      <a:pPr>
-                        <a:spcAft>
-                          <a:spcPts val="0"/>
-                        </a:spcAft>
-                      </a:pPr>
-                      <a:r>
-                        <a:rPr lang="de-DE" sz="1200" kern="150">
-                          <a:effectLst/>
-                        </a:rPr>
-                        <a:t> </a:t>
-                      </a:r>
-                      <a:endParaRPr lang="de-DE" sz="1200" kern="150">
-                        <a:effectLst/>
-                        <a:latin typeface="Times New Roman" panose="02020603050405020304" pitchFamily="18" charset="0"/>
-                        <a:ea typeface="SimSun" panose="02010600030101010101" pitchFamily="2" charset="-122"/>
-                        <a:cs typeface="Mangal"/>
-                      </a:endParaRPr>
-                    </a:p>
-                  </a:txBody>
-                  <a:tcPr marL="22412" marR="22412" marT="22412" marB="22412"/>
-                </a:tc>
-                <a:tc>
-                  <a:txBody>
-                    <a:bodyPr/>
-                    <a:lstStyle/>
-                    <a:p>
-                      <a:pPr>
-                        <a:spcAft>
-                          <a:spcPts val="0"/>
-                        </a:spcAft>
-                      </a:pPr>
-                      <a:r>
-                        <a:rPr lang="de-DE" sz="1200" kern="150" dirty="0">
-                          <a:effectLst/>
-                        </a:rPr>
-                        <a:t> </a:t>
-                      </a:r>
-                      <a:endParaRPr lang="de-DE" sz="1200" kern="150" dirty="0">
-                        <a:effectLst/>
-                        <a:latin typeface="Times New Roman" panose="02020603050405020304" pitchFamily="18" charset="0"/>
-                        <a:ea typeface="SimSun" panose="02010600030101010101" pitchFamily="2" charset="-122"/>
-                        <a:cs typeface="Mangal"/>
-                      </a:endParaRPr>
-                    </a:p>
-                  </a:txBody>
-                  <a:tcPr marL="22412" marR="22412" marT="22412" marB="22412"/>
-                </a:tc>
-                <a:tc>
-                  <a:txBody>
-                    <a:bodyPr/>
-                    <a:lstStyle/>
-                    <a:p>
-                      <a:pPr>
-                        <a:spcAft>
-                          <a:spcPts val="0"/>
-                        </a:spcAft>
-                      </a:pPr>
-                      <a:r>
-                        <a:rPr lang="de-DE" sz="1200" u="sng" kern="150" dirty="0">
-                          <a:effectLst/>
-                        </a:rPr>
-                        <a:t>Ungültiger </a:t>
-                      </a:r>
-                      <a:r>
-                        <a:rPr lang="de-DE" sz="1200" u="sng" kern="150" dirty="0" err="1">
-                          <a:effectLst/>
-                        </a:rPr>
-                        <a:t>Nickname</a:t>
-                      </a:r>
-                      <a:r>
-                        <a:rPr lang="de-DE" sz="1200" u="sng" kern="150" dirty="0">
-                          <a:effectLst/>
-                        </a:rPr>
-                        <a:t>:</a:t>
-                      </a:r>
-                      <a:endParaRPr lang="de-DE" sz="1200" kern="150" dirty="0">
-                        <a:effectLst/>
-                      </a:endParaRPr>
-                    </a:p>
-                    <a:p>
-                      <a:pPr>
-                        <a:spcAft>
-                          <a:spcPts val="0"/>
-                        </a:spcAft>
-                      </a:pPr>
-                      <a:r>
-                        <a:rPr lang="de-DE" sz="1200" kern="150" dirty="0">
-                          <a:effectLst/>
-                        </a:rPr>
-                        <a:t>An Client:</a:t>
-                      </a:r>
-                    </a:p>
-                    <a:p>
-                      <a:pPr>
-                        <a:spcAft>
-                          <a:spcPts val="0"/>
-                        </a:spcAft>
-                      </a:pPr>
-                      <a:r>
-                        <a:rPr lang="de-DE" sz="1200" kern="150" dirty="0">
-                          <a:effectLst/>
-                        </a:rPr>
-                        <a:t>„Name invalid“</a:t>
-                      </a:r>
-                      <a:endParaRPr lang="de-DE" sz="1200" kern="150" dirty="0">
-                        <a:effectLst/>
-                        <a:latin typeface="Times New Roman" panose="02020603050405020304" pitchFamily="18" charset="0"/>
-                        <a:ea typeface="SimSun" panose="02010600030101010101" pitchFamily="2" charset="-122"/>
-                        <a:cs typeface="Mangal"/>
-                      </a:endParaRPr>
-                    </a:p>
-                  </a:txBody>
-                  <a:tcPr marL="22412" marR="22412" marT="22412" marB="22412"/>
-                </a:tc>
-                <a:tc>
-                  <a:txBody>
-                    <a:bodyPr/>
-                    <a:lstStyle/>
-                    <a:p>
-                      <a:pPr>
-                        <a:spcAft>
-                          <a:spcPts val="0"/>
-                        </a:spcAft>
-                      </a:pPr>
-                      <a:r>
-                        <a:rPr lang="de-DE" sz="1200" kern="150">
-                          <a:effectLst/>
-                        </a:rPr>
-                        <a:t>NICKNAME</a:t>
-                      </a:r>
-                      <a:endParaRPr lang="de-DE" sz="1200" kern="150">
-                        <a:effectLst/>
-                        <a:latin typeface="Times New Roman" panose="02020603050405020304" pitchFamily="18" charset="0"/>
-                        <a:ea typeface="SimSun" panose="02010600030101010101" pitchFamily="2" charset="-122"/>
-                        <a:cs typeface="Mangal"/>
-                      </a:endParaRPr>
-                    </a:p>
-                  </a:txBody>
-                  <a:tcPr marL="22412" marR="22412" marT="22412" marB="22412"/>
-                </a:tc>
-                <a:extLst>
-                  <a:ext uri="{0D108BD9-81ED-4DB2-BD59-A6C34878D82A}">
-                    <a16:rowId xmlns:a16="http://schemas.microsoft.com/office/drawing/2014/main" val="3499014501"/>
-                  </a:ext>
-                </a:extLst>
-              </a:tr>
-              <a:tr h="485986">
-                <a:tc>
-                  <a:txBody>
-                    <a:bodyPr/>
-                    <a:lstStyle/>
-                    <a:p>
-                      <a:pPr>
-                        <a:spcAft>
-                          <a:spcPts val="0"/>
-                        </a:spcAft>
-                      </a:pPr>
-                      <a:r>
-                        <a:rPr lang="de-DE" sz="1200" kern="150" dirty="0">
-                          <a:effectLst/>
-                        </a:rPr>
-                        <a:t> </a:t>
-                      </a:r>
-                      <a:endParaRPr lang="de-DE" sz="1200" kern="150" dirty="0">
-                        <a:effectLst/>
-                        <a:latin typeface="Times New Roman" panose="02020603050405020304" pitchFamily="18" charset="0"/>
-                        <a:ea typeface="SimSun" panose="02010600030101010101" pitchFamily="2" charset="-122"/>
-                        <a:cs typeface="Mangal"/>
-                      </a:endParaRPr>
-                    </a:p>
-                  </a:txBody>
-                  <a:tcPr marL="22412" marR="22412" marT="22412" marB="22412"/>
-                </a:tc>
-                <a:tc>
-                  <a:txBody>
-                    <a:bodyPr/>
-                    <a:lstStyle/>
-                    <a:p>
-                      <a:pPr>
-                        <a:spcAft>
-                          <a:spcPts val="0"/>
-                        </a:spcAft>
-                      </a:pPr>
-                      <a:r>
-                        <a:rPr lang="de-DE" sz="1200" kern="150">
-                          <a:effectLst/>
-                        </a:rPr>
-                        <a:t>Sonst</a:t>
-                      </a:r>
-                      <a:endParaRPr lang="de-DE" sz="1200" kern="150">
-                        <a:effectLst/>
-                        <a:latin typeface="Times New Roman" panose="02020603050405020304" pitchFamily="18" charset="0"/>
-                        <a:ea typeface="SimSun" panose="02010600030101010101" pitchFamily="2" charset="-122"/>
-                        <a:cs typeface="Mangal"/>
-                      </a:endParaRPr>
-                    </a:p>
-                  </a:txBody>
-                  <a:tcPr marL="22412" marR="22412" marT="22412" marB="22412"/>
-                </a:tc>
-                <a:tc>
-                  <a:txBody>
-                    <a:bodyPr/>
-                    <a:lstStyle/>
-                    <a:p>
-                      <a:pPr>
-                        <a:spcAft>
-                          <a:spcPts val="0"/>
-                        </a:spcAft>
-                      </a:pPr>
-                      <a:r>
-                        <a:rPr lang="de-DE" sz="1200" kern="150" dirty="0">
-                          <a:effectLst/>
-                        </a:rPr>
-                        <a:t>An Client:</a:t>
-                      </a:r>
-                    </a:p>
-                    <a:p>
-                      <a:pPr>
-                        <a:spcAft>
-                          <a:spcPts val="0"/>
-                        </a:spcAft>
-                      </a:pPr>
-                      <a:r>
-                        <a:rPr lang="de-DE" sz="1200" kern="150" dirty="0">
-                          <a:effectLst/>
-                        </a:rPr>
-                        <a:t>„ERR </a:t>
-                      </a:r>
-                      <a:r>
-                        <a:rPr lang="de-DE" sz="1200" kern="150" dirty="0" err="1">
-                          <a:effectLst/>
-                        </a:rPr>
-                        <a:t>unknown</a:t>
-                      </a:r>
-                      <a:r>
-                        <a:rPr lang="de-DE" sz="1200" kern="150" dirty="0">
-                          <a:effectLst/>
-                        </a:rPr>
-                        <a:t> </a:t>
-                      </a:r>
-                      <a:r>
-                        <a:rPr lang="de-DE" sz="1200" kern="150" dirty="0" err="1">
-                          <a:effectLst/>
-                        </a:rPr>
-                        <a:t>command</a:t>
-                      </a:r>
-                      <a:r>
-                        <a:rPr lang="de-DE" sz="1200" kern="150" dirty="0">
-                          <a:effectLst/>
-                        </a:rPr>
-                        <a:t>“</a:t>
-                      </a:r>
-                      <a:endParaRPr lang="de-DE" sz="1200" kern="150" dirty="0">
-                        <a:effectLst/>
-                        <a:latin typeface="Times New Roman" panose="02020603050405020304" pitchFamily="18" charset="0"/>
-                        <a:ea typeface="SimSun" panose="02010600030101010101" pitchFamily="2" charset="-122"/>
-                        <a:cs typeface="Mangal"/>
-                      </a:endParaRPr>
-                    </a:p>
-                  </a:txBody>
-                  <a:tcPr marL="22412" marR="22412" marT="22412" marB="22412"/>
-                </a:tc>
-                <a:tc>
-                  <a:txBody>
-                    <a:bodyPr/>
-                    <a:lstStyle/>
-                    <a:p>
-                      <a:pPr>
-                        <a:spcAft>
-                          <a:spcPts val="0"/>
-                        </a:spcAft>
-                      </a:pPr>
-                      <a:r>
-                        <a:rPr lang="de-DE" sz="1200" kern="150">
-                          <a:effectLst/>
-                        </a:rPr>
-                        <a:t>NICKNAME</a:t>
-                      </a:r>
-                      <a:endParaRPr lang="de-DE" sz="1200" kern="150">
-                        <a:effectLst/>
-                        <a:latin typeface="Times New Roman" panose="02020603050405020304" pitchFamily="18" charset="0"/>
-                        <a:ea typeface="SimSun" panose="02010600030101010101" pitchFamily="2" charset="-122"/>
-                        <a:cs typeface="Mangal"/>
-                      </a:endParaRPr>
-                    </a:p>
-                  </a:txBody>
-                  <a:tcPr marL="22412" marR="22412" marT="22412" marB="22412"/>
-                </a:tc>
-                <a:extLst>
-                  <a:ext uri="{0D108BD9-81ED-4DB2-BD59-A6C34878D82A}">
-                    <a16:rowId xmlns:a16="http://schemas.microsoft.com/office/drawing/2014/main" val="236201766"/>
-                  </a:ext>
-                </a:extLst>
-              </a:tr>
-              <a:tr h="694851">
-                <a:tc>
-                  <a:txBody>
-                    <a:bodyPr/>
-                    <a:lstStyle/>
-                    <a:p>
-                      <a:pPr>
-                        <a:spcAft>
-                          <a:spcPts val="0"/>
-                        </a:spcAft>
-                      </a:pPr>
-                      <a:r>
-                        <a:rPr lang="de-DE" sz="1200" kern="150">
-                          <a:effectLst/>
-                        </a:rPr>
-                        <a:t>WAIT</a:t>
-                      </a:r>
-                      <a:endParaRPr lang="de-DE" sz="1200" kern="150">
-                        <a:effectLst/>
-                        <a:latin typeface="Times New Roman" panose="02020603050405020304" pitchFamily="18" charset="0"/>
-                        <a:ea typeface="SimSun" panose="02010600030101010101" pitchFamily="2" charset="-122"/>
-                        <a:cs typeface="Mangal"/>
-                      </a:endParaRPr>
-                    </a:p>
-                  </a:txBody>
-                  <a:tcPr marL="22412" marR="22412" marT="22412" marB="22412"/>
-                </a:tc>
-                <a:tc>
-                  <a:txBody>
-                    <a:bodyPr/>
-                    <a:lstStyle/>
-                    <a:p>
-                      <a:pPr>
-                        <a:spcAft>
-                          <a:spcPts val="0"/>
-                        </a:spcAft>
-                      </a:pPr>
-                      <a:r>
-                        <a:rPr lang="de-DE" sz="1200" kern="150">
-                          <a:effectLst/>
-                        </a:rPr>
-                        <a:t> </a:t>
-                      </a:r>
-                      <a:endParaRPr lang="de-DE" sz="1200" kern="150">
-                        <a:effectLst/>
-                        <a:latin typeface="Times New Roman" panose="02020603050405020304" pitchFamily="18" charset="0"/>
-                        <a:ea typeface="SimSun" panose="02010600030101010101" pitchFamily="2" charset="-122"/>
-                        <a:cs typeface="Mangal"/>
-                      </a:endParaRPr>
-                    </a:p>
-                  </a:txBody>
-                  <a:tcPr marL="22412" marR="22412" marT="22412" marB="22412"/>
-                </a:tc>
-                <a:tc>
-                  <a:txBody>
-                    <a:bodyPr/>
-                    <a:lstStyle/>
-                    <a:p>
-                      <a:pPr>
-                        <a:spcAft>
-                          <a:spcPts val="0"/>
-                        </a:spcAft>
-                      </a:pPr>
-                      <a:r>
-                        <a:rPr lang="de-DE" sz="1200" u="sng" kern="150" dirty="0">
-                          <a:effectLst/>
-                        </a:rPr>
-                        <a:t>Wenn weiterer Spieler angemeldet</a:t>
-                      </a:r>
-                      <a:endParaRPr lang="de-DE" sz="1200" kern="150" dirty="0">
-                        <a:effectLst/>
-                      </a:endParaRPr>
-                    </a:p>
-                    <a:p>
-                      <a:pPr>
-                        <a:spcAft>
-                          <a:spcPts val="0"/>
-                        </a:spcAft>
-                      </a:pPr>
-                      <a:r>
-                        <a:rPr lang="de-DE" sz="1200" kern="150" dirty="0">
-                          <a:effectLst/>
-                        </a:rPr>
-                        <a:t>„+GAMEWITH &lt;</a:t>
-                      </a:r>
-                      <a:r>
-                        <a:rPr lang="de-DE" sz="1200" kern="150" dirty="0" err="1">
-                          <a:effectLst/>
-                        </a:rPr>
-                        <a:t>name</a:t>
-                      </a:r>
-                      <a:r>
-                        <a:rPr lang="de-DE" sz="1200" kern="150" dirty="0">
-                          <a:effectLst/>
-                        </a:rPr>
-                        <a:t>&gt;“</a:t>
-                      </a:r>
-                    </a:p>
-                    <a:p>
-                      <a:pPr>
-                        <a:spcAft>
-                          <a:spcPts val="0"/>
-                        </a:spcAft>
-                      </a:pPr>
-                      <a:r>
-                        <a:rPr lang="de-DE" sz="1200" kern="150" dirty="0">
-                          <a:effectLst/>
-                        </a:rPr>
-                        <a:t>„+SYMBOL &lt;s&gt;“ oder „+COLOR &lt;c&gt;“</a:t>
-                      </a:r>
-                      <a:endParaRPr lang="de-DE" sz="1200" kern="150" dirty="0">
-                        <a:effectLst/>
-                        <a:latin typeface="Times New Roman" panose="02020603050405020304" pitchFamily="18" charset="0"/>
-                        <a:ea typeface="SimSun" panose="02010600030101010101" pitchFamily="2" charset="-122"/>
-                        <a:cs typeface="Mangal"/>
-                      </a:endParaRPr>
-                    </a:p>
-                  </a:txBody>
-                  <a:tcPr marL="22412" marR="22412" marT="22412" marB="22412"/>
-                </a:tc>
-                <a:tc>
-                  <a:txBody>
-                    <a:bodyPr/>
-                    <a:lstStyle/>
-                    <a:p>
-                      <a:pPr>
-                        <a:spcAft>
-                          <a:spcPts val="0"/>
-                        </a:spcAft>
-                      </a:pPr>
-                      <a:r>
-                        <a:rPr lang="de-DE" sz="1200" kern="150">
-                          <a:effectLst/>
-                        </a:rPr>
-                        <a:t>PASSIVE</a:t>
-                      </a:r>
-                      <a:endParaRPr lang="de-DE" sz="1200" kern="150">
-                        <a:effectLst/>
-                        <a:latin typeface="Times New Roman" panose="02020603050405020304" pitchFamily="18" charset="0"/>
-                        <a:ea typeface="SimSun" panose="02010600030101010101" pitchFamily="2" charset="-122"/>
-                        <a:cs typeface="Mangal"/>
-                      </a:endParaRPr>
-                    </a:p>
-                  </a:txBody>
-                  <a:tcPr marL="22412" marR="22412" marT="22412" marB="22412"/>
-                </a:tc>
-                <a:extLst>
-                  <a:ext uri="{0D108BD9-81ED-4DB2-BD59-A6C34878D82A}">
-                    <a16:rowId xmlns:a16="http://schemas.microsoft.com/office/drawing/2014/main" val="1164618733"/>
-                  </a:ext>
-                </a:extLst>
-              </a:tr>
-              <a:tr h="485986">
-                <a:tc>
-                  <a:txBody>
-                    <a:bodyPr/>
-                    <a:lstStyle/>
-                    <a:p>
-                      <a:pPr>
-                        <a:spcAft>
-                          <a:spcPts val="0"/>
-                        </a:spcAft>
-                      </a:pPr>
-                      <a:r>
-                        <a:rPr lang="de-DE" sz="1200" kern="150">
-                          <a:effectLst/>
-                        </a:rPr>
-                        <a:t> </a:t>
-                      </a:r>
-                      <a:endParaRPr lang="de-DE" sz="1200" kern="150">
-                        <a:effectLst/>
-                        <a:latin typeface="Times New Roman" panose="02020603050405020304" pitchFamily="18" charset="0"/>
-                        <a:ea typeface="SimSun" panose="02010600030101010101" pitchFamily="2" charset="-122"/>
-                        <a:cs typeface="Mangal"/>
-                      </a:endParaRPr>
-                    </a:p>
-                  </a:txBody>
-                  <a:tcPr marL="22412" marR="22412" marT="22412" marB="22412"/>
-                </a:tc>
-                <a:tc>
-                  <a:txBody>
-                    <a:bodyPr/>
-                    <a:lstStyle/>
-                    <a:p>
-                      <a:pPr>
-                        <a:spcAft>
-                          <a:spcPts val="0"/>
-                        </a:spcAft>
-                      </a:pPr>
-                      <a:r>
-                        <a:rPr lang="de-DE" sz="1200" kern="150">
-                          <a:effectLst/>
-                        </a:rPr>
-                        <a:t> </a:t>
-                      </a:r>
-                      <a:endParaRPr lang="de-DE" sz="1200" kern="150">
-                        <a:effectLst/>
-                        <a:latin typeface="Times New Roman" panose="02020603050405020304" pitchFamily="18" charset="0"/>
-                        <a:ea typeface="SimSun" panose="02010600030101010101" pitchFamily="2" charset="-122"/>
-                        <a:cs typeface="Mangal"/>
-                      </a:endParaRPr>
-                    </a:p>
-                  </a:txBody>
-                  <a:tcPr marL="22412" marR="22412" marT="22412" marB="22412"/>
-                </a:tc>
-                <a:tc>
-                  <a:txBody>
-                    <a:bodyPr/>
-                    <a:lstStyle/>
-                    <a:p>
-                      <a:pPr>
-                        <a:spcAft>
-                          <a:spcPts val="0"/>
-                        </a:spcAft>
-                      </a:pPr>
-                      <a:r>
-                        <a:rPr lang="de-DE" sz="1200" u="sng" kern="150" dirty="0">
-                          <a:effectLst/>
-                        </a:rPr>
-                        <a:t>Wenn kein weiterer Spieler angemeldet</a:t>
-                      </a:r>
-                      <a:endParaRPr lang="de-DE" sz="1200" kern="150" dirty="0">
-                        <a:effectLst/>
-                      </a:endParaRPr>
-                    </a:p>
-                    <a:p>
-                      <a:pPr>
-                        <a:spcAft>
-                          <a:spcPts val="0"/>
-                        </a:spcAft>
-                      </a:pPr>
-                      <a:r>
-                        <a:rPr lang="de-DE" sz="1200" kern="150" dirty="0">
-                          <a:effectLst/>
-                        </a:rPr>
-                        <a:t>„</a:t>
-                      </a:r>
-                      <a:r>
-                        <a:rPr lang="de-DE" sz="1200" kern="150" dirty="0" err="1">
-                          <a:effectLst/>
-                        </a:rPr>
-                        <a:t>Wait</a:t>
-                      </a:r>
-                      <a:r>
-                        <a:rPr lang="de-DE" sz="1200" kern="150" dirty="0">
-                          <a:effectLst/>
-                        </a:rPr>
-                        <a:t> </a:t>
-                      </a:r>
-                      <a:r>
-                        <a:rPr lang="de-DE" sz="1200" kern="150" dirty="0" err="1">
-                          <a:effectLst/>
-                        </a:rPr>
-                        <a:t>for</a:t>
-                      </a:r>
-                      <a:r>
-                        <a:rPr lang="de-DE" sz="1200" kern="150" dirty="0">
-                          <a:effectLst/>
-                        </a:rPr>
-                        <a:t> </a:t>
-                      </a:r>
-                      <a:r>
-                        <a:rPr lang="de-DE" sz="1200" kern="150" dirty="0" err="1">
-                          <a:effectLst/>
-                        </a:rPr>
-                        <a:t>second</a:t>
-                      </a:r>
-                      <a:r>
-                        <a:rPr lang="de-DE" sz="1200" kern="150" dirty="0">
-                          <a:effectLst/>
-                        </a:rPr>
-                        <a:t> </a:t>
-                      </a:r>
-                      <a:r>
-                        <a:rPr lang="de-DE" sz="1200" kern="150" dirty="0" err="1">
-                          <a:effectLst/>
-                        </a:rPr>
-                        <a:t>player</a:t>
-                      </a:r>
-                      <a:r>
-                        <a:rPr lang="de-DE" sz="1200" kern="150" dirty="0">
-                          <a:effectLst/>
-                        </a:rPr>
-                        <a:t>“</a:t>
-                      </a:r>
-                      <a:endParaRPr lang="de-DE" sz="1200" kern="150" dirty="0">
-                        <a:effectLst/>
-                        <a:latin typeface="Times New Roman" panose="02020603050405020304" pitchFamily="18" charset="0"/>
-                        <a:ea typeface="SimSun" panose="02010600030101010101" pitchFamily="2" charset="-122"/>
-                        <a:cs typeface="Mangal"/>
-                      </a:endParaRPr>
-                    </a:p>
-                  </a:txBody>
-                  <a:tcPr marL="22412" marR="22412" marT="22412" marB="22412"/>
-                </a:tc>
-                <a:tc>
-                  <a:txBody>
-                    <a:bodyPr/>
-                    <a:lstStyle/>
-                    <a:p>
-                      <a:pPr>
-                        <a:spcAft>
-                          <a:spcPts val="0"/>
-                        </a:spcAft>
-                      </a:pPr>
-                      <a:r>
-                        <a:rPr lang="de-DE" sz="1200" kern="150" dirty="0">
-                          <a:effectLst/>
-                        </a:rPr>
-                        <a:t>WAIT</a:t>
-                      </a:r>
-                      <a:endParaRPr lang="de-DE" sz="1200" kern="150" dirty="0">
-                        <a:effectLst/>
-                        <a:latin typeface="Times New Roman" panose="02020603050405020304" pitchFamily="18" charset="0"/>
-                        <a:ea typeface="SimSun" panose="02010600030101010101" pitchFamily="2" charset="-122"/>
-                        <a:cs typeface="Mangal"/>
-                      </a:endParaRPr>
-                    </a:p>
-                  </a:txBody>
-                  <a:tcPr marL="22412" marR="22412" marT="22412" marB="22412"/>
-                </a:tc>
-                <a:extLst>
-                  <a:ext uri="{0D108BD9-81ED-4DB2-BD59-A6C34878D82A}">
-                    <a16:rowId xmlns:a16="http://schemas.microsoft.com/office/drawing/2014/main" val="113786682"/>
-                  </a:ext>
-                </a:extLst>
-              </a:tr>
-            </a:tbl>
-          </a:graphicData>
-        </a:graphic>
-      </p:graphicFrame>
-    </p:spTree>
-    <p:extLst>
-      <p:ext uri="{BB962C8B-B14F-4D97-AF65-F5344CB8AC3E}">
-        <p14:creationId xmlns:p14="http://schemas.microsoft.com/office/powerpoint/2010/main" val="3403487282"/>
-      </p:ext>
-    </p:extLst>
-  </p:cSld>
-  <p:clrMapOvr>
-    <a:masterClrMapping/>
-  </p:clrMapOvr>
-</p:sld>
-</file>
-
-<file path=ppt/slides/slide13.xml><?xml version="1.0" encoding="utf-8"?>
-<p:sld xmlns:a="http://schemas.openxmlformats.org/drawingml/2006/main" xmlns:r="http://schemas.openxmlformats.org/officeDocument/2006/relationships" xmlns:p="http://schemas.openxmlformats.org/presentationml/2006/main">
-  <p:cSld>
-    <p:spTree>
-      <p:nvGrpSpPr>
-        <p:cNvPr id="1" name=""/>
-        <p:cNvGrpSpPr/>
-        <p:nvPr/>
-      </p:nvGrpSpPr>
-      <p:grpSpPr>
-        <a:xfrm>
-          <a:off x="0" y="0"/>
-          <a:ext cx="0" cy="0"/>
-          <a:chOff x="0" y="0"/>
-          <a:chExt cx="0" cy="0"/>
-        </a:xfrm>
-      </p:grpSpPr>
-      <p:sp>
-        <p:nvSpPr>
-          <p:cNvPr id="2" name="Titel 1"/>
-          <p:cNvSpPr>
-            <a:spLocks noGrp="1"/>
-          </p:cNvSpPr>
-          <p:nvPr>
-            <p:ph type="title"/>
-          </p:nvPr>
-        </p:nvSpPr>
-        <p:spPr>
-          <a:xfrm>
-            <a:off x="1606044" y="471398"/>
-            <a:ext cx="5937755" cy="707697"/>
-          </a:xfrm>
-        </p:spPr>
-        <p:txBody>
-          <a:bodyPr>
-            <a:normAutofit fontScale="90000"/>
-          </a:bodyPr>
-          <a:lstStyle/>
-          <a:p>
-            <a:r>
-              <a:rPr lang="de-DE" dirty="0"/>
-              <a:t>Protokoll</a:t>
-            </a:r>
-          </a:p>
-        </p:txBody>
-      </p:sp>
-      <p:graphicFrame>
-        <p:nvGraphicFramePr>
-          <p:cNvPr id="4" name="Inhaltsplatzhalter 3"/>
-          <p:cNvGraphicFramePr>
-            <a:graphicFrameLocks noGrp="1"/>
-          </p:cNvGraphicFramePr>
-          <p:nvPr>
-            <p:ph idx="1"/>
-            <p:extLst>
-              <p:ext uri="{D42A27DB-BD31-4B8C-83A1-F6EECF244321}">
-                <p14:modId xmlns:p14="http://schemas.microsoft.com/office/powerpoint/2010/main" val="1349462847"/>
-              </p:ext>
-            </p:extLst>
-          </p:nvPr>
-        </p:nvGraphicFramePr>
-        <p:xfrm>
-          <a:off x="706768" y="1762626"/>
-          <a:ext cx="7736306" cy="4579528"/>
-        </p:xfrm>
-        <a:graphic>
-          <a:graphicData uri="http://schemas.openxmlformats.org/drawingml/2006/table">
-            <a:tbl>
-              <a:tblPr>
-                <a:tableStyleId>{5C22544A-7EE6-4342-B048-85BDC9FD1C3A}</a:tableStyleId>
-              </a:tblPr>
-              <a:tblGrid>
-                <a:gridCol w="1242481">
-                  <a:extLst>
-                    <a:ext uri="{9D8B030D-6E8A-4147-A177-3AD203B41FA5}">
-                      <a16:colId xmlns:a16="http://schemas.microsoft.com/office/drawing/2014/main" val="2680741325"/>
-                    </a:ext>
-                  </a:extLst>
-                </a:gridCol>
-                <a:gridCol w="1226553">
-                  <a:extLst>
-                    <a:ext uri="{9D8B030D-6E8A-4147-A177-3AD203B41FA5}">
-                      <a16:colId xmlns:a16="http://schemas.microsoft.com/office/drawing/2014/main" val="3417544872"/>
-                    </a:ext>
-                  </a:extLst>
-                </a:gridCol>
-                <a:gridCol w="3886737">
-                  <a:extLst>
-                    <a:ext uri="{9D8B030D-6E8A-4147-A177-3AD203B41FA5}">
-                      <a16:colId xmlns:a16="http://schemas.microsoft.com/office/drawing/2014/main" val="3333027671"/>
-                    </a:ext>
-                  </a:extLst>
-                </a:gridCol>
-                <a:gridCol w="1380535">
-                  <a:extLst>
-                    <a:ext uri="{9D8B030D-6E8A-4147-A177-3AD203B41FA5}">
-                      <a16:colId xmlns:a16="http://schemas.microsoft.com/office/drawing/2014/main" val="3046939283"/>
-                    </a:ext>
-                  </a:extLst>
-                </a:gridCol>
-              </a:tblGrid>
-              <a:tr h="563453">
-                <a:tc>
-                  <a:txBody>
-                    <a:bodyPr/>
-                    <a:lstStyle/>
-                    <a:p>
-                      <a:pPr>
-                        <a:spcAft>
-                          <a:spcPts val="0"/>
-                        </a:spcAft>
-                      </a:pPr>
-                      <a:r>
-                        <a:rPr lang="de-DE" sz="1100" kern="150">
-                          <a:effectLst/>
-                        </a:rPr>
-                        <a:t>PASSIVE</a:t>
-                      </a:r>
-                      <a:endParaRPr lang="de-DE" sz="1100" kern="150">
-                        <a:effectLst/>
-                        <a:latin typeface="Times New Roman" panose="02020603050405020304" pitchFamily="18" charset="0"/>
-                        <a:ea typeface="SimSun" panose="02010600030101010101" pitchFamily="2" charset="-122"/>
-                        <a:cs typeface="Mangal"/>
-                      </a:endParaRPr>
-                    </a:p>
-                  </a:txBody>
-                  <a:tcPr marL="20625" marR="20625" marT="20625" marB="20625"/>
-                </a:tc>
-                <a:tc>
-                  <a:txBody>
-                    <a:bodyPr/>
-                    <a:lstStyle/>
-                    <a:p>
-                      <a:pPr>
-                        <a:spcAft>
-                          <a:spcPts val="0"/>
-                        </a:spcAft>
-                      </a:pPr>
-                      <a:r>
-                        <a:rPr lang="de-DE" sz="1100" kern="150">
-                          <a:effectLst/>
-                        </a:rPr>
-                        <a:t> </a:t>
-                      </a:r>
-                      <a:endParaRPr lang="de-DE" sz="1100" kern="150">
-                        <a:effectLst/>
-                        <a:latin typeface="Times New Roman" panose="02020603050405020304" pitchFamily="18" charset="0"/>
-                        <a:ea typeface="SimSun" panose="02010600030101010101" pitchFamily="2" charset="-122"/>
-                        <a:cs typeface="Mangal"/>
-                      </a:endParaRPr>
-                    </a:p>
-                  </a:txBody>
-                  <a:tcPr marL="20625" marR="20625" marT="20625" marB="20625"/>
-                </a:tc>
-                <a:tc>
-                  <a:txBody>
-                    <a:bodyPr/>
-                    <a:lstStyle/>
-                    <a:p>
-                      <a:pPr>
-                        <a:spcAft>
-                          <a:spcPts val="0"/>
-                        </a:spcAft>
-                      </a:pPr>
-                      <a:r>
-                        <a:rPr lang="de-DE" sz="1100" u="sng" kern="150" dirty="0">
-                          <a:effectLst/>
-                        </a:rPr>
-                        <a:t>Wenn Spieler am Zug:</a:t>
-                      </a:r>
-                      <a:endParaRPr lang="de-DE" sz="1100" kern="150" dirty="0">
-                        <a:effectLst/>
-                      </a:endParaRPr>
-                    </a:p>
-                    <a:p>
-                      <a:pPr>
-                        <a:spcAft>
-                          <a:spcPts val="0"/>
-                        </a:spcAft>
-                      </a:pPr>
-                      <a:r>
-                        <a:rPr lang="de-DE" sz="1100" kern="150" dirty="0">
-                          <a:effectLst/>
-                        </a:rPr>
-                        <a:t>An Client</a:t>
-                      </a:r>
-                    </a:p>
-                    <a:p>
-                      <a:pPr>
-                        <a:spcAft>
-                          <a:spcPts val="0"/>
-                        </a:spcAft>
-                      </a:pPr>
-                      <a:r>
-                        <a:rPr lang="de-DE" sz="1100" kern="150" dirty="0">
-                          <a:effectLst/>
-                        </a:rPr>
-                        <a:t>„+ACTIVE </a:t>
-                      </a:r>
-                      <a:r>
-                        <a:rPr lang="de-DE" sz="1100" kern="150" dirty="0" err="1">
-                          <a:effectLst/>
-                        </a:rPr>
-                        <a:t>it</a:t>
-                      </a:r>
-                      <a:r>
-                        <a:rPr lang="de-DE" sz="1100" kern="150" dirty="0">
-                          <a:effectLst/>
-                        </a:rPr>
-                        <a:t> </a:t>
-                      </a:r>
-                      <a:r>
-                        <a:rPr lang="de-DE" sz="1100" kern="150" dirty="0" err="1">
-                          <a:effectLst/>
-                        </a:rPr>
-                        <a:t>is</a:t>
-                      </a:r>
-                      <a:r>
-                        <a:rPr lang="de-DE" sz="1100" kern="150" dirty="0">
-                          <a:effectLst/>
-                        </a:rPr>
-                        <a:t> </a:t>
-                      </a:r>
-                      <a:r>
-                        <a:rPr lang="de-DE" sz="1100" kern="150" dirty="0" err="1">
-                          <a:effectLst/>
-                        </a:rPr>
-                        <a:t>your</a:t>
-                      </a:r>
-                      <a:r>
-                        <a:rPr lang="de-DE" sz="1100" kern="150" dirty="0">
-                          <a:effectLst/>
-                        </a:rPr>
-                        <a:t> turn – type MOVE &lt;i&gt; &lt;j&gt;“</a:t>
-                      </a:r>
-                      <a:endParaRPr lang="de-DE" sz="1100" kern="150" dirty="0">
-                        <a:effectLst/>
-                        <a:latin typeface="Times New Roman" panose="02020603050405020304" pitchFamily="18" charset="0"/>
-                        <a:ea typeface="SimSun" panose="02010600030101010101" pitchFamily="2" charset="-122"/>
-                        <a:cs typeface="Mangal"/>
-                      </a:endParaRPr>
-                    </a:p>
-                  </a:txBody>
-                  <a:tcPr marL="20625" marR="20625" marT="20625" marB="20625"/>
-                </a:tc>
-                <a:tc>
-                  <a:txBody>
-                    <a:bodyPr/>
-                    <a:lstStyle/>
-                    <a:p>
-                      <a:pPr>
-                        <a:spcAft>
-                          <a:spcPts val="0"/>
-                        </a:spcAft>
-                      </a:pPr>
-                      <a:r>
-                        <a:rPr lang="de-DE" sz="1100" kern="150">
-                          <a:effectLst/>
-                        </a:rPr>
-                        <a:t>ACTIVE</a:t>
-                      </a:r>
-                      <a:endParaRPr lang="de-DE" sz="1100" kern="150">
-                        <a:effectLst/>
-                        <a:latin typeface="Times New Roman" panose="02020603050405020304" pitchFamily="18" charset="0"/>
-                        <a:ea typeface="SimSun" panose="02010600030101010101" pitchFamily="2" charset="-122"/>
-                        <a:cs typeface="Mangal"/>
-                      </a:endParaRPr>
-                    </a:p>
-                  </a:txBody>
-                  <a:tcPr marL="20625" marR="20625" marT="20625" marB="20625"/>
-                </a:tc>
-                <a:extLst>
-                  <a:ext uri="{0D108BD9-81ED-4DB2-BD59-A6C34878D82A}">
-                    <a16:rowId xmlns:a16="http://schemas.microsoft.com/office/drawing/2014/main" val="1068678410"/>
-                  </a:ext>
-                </a:extLst>
-              </a:tr>
-              <a:tr h="394114">
-                <a:tc>
-                  <a:txBody>
-                    <a:bodyPr/>
-                    <a:lstStyle/>
-                    <a:p>
-                      <a:pPr>
-                        <a:spcAft>
-                          <a:spcPts val="0"/>
-                        </a:spcAft>
-                      </a:pPr>
-                      <a:r>
-                        <a:rPr lang="de-DE" sz="1100" kern="150">
-                          <a:effectLst/>
-                        </a:rPr>
-                        <a:t> </a:t>
-                      </a:r>
-                      <a:endParaRPr lang="de-DE" sz="1100" kern="150">
-                        <a:effectLst/>
-                        <a:latin typeface="Times New Roman" panose="02020603050405020304" pitchFamily="18" charset="0"/>
-                        <a:ea typeface="SimSun" panose="02010600030101010101" pitchFamily="2" charset="-122"/>
-                        <a:cs typeface="Mangal"/>
-                      </a:endParaRPr>
-                    </a:p>
-                  </a:txBody>
-                  <a:tcPr marL="20625" marR="20625" marT="20625" marB="20625"/>
-                </a:tc>
-                <a:tc>
-                  <a:txBody>
-                    <a:bodyPr/>
-                    <a:lstStyle/>
-                    <a:p>
-                      <a:pPr>
-                        <a:spcAft>
-                          <a:spcPts val="0"/>
-                        </a:spcAft>
-                      </a:pPr>
-                      <a:r>
-                        <a:rPr lang="de-DE" sz="1100" kern="150">
-                          <a:effectLst/>
-                        </a:rPr>
-                        <a:t>Beliebige Anfrage</a:t>
-                      </a:r>
-                      <a:endParaRPr lang="de-DE" sz="1100" kern="150">
-                        <a:effectLst/>
-                        <a:latin typeface="Times New Roman" panose="02020603050405020304" pitchFamily="18" charset="0"/>
-                        <a:ea typeface="SimSun" panose="02010600030101010101" pitchFamily="2" charset="-122"/>
-                        <a:cs typeface="Mangal"/>
-                      </a:endParaRPr>
-                    </a:p>
-                  </a:txBody>
-                  <a:tcPr marL="20625" marR="20625" marT="20625" marB="20625"/>
-                </a:tc>
-                <a:tc>
-                  <a:txBody>
-                    <a:bodyPr/>
-                    <a:lstStyle/>
-                    <a:p>
-                      <a:pPr>
-                        <a:spcAft>
-                          <a:spcPts val="0"/>
-                        </a:spcAft>
-                      </a:pPr>
-                      <a:r>
-                        <a:rPr lang="de-DE" sz="1100" u="sng" kern="150">
-                          <a:effectLst/>
-                        </a:rPr>
-                        <a:t>An Client:</a:t>
-                      </a:r>
-                      <a:endParaRPr lang="de-DE" sz="1100" kern="150">
-                        <a:effectLst/>
-                      </a:endParaRPr>
-                    </a:p>
-                    <a:p>
-                      <a:pPr>
-                        <a:spcAft>
-                          <a:spcPts val="0"/>
-                        </a:spcAft>
-                      </a:pPr>
-                      <a:r>
-                        <a:rPr lang="de-DE" sz="1100" kern="150">
-                          <a:effectLst/>
-                        </a:rPr>
-                        <a:t>„-ERR it is not your turn“</a:t>
-                      </a:r>
-                      <a:endParaRPr lang="de-DE" sz="1100" kern="150">
-                        <a:effectLst/>
-                        <a:latin typeface="Times New Roman" panose="02020603050405020304" pitchFamily="18" charset="0"/>
-                        <a:ea typeface="SimSun" panose="02010600030101010101" pitchFamily="2" charset="-122"/>
-                        <a:cs typeface="Mangal"/>
-                      </a:endParaRPr>
-                    </a:p>
-                  </a:txBody>
-                  <a:tcPr marL="20625" marR="20625" marT="20625" marB="20625"/>
-                </a:tc>
-                <a:tc>
-                  <a:txBody>
-                    <a:bodyPr/>
-                    <a:lstStyle/>
-                    <a:p>
-                      <a:pPr>
-                        <a:spcAft>
-                          <a:spcPts val="0"/>
-                        </a:spcAft>
-                      </a:pPr>
-                      <a:r>
-                        <a:rPr lang="de-DE" sz="1100" kern="150">
-                          <a:effectLst/>
-                        </a:rPr>
-                        <a:t> </a:t>
-                      </a:r>
-                      <a:endParaRPr lang="de-DE" sz="1100" kern="150">
-                        <a:effectLst/>
-                        <a:latin typeface="Times New Roman" panose="02020603050405020304" pitchFamily="18" charset="0"/>
-                        <a:ea typeface="SimSun" panose="02010600030101010101" pitchFamily="2" charset="-122"/>
-                        <a:cs typeface="Mangal"/>
-                      </a:endParaRPr>
-                    </a:p>
-                  </a:txBody>
-                  <a:tcPr marL="20625" marR="20625" marT="20625" marB="20625"/>
-                </a:tc>
-                <a:extLst>
-                  <a:ext uri="{0D108BD9-81ED-4DB2-BD59-A6C34878D82A}">
-                    <a16:rowId xmlns:a16="http://schemas.microsoft.com/office/drawing/2014/main" val="2164313326"/>
-                  </a:ext>
-                </a:extLst>
-              </a:tr>
-              <a:tr h="732790">
-                <a:tc>
-                  <a:txBody>
-                    <a:bodyPr/>
-                    <a:lstStyle/>
-                    <a:p>
-                      <a:pPr>
-                        <a:spcAft>
-                          <a:spcPts val="0"/>
-                        </a:spcAft>
-                      </a:pPr>
-                      <a:r>
-                        <a:rPr lang="de-DE" sz="1100" kern="150">
-                          <a:effectLst/>
-                        </a:rPr>
-                        <a:t>ACTIVE</a:t>
-                      </a:r>
-                      <a:endParaRPr lang="de-DE" sz="1100" kern="150">
-                        <a:effectLst/>
-                        <a:latin typeface="Times New Roman" panose="02020603050405020304" pitchFamily="18" charset="0"/>
-                        <a:ea typeface="SimSun" panose="02010600030101010101" pitchFamily="2" charset="-122"/>
-                        <a:cs typeface="Mangal"/>
-                      </a:endParaRPr>
-                    </a:p>
-                  </a:txBody>
-                  <a:tcPr marL="20625" marR="20625" marT="20625" marB="20625"/>
-                </a:tc>
-                <a:tc>
-                  <a:txBody>
-                    <a:bodyPr/>
-                    <a:lstStyle/>
-                    <a:p>
-                      <a:pPr>
-                        <a:spcAft>
-                          <a:spcPts val="0"/>
-                        </a:spcAft>
-                      </a:pPr>
-                      <a:r>
-                        <a:rPr lang="de-DE" sz="1100" kern="150">
-                          <a:effectLst/>
-                        </a:rPr>
-                        <a:t>„MOVE &lt;i&gt; &lt;j&gt;“</a:t>
-                      </a:r>
-                      <a:endParaRPr lang="de-DE" sz="1100" kern="150">
-                        <a:effectLst/>
-                        <a:latin typeface="Times New Roman" panose="02020603050405020304" pitchFamily="18" charset="0"/>
-                        <a:ea typeface="SimSun" panose="02010600030101010101" pitchFamily="2" charset="-122"/>
-                        <a:cs typeface="Mangal"/>
-                      </a:endParaRPr>
-                    </a:p>
-                  </a:txBody>
-                  <a:tcPr marL="20625" marR="20625" marT="20625" marB="20625"/>
-                </a:tc>
-                <a:tc>
-                  <a:txBody>
-                    <a:bodyPr/>
-                    <a:lstStyle/>
-                    <a:p>
-                      <a:pPr>
-                        <a:spcAft>
-                          <a:spcPts val="0"/>
-                        </a:spcAft>
-                      </a:pPr>
-                      <a:r>
-                        <a:rPr lang="de-DE" sz="1100" u="sng" kern="150" dirty="0">
-                          <a:effectLst/>
-                        </a:rPr>
-                        <a:t>Wenn Zug möglich:</a:t>
-                      </a:r>
-                      <a:endParaRPr lang="de-DE" sz="1100" kern="150" dirty="0">
-                        <a:effectLst/>
-                      </a:endParaRPr>
-                    </a:p>
-                    <a:p>
-                      <a:pPr>
-                        <a:spcAft>
-                          <a:spcPts val="0"/>
-                        </a:spcAft>
-                      </a:pPr>
-                      <a:r>
-                        <a:rPr lang="de-DE" sz="1100" kern="150" dirty="0">
-                          <a:effectLst/>
-                        </a:rPr>
-                        <a:t>An beide:</a:t>
-                      </a:r>
-                    </a:p>
-                    <a:p>
-                      <a:pPr>
-                        <a:spcAft>
-                          <a:spcPts val="0"/>
-                        </a:spcAft>
-                      </a:pPr>
-                      <a:r>
-                        <a:rPr lang="de-DE" sz="1100" kern="150" dirty="0">
-                          <a:effectLst/>
-                        </a:rPr>
-                        <a:t>„+SET &lt;</a:t>
-                      </a:r>
-                      <a:r>
-                        <a:rPr lang="de-DE" sz="1100" kern="150" dirty="0" err="1">
-                          <a:effectLst/>
-                        </a:rPr>
-                        <a:t>symbol</a:t>
-                      </a:r>
-                      <a:r>
-                        <a:rPr lang="de-DE" sz="1100" kern="150" dirty="0">
-                          <a:effectLst/>
-                        </a:rPr>
-                        <a:t>&gt; &lt;i&gt; &lt;j&gt;“ oder „+SET &lt;</a:t>
-                      </a:r>
-                      <a:r>
-                        <a:rPr lang="de-DE" sz="1100" kern="150" dirty="0" err="1">
-                          <a:effectLst/>
-                        </a:rPr>
-                        <a:t>color</a:t>
-                      </a:r>
-                      <a:r>
-                        <a:rPr lang="de-DE" sz="1100" kern="150" dirty="0">
-                          <a:effectLst/>
-                        </a:rPr>
-                        <a:t>&gt; &lt;i&gt; &lt;j&gt;</a:t>
-                      </a:r>
-                    </a:p>
-                    <a:p>
-                      <a:pPr>
-                        <a:spcAft>
-                          <a:spcPts val="0"/>
-                        </a:spcAft>
-                      </a:pPr>
-                      <a:r>
-                        <a:rPr lang="de-DE" sz="1100" kern="150" dirty="0">
-                          <a:effectLst/>
-                        </a:rPr>
-                        <a:t>„+PASSIVE“</a:t>
-                      </a:r>
-                      <a:endParaRPr lang="de-DE" sz="1100" kern="150" dirty="0">
-                        <a:effectLst/>
-                        <a:latin typeface="Times New Roman" panose="02020603050405020304" pitchFamily="18" charset="0"/>
-                        <a:ea typeface="SimSun" panose="02010600030101010101" pitchFamily="2" charset="-122"/>
-                        <a:cs typeface="Mangal"/>
-                      </a:endParaRPr>
-                    </a:p>
-                  </a:txBody>
-                  <a:tcPr marL="20625" marR="20625" marT="20625" marB="20625"/>
-                </a:tc>
-                <a:tc>
-                  <a:txBody>
-                    <a:bodyPr/>
-                    <a:lstStyle/>
-                    <a:p>
-                      <a:pPr>
-                        <a:spcAft>
-                          <a:spcPts val="0"/>
-                        </a:spcAft>
-                      </a:pPr>
-                      <a:r>
-                        <a:rPr lang="de-DE" sz="1100" kern="150">
-                          <a:effectLst/>
-                        </a:rPr>
-                        <a:t>PASSIVE</a:t>
-                      </a:r>
-                      <a:endParaRPr lang="de-DE" sz="1100" kern="150">
-                        <a:effectLst/>
-                        <a:latin typeface="Times New Roman" panose="02020603050405020304" pitchFamily="18" charset="0"/>
-                        <a:ea typeface="SimSun" panose="02010600030101010101" pitchFamily="2" charset="-122"/>
-                        <a:cs typeface="Mangal"/>
-                      </a:endParaRPr>
-                    </a:p>
-                  </a:txBody>
-                  <a:tcPr marL="20625" marR="20625" marT="20625" marB="20625"/>
-                </a:tc>
-                <a:extLst>
-                  <a:ext uri="{0D108BD9-81ED-4DB2-BD59-A6C34878D82A}">
-                    <a16:rowId xmlns:a16="http://schemas.microsoft.com/office/drawing/2014/main" val="2885154336"/>
-                  </a:ext>
-                </a:extLst>
-              </a:tr>
-              <a:tr h="563453">
-                <a:tc>
-                  <a:txBody>
-                    <a:bodyPr/>
-                    <a:lstStyle/>
-                    <a:p>
-                      <a:pPr>
-                        <a:spcAft>
-                          <a:spcPts val="0"/>
-                        </a:spcAft>
-                      </a:pPr>
-                      <a:r>
-                        <a:rPr lang="de-DE" sz="1100" kern="150">
-                          <a:effectLst/>
-                        </a:rPr>
-                        <a:t> </a:t>
-                      </a:r>
-                      <a:endParaRPr lang="de-DE" sz="1100" kern="150">
-                        <a:effectLst/>
-                        <a:latin typeface="Times New Roman" panose="02020603050405020304" pitchFamily="18" charset="0"/>
-                        <a:ea typeface="SimSun" panose="02010600030101010101" pitchFamily="2" charset="-122"/>
-                        <a:cs typeface="Mangal"/>
-                      </a:endParaRPr>
-                    </a:p>
-                  </a:txBody>
-                  <a:tcPr marL="20625" marR="20625" marT="20625" marB="20625"/>
-                </a:tc>
-                <a:tc>
-                  <a:txBody>
-                    <a:bodyPr/>
-                    <a:lstStyle/>
-                    <a:p>
-                      <a:pPr>
-                        <a:spcAft>
-                          <a:spcPts val="0"/>
-                        </a:spcAft>
-                      </a:pPr>
-                      <a:r>
-                        <a:rPr lang="de-DE" sz="1100" kern="150">
-                          <a:effectLst/>
-                        </a:rPr>
-                        <a:t> </a:t>
-                      </a:r>
-                      <a:endParaRPr lang="de-DE" sz="1100" kern="150">
-                        <a:effectLst/>
-                        <a:latin typeface="Times New Roman" panose="02020603050405020304" pitchFamily="18" charset="0"/>
-                        <a:ea typeface="SimSun" panose="02010600030101010101" pitchFamily="2" charset="-122"/>
-                        <a:cs typeface="Mangal"/>
-                      </a:endParaRPr>
-                    </a:p>
-                  </a:txBody>
-                  <a:tcPr marL="20625" marR="20625" marT="20625" marB="20625"/>
-                </a:tc>
-                <a:tc>
-                  <a:txBody>
-                    <a:bodyPr/>
-                    <a:lstStyle/>
-                    <a:p>
-                      <a:pPr>
-                        <a:spcAft>
-                          <a:spcPts val="0"/>
-                        </a:spcAft>
-                      </a:pPr>
-                      <a:r>
-                        <a:rPr lang="de-DE" sz="1100" u="sng" kern="150" dirty="0">
-                          <a:effectLst/>
-                        </a:rPr>
-                        <a:t>Wenn Zug nicht möglich:</a:t>
-                      </a:r>
-                      <a:endParaRPr lang="de-DE" sz="1100" kern="150" dirty="0">
-                        <a:effectLst/>
-                      </a:endParaRPr>
-                    </a:p>
-                    <a:p>
-                      <a:pPr>
-                        <a:spcAft>
-                          <a:spcPts val="0"/>
-                        </a:spcAft>
-                      </a:pPr>
-                      <a:r>
-                        <a:rPr lang="de-DE" sz="1100" kern="150" dirty="0">
-                          <a:effectLst/>
-                        </a:rPr>
-                        <a:t>An Client:</a:t>
-                      </a:r>
-                    </a:p>
-                    <a:p>
-                      <a:pPr>
-                        <a:spcAft>
-                          <a:spcPts val="0"/>
-                        </a:spcAft>
-                      </a:pPr>
-                      <a:r>
-                        <a:rPr lang="de-DE" sz="1100" kern="150" dirty="0">
-                          <a:effectLst/>
-                        </a:rPr>
-                        <a:t>„</a:t>
-                      </a:r>
-                      <a:r>
-                        <a:rPr lang="de-DE" sz="1100" kern="150" dirty="0" err="1">
-                          <a:effectLst/>
-                        </a:rPr>
-                        <a:t>move</a:t>
-                      </a:r>
-                      <a:r>
-                        <a:rPr lang="de-DE" sz="1100" kern="150" dirty="0">
-                          <a:effectLst/>
-                        </a:rPr>
-                        <a:t> not </a:t>
-                      </a:r>
-                      <a:r>
-                        <a:rPr lang="de-DE" sz="1100" kern="150" dirty="0" err="1">
-                          <a:effectLst/>
-                        </a:rPr>
-                        <a:t>possible</a:t>
-                      </a:r>
-                      <a:r>
-                        <a:rPr lang="de-DE" sz="1100" kern="150" dirty="0">
-                          <a:effectLst/>
-                        </a:rPr>
-                        <a:t>“</a:t>
-                      </a:r>
-                      <a:endParaRPr lang="de-DE" sz="1100" kern="150" dirty="0">
-                        <a:effectLst/>
-                        <a:latin typeface="Times New Roman" panose="02020603050405020304" pitchFamily="18" charset="0"/>
-                        <a:ea typeface="SimSun" panose="02010600030101010101" pitchFamily="2" charset="-122"/>
-                        <a:cs typeface="Mangal"/>
-                      </a:endParaRPr>
-                    </a:p>
-                  </a:txBody>
-                  <a:tcPr marL="20625" marR="20625" marT="20625" marB="20625"/>
-                </a:tc>
-                <a:tc>
-                  <a:txBody>
-                    <a:bodyPr/>
-                    <a:lstStyle/>
-                    <a:p>
-                      <a:pPr>
-                        <a:spcAft>
-                          <a:spcPts val="0"/>
-                        </a:spcAft>
-                      </a:pPr>
-                      <a:r>
-                        <a:rPr lang="de-DE" sz="1100" kern="150">
-                          <a:effectLst/>
-                        </a:rPr>
-                        <a:t>ACTIVE</a:t>
-                      </a:r>
-                      <a:endParaRPr lang="de-DE" sz="1100" kern="150">
-                        <a:effectLst/>
-                        <a:latin typeface="Times New Roman" panose="02020603050405020304" pitchFamily="18" charset="0"/>
-                        <a:ea typeface="SimSun" panose="02010600030101010101" pitchFamily="2" charset="-122"/>
-                        <a:cs typeface="Mangal"/>
-                      </a:endParaRPr>
-                    </a:p>
-                  </a:txBody>
-                  <a:tcPr marL="20625" marR="20625" marT="20625" marB="20625"/>
-                </a:tc>
-                <a:extLst>
-                  <a:ext uri="{0D108BD9-81ED-4DB2-BD59-A6C34878D82A}">
-                    <a16:rowId xmlns:a16="http://schemas.microsoft.com/office/drawing/2014/main" val="2846983763"/>
-                  </a:ext>
-                </a:extLst>
-              </a:tr>
-              <a:tr h="394114">
-                <a:tc>
-                  <a:txBody>
-                    <a:bodyPr/>
-                    <a:lstStyle/>
-                    <a:p>
-                      <a:pPr>
-                        <a:spcAft>
-                          <a:spcPts val="0"/>
-                        </a:spcAft>
-                      </a:pPr>
-                      <a:r>
-                        <a:rPr lang="de-DE" sz="1100" kern="150">
-                          <a:effectLst/>
-                        </a:rPr>
-                        <a:t>OVER</a:t>
-                      </a:r>
-                      <a:endParaRPr lang="de-DE" sz="1100" kern="150">
-                        <a:effectLst/>
-                        <a:latin typeface="Times New Roman" panose="02020603050405020304" pitchFamily="18" charset="0"/>
-                        <a:ea typeface="SimSun" panose="02010600030101010101" pitchFamily="2" charset="-122"/>
-                        <a:cs typeface="Mangal"/>
-                      </a:endParaRPr>
-                    </a:p>
-                  </a:txBody>
-                  <a:tcPr marL="20625" marR="20625" marT="20625" marB="20625"/>
-                </a:tc>
-                <a:tc>
-                  <a:txBody>
-                    <a:bodyPr/>
-                    <a:lstStyle/>
-                    <a:p>
-                      <a:pPr>
-                        <a:spcAft>
-                          <a:spcPts val="0"/>
-                        </a:spcAft>
-                      </a:pPr>
-                      <a:r>
-                        <a:rPr lang="de-DE" sz="1100" kern="150">
-                          <a:effectLst/>
-                        </a:rPr>
-                        <a:t>„NEW“</a:t>
-                      </a:r>
-                      <a:endParaRPr lang="de-DE" sz="1100" kern="150">
-                        <a:effectLst/>
-                        <a:latin typeface="Times New Roman" panose="02020603050405020304" pitchFamily="18" charset="0"/>
-                        <a:ea typeface="SimSun" panose="02010600030101010101" pitchFamily="2" charset="-122"/>
-                        <a:cs typeface="Mangal"/>
-                      </a:endParaRPr>
-                    </a:p>
-                  </a:txBody>
-                  <a:tcPr marL="20625" marR="20625" marT="20625" marB="20625"/>
-                </a:tc>
-                <a:tc>
-                  <a:txBody>
-                    <a:bodyPr/>
-                    <a:lstStyle/>
-                    <a:p>
-                      <a:pPr>
-                        <a:spcAft>
-                          <a:spcPts val="0"/>
-                        </a:spcAft>
-                      </a:pPr>
-                      <a:r>
-                        <a:rPr lang="de-DE" sz="1100" kern="150">
-                          <a:effectLst/>
-                        </a:rPr>
-                        <a:t>An Client:</a:t>
-                      </a:r>
-                    </a:p>
-                    <a:p>
-                      <a:pPr>
-                        <a:spcAft>
-                          <a:spcPts val="0"/>
-                        </a:spcAft>
-                      </a:pPr>
-                      <a:r>
-                        <a:rPr lang="de-DE" sz="1100" kern="150">
-                          <a:effectLst/>
-                        </a:rPr>
-                        <a:t>„OK“</a:t>
-                      </a:r>
-                      <a:endParaRPr lang="de-DE" sz="1100" kern="150">
-                        <a:effectLst/>
-                        <a:latin typeface="Times New Roman" panose="02020603050405020304" pitchFamily="18" charset="0"/>
-                        <a:ea typeface="SimSun" panose="02010600030101010101" pitchFamily="2" charset="-122"/>
-                        <a:cs typeface="Mangal"/>
-                      </a:endParaRPr>
-                    </a:p>
-                  </a:txBody>
-                  <a:tcPr marL="20625" marR="20625" marT="20625" marB="20625"/>
-                </a:tc>
-                <a:tc>
-                  <a:txBody>
-                    <a:bodyPr/>
-                    <a:lstStyle/>
-                    <a:p>
-                      <a:pPr>
-                        <a:spcAft>
-                          <a:spcPts val="0"/>
-                        </a:spcAft>
-                      </a:pPr>
-                      <a:r>
-                        <a:rPr lang="de-DE" sz="1100" kern="150">
-                          <a:effectLst/>
-                        </a:rPr>
-                        <a:t>WAIT</a:t>
-                      </a:r>
-                      <a:endParaRPr lang="de-DE" sz="1100" kern="150">
-                        <a:effectLst/>
-                        <a:latin typeface="Times New Roman" panose="02020603050405020304" pitchFamily="18" charset="0"/>
-                        <a:ea typeface="SimSun" panose="02010600030101010101" pitchFamily="2" charset="-122"/>
-                        <a:cs typeface="Mangal"/>
-                      </a:endParaRPr>
-                    </a:p>
-                  </a:txBody>
-                  <a:tcPr marL="20625" marR="20625" marT="20625" marB="20625"/>
-                </a:tc>
-                <a:extLst>
-                  <a:ext uri="{0D108BD9-81ED-4DB2-BD59-A6C34878D82A}">
-                    <a16:rowId xmlns:a16="http://schemas.microsoft.com/office/drawing/2014/main" val="1407925582"/>
-                  </a:ext>
-                </a:extLst>
-              </a:tr>
-              <a:tr h="563453">
-                <a:tc>
-                  <a:txBody>
-                    <a:bodyPr/>
-                    <a:lstStyle/>
-                    <a:p>
-                      <a:pPr>
-                        <a:spcAft>
-                          <a:spcPts val="0"/>
-                        </a:spcAft>
-                      </a:pPr>
-                      <a:r>
-                        <a:rPr lang="de-DE" sz="1100" kern="150">
-                          <a:effectLst/>
-                        </a:rPr>
-                        <a:t>Beliebig</a:t>
-                      </a:r>
-                      <a:endParaRPr lang="de-DE" sz="1100" kern="150">
-                        <a:effectLst/>
-                        <a:latin typeface="Times New Roman" panose="02020603050405020304" pitchFamily="18" charset="0"/>
-                        <a:ea typeface="SimSun" panose="02010600030101010101" pitchFamily="2" charset="-122"/>
-                        <a:cs typeface="Mangal"/>
-                      </a:endParaRPr>
-                    </a:p>
-                  </a:txBody>
-                  <a:tcPr marL="20625" marR="20625" marT="20625" marB="20625"/>
-                </a:tc>
-                <a:tc>
-                  <a:txBody>
-                    <a:bodyPr/>
-                    <a:lstStyle/>
-                    <a:p>
-                      <a:pPr>
-                        <a:spcAft>
-                          <a:spcPts val="0"/>
-                        </a:spcAft>
-                      </a:pPr>
-                      <a:r>
-                        <a:rPr lang="de-DE" sz="1100" kern="150">
-                          <a:effectLst/>
-                        </a:rPr>
-                        <a:t> </a:t>
-                      </a:r>
-                      <a:endParaRPr lang="de-DE" sz="1100" kern="150">
-                        <a:effectLst/>
-                        <a:latin typeface="Times New Roman" panose="02020603050405020304" pitchFamily="18" charset="0"/>
-                        <a:ea typeface="SimSun" panose="02010600030101010101" pitchFamily="2" charset="-122"/>
-                        <a:cs typeface="Mangal"/>
-                      </a:endParaRPr>
-                    </a:p>
-                  </a:txBody>
-                  <a:tcPr marL="20625" marR="20625" marT="20625" marB="20625"/>
-                </a:tc>
-                <a:tc>
-                  <a:txBody>
-                    <a:bodyPr/>
-                    <a:lstStyle/>
-                    <a:p>
-                      <a:pPr>
-                        <a:spcAft>
-                          <a:spcPts val="0"/>
-                        </a:spcAft>
-                      </a:pPr>
-                      <a:r>
-                        <a:rPr lang="de-DE" sz="1100" u="sng" kern="150">
-                          <a:effectLst/>
-                        </a:rPr>
-                        <a:t>Wenn Spiel gewonnen</a:t>
-                      </a:r>
-                      <a:endParaRPr lang="de-DE" sz="1100" kern="150">
-                        <a:effectLst/>
-                      </a:endParaRPr>
-                    </a:p>
-                    <a:p>
-                      <a:pPr>
-                        <a:spcAft>
-                          <a:spcPts val="0"/>
-                        </a:spcAft>
-                      </a:pPr>
-                      <a:r>
-                        <a:rPr lang="de-DE" sz="1100" kern="150">
-                          <a:effectLst/>
-                        </a:rPr>
-                        <a:t>An Client:</a:t>
-                      </a:r>
-                    </a:p>
-                    <a:p>
-                      <a:pPr>
-                        <a:spcAft>
-                          <a:spcPts val="0"/>
-                        </a:spcAft>
-                      </a:pPr>
-                      <a:r>
-                        <a:rPr lang="de-DE" sz="1100" kern="150">
-                          <a:effectLst/>
-                        </a:rPr>
-                        <a:t>„+WON“</a:t>
-                      </a:r>
-                      <a:endParaRPr lang="de-DE" sz="1100" kern="150">
-                        <a:effectLst/>
-                        <a:latin typeface="Times New Roman" panose="02020603050405020304" pitchFamily="18" charset="0"/>
-                        <a:ea typeface="SimSun" panose="02010600030101010101" pitchFamily="2" charset="-122"/>
-                        <a:cs typeface="Mangal"/>
-                      </a:endParaRPr>
-                    </a:p>
-                  </a:txBody>
-                  <a:tcPr marL="20625" marR="20625" marT="20625" marB="20625"/>
-                </a:tc>
-                <a:tc>
-                  <a:txBody>
-                    <a:bodyPr/>
-                    <a:lstStyle/>
-                    <a:p>
-                      <a:pPr>
-                        <a:spcAft>
-                          <a:spcPts val="0"/>
-                        </a:spcAft>
-                      </a:pPr>
-                      <a:r>
-                        <a:rPr lang="de-DE" sz="1100" kern="150">
-                          <a:effectLst/>
-                        </a:rPr>
-                        <a:t>OVER</a:t>
-                      </a:r>
-                      <a:endParaRPr lang="de-DE" sz="1100" kern="150">
-                        <a:effectLst/>
-                        <a:latin typeface="Times New Roman" panose="02020603050405020304" pitchFamily="18" charset="0"/>
-                        <a:ea typeface="SimSun" panose="02010600030101010101" pitchFamily="2" charset="-122"/>
-                        <a:cs typeface="Mangal"/>
-                      </a:endParaRPr>
-                    </a:p>
-                  </a:txBody>
-                  <a:tcPr marL="20625" marR="20625" marT="20625" marB="20625"/>
-                </a:tc>
-                <a:extLst>
-                  <a:ext uri="{0D108BD9-81ED-4DB2-BD59-A6C34878D82A}">
-                    <a16:rowId xmlns:a16="http://schemas.microsoft.com/office/drawing/2014/main" val="3622921779"/>
-                  </a:ext>
-                </a:extLst>
-              </a:tr>
-              <a:tr h="563453">
-                <a:tc>
-                  <a:txBody>
-                    <a:bodyPr/>
-                    <a:lstStyle/>
-                    <a:p>
-                      <a:pPr>
-                        <a:spcAft>
-                          <a:spcPts val="0"/>
-                        </a:spcAft>
-                      </a:pPr>
-                      <a:r>
-                        <a:rPr lang="de-DE" sz="1100" kern="150">
-                          <a:effectLst/>
-                        </a:rPr>
-                        <a:t> </a:t>
-                      </a:r>
-                      <a:endParaRPr lang="de-DE" sz="1100" kern="150">
-                        <a:effectLst/>
-                        <a:latin typeface="Times New Roman" panose="02020603050405020304" pitchFamily="18" charset="0"/>
-                        <a:ea typeface="SimSun" panose="02010600030101010101" pitchFamily="2" charset="-122"/>
-                        <a:cs typeface="Mangal"/>
-                      </a:endParaRPr>
-                    </a:p>
-                  </a:txBody>
-                  <a:tcPr marL="20625" marR="20625" marT="20625" marB="20625"/>
-                </a:tc>
-                <a:tc>
-                  <a:txBody>
-                    <a:bodyPr/>
-                    <a:lstStyle/>
-                    <a:p>
-                      <a:pPr>
-                        <a:spcAft>
-                          <a:spcPts val="0"/>
-                        </a:spcAft>
-                      </a:pPr>
-                      <a:r>
-                        <a:rPr lang="de-DE" sz="1100" kern="150">
-                          <a:effectLst/>
-                        </a:rPr>
-                        <a:t> </a:t>
-                      </a:r>
-                      <a:endParaRPr lang="de-DE" sz="1100" kern="150">
-                        <a:effectLst/>
-                        <a:latin typeface="Times New Roman" panose="02020603050405020304" pitchFamily="18" charset="0"/>
-                        <a:ea typeface="SimSun" panose="02010600030101010101" pitchFamily="2" charset="-122"/>
-                        <a:cs typeface="Mangal"/>
-                      </a:endParaRPr>
-                    </a:p>
-                  </a:txBody>
-                  <a:tcPr marL="20625" marR="20625" marT="20625" marB="20625"/>
-                </a:tc>
-                <a:tc>
-                  <a:txBody>
-                    <a:bodyPr/>
-                    <a:lstStyle/>
-                    <a:p>
-                      <a:pPr>
-                        <a:spcAft>
-                          <a:spcPts val="0"/>
-                        </a:spcAft>
-                      </a:pPr>
-                      <a:r>
-                        <a:rPr lang="de-DE" sz="1100" u="sng" kern="150">
-                          <a:effectLst/>
-                        </a:rPr>
-                        <a:t>Wenn Spiel verloren:</a:t>
-                      </a:r>
-                      <a:endParaRPr lang="de-DE" sz="1100" kern="150">
-                        <a:effectLst/>
-                      </a:endParaRPr>
-                    </a:p>
-                    <a:p>
-                      <a:pPr>
-                        <a:spcAft>
-                          <a:spcPts val="0"/>
-                        </a:spcAft>
-                      </a:pPr>
-                      <a:r>
-                        <a:rPr lang="de-DE" sz="1100" kern="150">
-                          <a:effectLst/>
-                        </a:rPr>
-                        <a:t>An Client:</a:t>
-                      </a:r>
-                    </a:p>
-                    <a:p>
-                      <a:pPr>
-                        <a:spcAft>
-                          <a:spcPts val="0"/>
-                        </a:spcAft>
-                      </a:pPr>
-                      <a:r>
-                        <a:rPr lang="de-DE" sz="1100" kern="150">
-                          <a:effectLst/>
-                        </a:rPr>
-                        <a:t>„+LOST“</a:t>
-                      </a:r>
-                      <a:endParaRPr lang="de-DE" sz="1100" kern="150">
-                        <a:effectLst/>
-                        <a:latin typeface="Times New Roman" panose="02020603050405020304" pitchFamily="18" charset="0"/>
-                        <a:ea typeface="SimSun" panose="02010600030101010101" pitchFamily="2" charset="-122"/>
-                        <a:cs typeface="Mangal"/>
-                      </a:endParaRPr>
-                    </a:p>
-                  </a:txBody>
-                  <a:tcPr marL="20625" marR="20625" marT="20625" marB="20625"/>
-                </a:tc>
-                <a:tc>
-                  <a:txBody>
-                    <a:bodyPr/>
-                    <a:lstStyle/>
-                    <a:p>
-                      <a:pPr>
-                        <a:spcAft>
-                          <a:spcPts val="0"/>
-                        </a:spcAft>
-                      </a:pPr>
-                      <a:r>
-                        <a:rPr lang="de-DE" sz="1100" kern="150">
-                          <a:effectLst/>
-                        </a:rPr>
-                        <a:t>OVER</a:t>
-                      </a:r>
-                      <a:endParaRPr lang="de-DE" sz="1100" kern="150">
-                        <a:effectLst/>
-                        <a:latin typeface="Times New Roman" panose="02020603050405020304" pitchFamily="18" charset="0"/>
-                        <a:ea typeface="SimSun" panose="02010600030101010101" pitchFamily="2" charset="-122"/>
-                        <a:cs typeface="Mangal"/>
-                      </a:endParaRPr>
-                    </a:p>
-                  </a:txBody>
-                  <a:tcPr marL="20625" marR="20625" marT="20625" marB="20625"/>
-                </a:tc>
-                <a:extLst>
-                  <a:ext uri="{0D108BD9-81ED-4DB2-BD59-A6C34878D82A}">
-                    <a16:rowId xmlns:a16="http://schemas.microsoft.com/office/drawing/2014/main" val="1866864909"/>
-                  </a:ext>
-                </a:extLst>
-              </a:tr>
-              <a:tr h="394114">
-                <a:tc>
-                  <a:txBody>
-                    <a:bodyPr/>
-                    <a:lstStyle/>
-                    <a:p>
-                      <a:pPr>
-                        <a:spcAft>
-                          <a:spcPts val="0"/>
-                        </a:spcAft>
-                      </a:pPr>
-                      <a:r>
-                        <a:rPr lang="de-DE" sz="1100" kern="150">
-                          <a:effectLst/>
-                        </a:rPr>
-                        <a:t> </a:t>
-                      </a:r>
-                      <a:endParaRPr lang="de-DE" sz="1100" kern="150">
-                        <a:effectLst/>
-                        <a:latin typeface="Times New Roman" panose="02020603050405020304" pitchFamily="18" charset="0"/>
-                        <a:ea typeface="SimSun" panose="02010600030101010101" pitchFamily="2" charset="-122"/>
-                        <a:cs typeface="Mangal"/>
-                      </a:endParaRPr>
-                    </a:p>
-                  </a:txBody>
-                  <a:tcPr marL="20625" marR="20625" marT="20625" marB="20625"/>
-                </a:tc>
-                <a:tc>
-                  <a:txBody>
-                    <a:bodyPr/>
-                    <a:lstStyle/>
-                    <a:p>
-                      <a:pPr>
-                        <a:spcAft>
-                          <a:spcPts val="0"/>
-                        </a:spcAft>
-                      </a:pPr>
-                      <a:r>
-                        <a:rPr lang="de-DE" sz="1100" kern="150" dirty="0">
-                          <a:effectLst/>
-                        </a:rPr>
-                        <a:t> </a:t>
-                      </a:r>
-                      <a:endParaRPr lang="de-DE" sz="1100" kern="150" dirty="0">
-                        <a:effectLst/>
-                        <a:latin typeface="Times New Roman" panose="02020603050405020304" pitchFamily="18" charset="0"/>
-                        <a:ea typeface="SimSun" panose="02010600030101010101" pitchFamily="2" charset="-122"/>
-                        <a:cs typeface="Mangal"/>
-                      </a:endParaRPr>
-                    </a:p>
-                  </a:txBody>
-                  <a:tcPr marL="20625" marR="20625" marT="20625" marB="20625"/>
-                </a:tc>
-                <a:tc>
-                  <a:txBody>
-                    <a:bodyPr/>
-                    <a:lstStyle/>
-                    <a:p>
-                      <a:pPr>
-                        <a:spcAft>
-                          <a:spcPts val="0"/>
-                        </a:spcAft>
-                      </a:pPr>
-                      <a:r>
-                        <a:rPr lang="de-DE" sz="1100" u="sng" kern="150">
-                          <a:effectLst/>
-                        </a:rPr>
-                        <a:t>Wenn Spiel unentschieden:</a:t>
-                      </a:r>
-                      <a:endParaRPr lang="de-DE" sz="1100" kern="150">
-                        <a:effectLst/>
-                      </a:endParaRPr>
-                    </a:p>
-                    <a:p>
-                      <a:pPr>
-                        <a:spcAft>
-                          <a:spcPts val="0"/>
-                        </a:spcAft>
-                      </a:pPr>
-                      <a:r>
-                        <a:rPr lang="de-DE" sz="1100" kern="150">
-                          <a:effectLst/>
-                        </a:rPr>
-                        <a:t>„+TIED</a:t>
-                      </a:r>
-                      <a:endParaRPr lang="de-DE" sz="1100" kern="150">
-                        <a:effectLst/>
-                        <a:latin typeface="Times New Roman" panose="02020603050405020304" pitchFamily="18" charset="0"/>
-                        <a:ea typeface="SimSun" panose="02010600030101010101" pitchFamily="2" charset="-122"/>
-                        <a:cs typeface="Mangal"/>
-                      </a:endParaRPr>
-                    </a:p>
-                  </a:txBody>
-                  <a:tcPr marL="20625" marR="20625" marT="20625" marB="20625"/>
-                </a:tc>
-                <a:tc>
-                  <a:txBody>
-                    <a:bodyPr/>
-                    <a:lstStyle/>
-                    <a:p>
-                      <a:pPr>
-                        <a:spcAft>
-                          <a:spcPts val="0"/>
-                        </a:spcAft>
-                      </a:pPr>
-                      <a:r>
-                        <a:rPr lang="de-DE" sz="1100" kern="150" dirty="0">
-                          <a:effectLst/>
-                        </a:rPr>
-                        <a:t>OVER</a:t>
-                      </a:r>
-                      <a:endParaRPr lang="de-DE" sz="1100" kern="150" dirty="0">
-                        <a:effectLst/>
-                        <a:latin typeface="Times New Roman" panose="02020603050405020304" pitchFamily="18" charset="0"/>
-                        <a:ea typeface="SimSun" panose="02010600030101010101" pitchFamily="2" charset="-122"/>
-                        <a:cs typeface="Mangal"/>
-                      </a:endParaRPr>
-                    </a:p>
-                  </a:txBody>
-                  <a:tcPr marL="20625" marR="20625" marT="20625" marB="20625"/>
-                </a:tc>
-                <a:extLst>
-                  <a:ext uri="{0D108BD9-81ED-4DB2-BD59-A6C34878D82A}">
-                    <a16:rowId xmlns:a16="http://schemas.microsoft.com/office/drawing/2014/main" val="2706741408"/>
-                  </a:ext>
-                </a:extLst>
-              </a:tr>
-              <a:tr h="394114">
-                <a:tc>
-                  <a:txBody>
-                    <a:bodyPr/>
-                    <a:lstStyle/>
-                    <a:p>
-                      <a:pPr>
-                        <a:spcAft>
-                          <a:spcPts val="0"/>
-                        </a:spcAft>
-                      </a:pPr>
-                      <a:r>
-                        <a:rPr lang="de-DE" sz="1200" kern="150" dirty="0">
-                          <a:effectLst/>
-                        </a:rPr>
-                        <a:t> </a:t>
-                      </a:r>
-                      <a:endParaRPr lang="de-DE" sz="1200" kern="150" dirty="0">
-                        <a:effectLst/>
-                        <a:latin typeface="Times New Roman" panose="02020603050405020304" pitchFamily="18" charset="0"/>
-                        <a:ea typeface="SimSun" panose="02010600030101010101" pitchFamily="2" charset="-122"/>
-                        <a:cs typeface="Mangal"/>
-                      </a:endParaRPr>
-                    </a:p>
-                  </a:txBody>
-                  <a:tcPr marL="22412" marR="22412" marT="22412" marB="22412"/>
-                </a:tc>
-                <a:tc>
-                  <a:txBody>
-                    <a:bodyPr/>
-                    <a:lstStyle/>
-                    <a:p>
-                      <a:pPr>
-                        <a:spcAft>
-                          <a:spcPts val="0"/>
-                        </a:spcAft>
-                      </a:pPr>
-                      <a:r>
-                        <a:rPr lang="de-DE" sz="1200" kern="150" dirty="0">
-                          <a:effectLst/>
-                        </a:rPr>
-                        <a:t>„QUIT“</a:t>
-                      </a:r>
-                      <a:endParaRPr lang="de-DE" sz="1200" kern="150" dirty="0">
-                        <a:effectLst/>
-                        <a:latin typeface="Times New Roman" panose="02020603050405020304" pitchFamily="18" charset="0"/>
-                        <a:ea typeface="SimSun" panose="02010600030101010101" pitchFamily="2" charset="-122"/>
-                        <a:cs typeface="Mangal"/>
-                      </a:endParaRPr>
-                    </a:p>
-                  </a:txBody>
-                  <a:tcPr marL="22412" marR="22412" marT="22412" marB="22412"/>
-                </a:tc>
-                <a:tc>
-                  <a:txBody>
-                    <a:bodyPr/>
-                    <a:lstStyle/>
-                    <a:p>
-                      <a:pPr>
-                        <a:spcAft>
-                          <a:spcPts val="0"/>
-                        </a:spcAft>
-                      </a:pPr>
-                      <a:r>
-                        <a:rPr lang="de-DE" sz="1200" kern="150" dirty="0">
-                          <a:effectLst/>
-                        </a:rPr>
-                        <a:t>An Client:</a:t>
-                      </a:r>
-                    </a:p>
-                    <a:p>
-                      <a:pPr>
-                        <a:spcAft>
-                          <a:spcPts val="0"/>
-                        </a:spcAft>
-                      </a:pPr>
-                      <a:r>
-                        <a:rPr lang="de-DE" sz="1200" kern="150" dirty="0">
-                          <a:effectLst/>
-                        </a:rPr>
-                        <a:t>„See </a:t>
-                      </a:r>
-                      <a:r>
-                        <a:rPr lang="de-DE" sz="1200" kern="150" dirty="0" err="1">
-                          <a:effectLst/>
-                        </a:rPr>
-                        <a:t>you</a:t>
-                      </a:r>
-                      <a:r>
-                        <a:rPr lang="de-DE" sz="1200" kern="150" dirty="0">
-                          <a:effectLst/>
-                        </a:rPr>
-                        <a:t> </a:t>
-                      </a:r>
-                      <a:r>
-                        <a:rPr lang="de-DE" sz="1200" kern="150" dirty="0" err="1">
-                          <a:effectLst/>
-                        </a:rPr>
-                        <a:t>soon</a:t>
-                      </a:r>
-                      <a:r>
-                        <a:rPr lang="de-DE" sz="1200" kern="150" dirty="0">
-                          <a:effectLst/>
-                        </a:rPr>
-                        <a:t>“</a:t>
-                      </a:r>
-                      <a:endParaRPr lang="de-DE" sz="1200" kern="150" dirty="0">
-                        <a:effectLst/>
-                        <a:latin typeface="Times New Roman" panose="02020603050405020304" pitchFamily="18" charset="0"/>
-                        <a:ea typeface="SimSun" panose="02010600030101010101" pitchFamily="2" charset="-122"/>
-                        <a:cs typeface="Mangal"/>
-                      </a:endParaRPr>
-                    </a:p>
-                  </a:txBody>
-                  <a:tcPr marL="22412" marR="22412" marT="22412" marB="22412"/>
-                </a:tc>
-                <a:tc>
-                  <a:txBody>
-                    <a:bodyPr/>
-                    <a:lstStyle/>
-                    <a:p>
-                      <a:pPr>
-                        <a:spcAft>
-                          <a:spcPts val="0"/>
-                        </a:spcAft>
-                      </a:pPr>
-                      <a:r>
-                        <a:rPr lang="de-DE" sz="1200" kern="150" dirty="0">
-                          <a:effectLst/>
-                        </a:rPr>
-                        <a:t>Verbindung beendet</a:t>
-                      </a:r>
-                      <a:endParaRPr lang="de-DE" sz="1200" kern="150" dirty="0">
-                        <a:effectLst/>
-                        <a:latin typeface="Times New Roman" panose="02020603050405020304" pitchFamily="18" charset="0"/>
-                        <a:ea typeface="SimSun" panose="02010600030101010101" pitchFamily="2" charset="-122"/>
-                        <a:cs typeface="Mangal"/>
-                      </a:endParaRPr>
-                    </a:p>
-                  </a:txBody>
-                  <a:tcPr marL="22412" marR="22412" marT="22412" marB="22412"/>
-                </a:tc>
-                <a:extLst>
-                  <a:ext uri="{0D108BD9-81ED-4DB2-BD59-A6C34878D82A}">
-                    <a16:rowId xmlns:a16="http://schemas.microsoft.com/office/drawing/2014/main" val="2651472789"/>
-                  </a:ext>
-                </a:extLst>
-              </a:tr>
-            </a:tbl>
-          </a:graphicData>
-        </a:graphic>
-      </p:graphicFrame>
-    </p:spTree>
-    <p:extLst>
-      <p:ext uri="{BB962C8B-B14F-4D97-AF65-F5344CB8AC3E}">
-        <p14:creationId xmlns:p14="http://schemas.microsoft.com/office/powerpoint/2010/main" val="2989208074"/>
-      </p:ext>
-    </p:extLst>
-  </p:cSld>
-  <p:clrMapOvr>
-    <a:masterClrMapping/>
-  </p:clrMapOvr>
-</p:sld>
-</file>
-
-<file path=ppt/slides/slide14.xml><?xml version="1.0" encoding="utf-8"?>
-<p:sld xmlns:a="http://schemas.openxmlformats.org/drawingml/2006/main" xmlns:r="http://schemas.openxmlformats.org/officeDocument/2006/relationships" xmlns:p="http://schemas.openxmlformats.org/presentationml/2006/main">
-  <p:cSld>
-    <p:spTree>
-      <p:nvGrpSpPr>
-        <p:cNvPr id="1" name=""/>
-        <p:cNvGrpSpPr/>
-        <p:nvPr/>
-      </p:nvGrpSpPr>
-      <p:grpSpPr>
-        <a:xfrm>
-          <a:off x="0" y="0"/>
-          <a:ext cx="0" cy="0"/>
-          <a:chOff x="0" y="0"/>
-          <a:chExt cx="0" cy="0"/>
-        </a:xfrm>
-      </p:grpSpPr>
-      <p:sp>
-        <p:nvSpPr>
-          <p:cNvPr id="2" name="Titel 1"/>
-          <p:cNvSpPr>
-            <a:spLocks noGrp="1"/>
-          </p:cNvSpPr>
-          <p:nvPr>
-            <p:ph type="title"/>
-          </p:nvPr>
-        </p:nvSpPr>
-        <p:spPr/>
-        <p:txBody>
-          <a:bodyPr/>
-          <a:lstStyle/>
-          <a:p>
-            <a:r>
-              <a:rPr lang="de-DE" dirty="0"/>
-              <a:t>Datenbank</a:t>
-            </a:r>
-          </a:p>
-        </p:txBody>
-      </p:sp>
-      <p:sp>
-        <p:nvSpPr>
-          <p:cNvPr id="3" name="Textplatzhalter 2"/>
-          <p:cNvSpPr>
-            <a:spLocks noGrp="1"/>
-          </p:cNvSpPr>
-          <p:nvPr>
-            <p:ph type="body" idx="1"/>
-          </p:nvPr>
-        </p:nvSpPr>
-        <p:spPr/>
-        <p:txBody>
-          <a:bodyPr/>
-          <a:lstStyle/>
-          <a:p>
-            <a:endParaRPr lang="de-DE"/>
-          </a:p>
-        </p:txBody>
-      </p:sp>
-    </p:spTree>
-    <p:extLst>
-      <p:ext uri="{BB962C8B-B14F-4D97-AF65-F5344CB8AC3E}">
-        <p14:creationId xmlns:p14="http://schemas.microsoft.com/office/powerpoint/2010/main" val="1370829556"/>
-      </p:ext>
-    </p:extLst>
-  </p:cSld>
-  <p:clrMapOvr>
-    <a:masterClrMapping/>
-  </p:clrMapOvr>
-</p:sld>
-</file>
-
 <file path=ppt/slides/slide15.xml><?xml version="1.0" encoding="utf-8"?>
 <p:sld xmlns:a="http://schemas.openxmlformats.org/drawingml/2006/main" xmlns:r="http://schemas.openxmlformats.org/officeDocument/2006/relationships" xmlns:p="http://schemas.openxmlformats.org/presentationml/2006/main">
   <p:cSld>
@@ -6978,19 +4519,19 @@
           <a:p>
             <a:r>
               <a:rPr lang="de-DE" dirty="0"/>
-              <a:t>Versionskontrollsystem</a:t>
-            </a:r>
-          </a:p>
-        </p:txBody>
-      </p:sp>
-      <p:sp>
-        <p:nvSpPr>
-          <p:cNvPr id="3" name="Textplatzhalter 2"/>
-          <p:cNvSpPr>
-            <a:spLocks noGrp="1"/>
-          </p:cNvSpPr>
-          <p:nvPr>
-            <p:ph type="body" idx="1"/>
+              <a:t>Protokoll</a:t>
+            </a:r>
+          </a:p>
+        </p:txBody>
+      </p:sp>
+      <p:sp>
+        <p:nvSpPr>
+          <p:cNvPr id="3" name="Inhaltsplatzhalter 2"/>
+          <p:cNvSpPr>
+            <a:spLocks noGrp="1"/>
+          </p:cNvSpPr>
+          <p:nvPr>
+            <p:ph idx="1"/>
           </p:nvPr>
         </p:nvSpPr>
         <p:spPr/>
@@ -6998,14 +4539,64 @@
           <a:bodyPr/>
           <a:lstStyle/>
           <a:p>
-            <a:endParaRPr lang="de-DE"/>
+            <a:r>
+              <a:rPr lang="de-DE" dirty="0"/>
+              <a:t>Zustände: </a:t>
+            </a:r>
+          </a:p>
+          <a:p>
+            <a:pPr lvl="1"/>
+            <a:r>
+              <a:rPr lang="de-DE" dirty="0"/>
+              <a:t>NICKNAME</a:t>
+            </a:r>
+          </a:p>
+          <a:p>
+            <a:pPr lvl="1"/>
+            <a:r>
+              <a:rPr lang="de-DE" dirty="0"/>
+              <a:t>WAIT</a:t>
+            </a:r>
+          </a:p>
+          <a:p>
+            <a:pPr lvl="1"/>
+            <a:r>
+              <a:rPr lang="de-DE" dirty="0"/>
+              <a:t>ACTIVE</a:t>
+            </a:r>
+          </a:p>
+          <a:p>
+            <a:pPr lvl="1"/>
+            <a:r>
+              <a:rPr lang="de-DE" dirty="0"/>
+              <a:t>PASSIVE</a:t>
+            </a:r>
+          </a:p>
+          <a:p>
+            <a:pPr lvl="1"/>
+            <a:r>
+              <a:rPr lang="de-DE" dirty="0"/>
+              <a:t>OVER</a:t>
+            </a:r>
+          </a:p>
+          <a:p>
+            <a:r>
+              <a:rPr lang="de-DE" dirty="0"/>
+              <a:t>obligatorische und freiwillige Servermeldungen</a:t>
+            </a:r>
+          </a:p>
+          <a:p>
+            <a:r>
+              <a:rPr lang="de-DE" dirty="0"/>
+              <a:t>Maschine oder Mensch als Empfänger</a:t>
+            </a:r>
           </a:p>
         </p:txBody>
       </p:sp>
     </p:spTree>
     <p:extLst>
       <p:ext uri="{BB962C8B-B14F-4D97-AF65-F5344CB8AC3E}">
-        <p14:creationId xmlns:p14="http://schemas.microsoft.com/office/powerpoint/2010/main" val="3844275677"/>
+        <p14:creationId xmlns:p14="http://schemas.microsoft.com/office/powerpoint/2010/main" val="3998994253"/>
       </p:ext>
     </p:extLst>
   </p:cSld>
@@ -7049,8 +4640,2693 @@
           <a:p>
             <a:r>
               <a:rPr lang="de-DE" dirty="0"/>
-              <a:t>Versionskontrolle</a:t>
-            </a:r>
+              <a:t>Protokoll</a:t>
+            </a:r>
+          </a:p>
+        </p:txBody>
+      </p:sp>
+      <p:graphicFrame>
+        <p:nvGraphicFramePr>
+          <p:cNvPr id="6" name="Inhaltsplatzhalter 5"/>
+          <p:cNvGraphicFramePr>
+            <a:graphicFrameLocks noGrp="1"/>
+          </p:cNvGraphicFramePr>
+          <p:nvPr>
+            <p:ph idx="1"/>
+            <p:extLst>
+              <p:ext uri="{D42A27DB-BD31-4B8C-83A1-F6EECF244321}">
+                <p14:modId xmlns:p14="http://schemas.microsoft.com/office/powerpoint/2010/main" val="2724475136"/>
+              </p:ext>
+            </p:extLst>
+          </p:nvPr>
+        </p:nvGraphicFramePr>
+        <p:xfrm>
+          <a:off x="631572" y="2370219"/>
+          <a:ext cx="7886700" cy="3610769"/>
+        </p:xfrm>
+        <a:graphic>
+          <a:graphicData uri="http://schemas.openxmlformats.org/drawingml/2006/table">
+            <a:tbl>
+              <a:tblPr>
+                <a:tableStyleId>{5C22544A-7EE6-4342-B048-85BDC9FD1C3A}</a:tableStyleId>
+              </a:tblPr>
+              <a:tblGrid>
+                <a:gridCol w="1266635">
+                  <a:extLst>
+                    <a:ext uri="{9D8B030D-6E8A-4147-A177-3AD203B41FA5}">
+                      <a16:colId xmlns="" xmlns:a16="http://schemas.microsoft.com/office/drawing/2014/main" val="4208212432"/>
+                    </a:ext>
+                  </a:extLst>
+                </a:gridCol>
+                <a:gridCol w="1250396">
+                  <a:extLst>
+                    <a:ext uri="{9D8B030D-6E8A-4147-A177-3AD203B41FA5}">
+                      <a16:colId xmlns="" xmlns:a16="http://schemas.microsoft.com/office/drawing/2014/main" val="2594024931"/>
+                    </a:ext>
+                  </a:extLst>
+                </a:gridCol>
+                <a:gridCol w="3962296">
+                  <a:extLst>
+                    <a:ext uri="{9D8B030D-6E8A-4147-A177-3AD203B41FA5}">
+                      <a16:colId xmlns="" xmlns:a16="http://schemas.microsoft.com/office/drawing/2014/main" val="582787192"/>
+                    </a:ext>
+                  </a:extLst>
+                </a:gridCol>
+                <a:gridCol w="1407373">
+                  <a:extLst>
+                    <a:ext uri="{9D8B030D-6E8A-4147-A177-3AD203B41FA5}">
+                      <a16:colId xmlns="" xmlns:a16="http://schemas.microsoft.com/office/drawing/2014/main" val="289491787"/>
+                    </a:ext>
+                  </a:extLst>
+                </a:gridCol>
+              </a:tblGrid>
+              <a:tr h="277122">
+                <a:tc>
+                  <a:txBody>
+                    <a:bodyPr/>
+                    <a:lstStyle/>
+                    <a:p>
+                      <a:pPr>
+                        <a:spcAft>
+                          <a:spcPts val="0"/>
+                        </a:spcAft>
+                      </a:pPr>
+                      <a:r>
+                        <a:rPr lang="de-DE" sz="1200" kern="150" dirty="0">
+                          <a:effectLst/>
+                        </a:rPr>
+                        <a:t>Zustand vorher</a:t>
+                      </a:r>
+                      <a:endParaRPr lang="de-DE" sz="1200" kern="150" dirty="0">
+                        <a:effectLst/>
+                        <a:latin typeface="Times New Roman" panose="02020603050405020304" pitchFamily="18" charset="0"/>
+                        <a:ea typeface="SimSun" panose="02010600030101010101" pitchFamily="2" charset="-122"/>
+                        <a:cs typeface="Mangal"/>
+                      </a:endParaRPr>
+                    </a:p>
+                  </a:txBody>
+                  <a:tcPr marL="22412" marR="22412" marT="22412" marB="22412"/>
+                </a:tc>
+                <a:tc>
+                  <a:txBody>
+                    <a:bodyPr/>
+                    <a:lstStyle/>
+                    <a:p>
+                      <a:pPr>
+                        <a:spcAft>
+                          <a:spcPts val="0"/>
+                        </a:spcAft>
+                      </a:pPr>
+                      <a:r>
+                        <a:rPr lang="de-DE" sz="1200" kern="150">
+                          <a:effectLst/>
+                        </a:rPr>
+                        <a:t>Client sendet</a:t>
+                      </a:r>
+                      <a:endParaRPr lang="de-DE" sz="1200" kern="150">
+                        <a:effectLst/>
+                        <a:latin typeface="Times New Roman" panose="02020603050405020304" pitchFamily="18" charset="0"/>
+                        <a:ea typeface="SimSun" panose="02010600030101010101" pitchFamily="2" charset="-122"/>
+                        <a:cs typeface="Mangal"/>
+                      </a:endParaRPr>
+                    </a:p>
+                  </a:txBody>
+                  <a:tcPr marL="22412" marR="22412" marT="22412" marB="22412"/>
+                </a:tc>
+                <a:tc>
+                  <a:txBody>
+                    <a:bodyPr/>
+                    <a:lstStyle/>
+                    <a:p>
+                      <a:pPr>
+                        <a:spcAft>
+                          <a:spcPts val="0"/>
+                        </a:spcAft>
+                      </a:pPr>
+                      <a:r>
+                        <a:rPr lang="de-DE" sz="1200" kern="150">
+                          <a:effectLst/>
+                        </a:rPr>
+                        <a:t>Server sendet / sendet an alle</a:t>
+                      </a:r>
+                      <a:endParaRPr lang="de-DE" sz="1200" kern="150">
+                        <a:effectLst/>
+                        <a:latin typeface="Times New Roman" panose="02020603050405020304" pitchFamily="18" charset="0"/>
+                        <a:ea typeface="SimSun" panose="02010600030101010101" pitchFamily="2" charset="-122"/>
+                        <a:cs typeface="Mangal"/>
+                      </a:endParaRPr>
+                    </a:p>
+                  </a:txBody>
+                  <a:tcPr marL="22412" marR="22412" marT="22412" marB="22412"/>
+                </a:tc>
+                <a:tc>
+                  <a:txBody>
+                    <a:bodyPr/>
+                    <a:lstStyle/>
+                    <a:p>
+                      <a:pPr>
+                        <a:spcAft>
+                          <a:spcPts val="0"/>
+                        </a:spcAft>
+                      </a:pPr>
+                      <a:r>
+                        <a:rPr lang="de-DE" sz="1200" kern="150">
+                          <a:effectLst/>
+                        </a:rPr>
+                        <a:t>Zustand nächster</a:t>
+                      </a:r>
+                      <a:endParaRPr lang="de-DE" sz="1200" kern="150">
+                        <a:effectLst/>
+                        <a:latin typeface="Times New Roman" panose="02020603050405020304" pitchFamily="18" charset="0"/>
+                        <a:ea typeface="SimSun" panose="02010600030101010101" pitchFamily="2" charset="-122"/>
+                        <a:cs typeface="Mangal"/>
+                      </a:endParaRPr>
+                    </a:p>
+                  </a:txBody>
+                  <a:tcPr marL="22412" marR="22412" marT="22412" marB="22412"/>
+                </a:tc>
+                <a:extLst>
+                  <a:ext uri="{0D108BD9-81ED-4DB2-BD59-A6C34878D82A}">
+                    <a16:rowId xmlns="" xmlns:a16="http://schemas.microsoft.com/office/drawing/2014/main" val="2155213384"/>
+                  </a:ext>
+                </a:extLst>
+              </a:tr>
+              <a:tr h="277122">
+                <a:tc>
+                  <a:txBody>
+                    <a:bodyPr/>
+                    <a:lstStyle/>
+                    <a:p>
+                      <a:pPr>
+                        <a:spcAft>
+                          <a:spcPts val="0"/>
+                        </a:spcAft>
+                      </a:pPr>
+                      <a:r>
+                        <a:rPr lang="de-DE" sz="1200" kern="150" dirty="0">
+                          <a:effectLst/>
+                        </a:rPr>
+                        <a:t>Neue Verbindung</a:t>
+                      </a:r>
+                      <a:endParaRPr lang="de-DE" sz="1200" kern="150" dirty="0">
+                        <a:effectLst/>
+                        <a:latin typeface="Times New Roman" panose="02020603050405020304" pitchFamily="18" charset="0"/>
+                        <a:ea typeface="SimSun" panose="02010600030101010101" pitchFamily="2" charset="-122"/>
+                        <a:cs typeface="Mangal"/>
+                      </a:endParaRPr>
+                    </a:p>
+                  </a:txBody>
+                  <a:tcPr marL="22412" marR="22412" marT="22412" marB="22412"/>
+                </a:tc>
+                <a:tc>
+                  <a:txBody>
+                    <a:bodyPr/>
+                    <a:lstStyle/>
+                    <a:p>
+                      <a:pPr>
+                        <a:spcAft>
+                          <a:spcPts val="0"/>
+                        </a:spcAft>
+                      </a:pPr>
+                      <a:r>
+                        <a:rPr lang="de-DE" sz="1200" kern="150">
+                          <a:effectLst/>
+                        </a:rPr>
+                        <a:t> </a:t>
+                      </a:r>
+                      <a:endParaRPr lang="de-DE" sz="1200" kern="150">
+                        <a:effectLst/>
+                        <a:latin typeface="Times New Roman" panose="02020603050405020304" pitchFamily="18" charset="0"/>
+                        <a:ea typeface="SimSun" panose="02010600030101010101" pitchFamily="2" charset="-122"/>
+                        <a:cs typeface="Mangal"/>
+                      </a:endParaRPr>
+                    </a:p>
+                  </a:txBody>
+                  <a:tcPr marL="22412" marR="22412" marT="22412" marB="22412"/>
+                </a:tc>
+                <a:tc>
+                  <a:txBody>
+                    <a:bodyPr/>
+                    <a:lstStyle/>
+                    <a:p>
+                      <a:pPr>
+                        <a:spcAft>
+                          <a:spcPts val="0"/>
+                        </a:spcAft>
+                      </a:pPr>
+                      <a:r>
+                        <a:rPr lang="de-DE" sz="1200" kern="150" dirty="0">
+                          <a:effectLst/>
+                        </a:rPr>
+                        <a:t>„</a:t>
+                      </a:r>
+                      <a:r>
+                        <a:rPr lang="de-DE" sz="1200" kern="150" dirty="0" err="1">
+                          <a:effectLst/>
+                        </a:rPr>
+                        <a:t>Hello</a:t>
+                      </a:r>
+                      <a:r>
+                        <a:rPr lang="de-DE" sz="1200" kern="150" dirty="0">
+                          <a:effectLst/>
+                        </a:rPr>
+                        <a:t> </a:t>
+                      </a:r>
+                      <a:r>
+                        <a:rPr lang="de-DE" sz="1200" kern="150" dirty="0" err="1">
+                          <a:effectLst/>
+                        </a:rPr>
+                        <a:t>set</a:t>
+                      </a:r>
+                      <a:r>
+                        <a:rPr lang="de-DE" sz="1200" kern="150" dirty="0">
+                          <a:effectLst/>
+                        </a:rPr>
+                        <a:t> </a:t>
+                      </a:r>
+                      <a:r>
+                        <a:rPr lang="de-DE" sz="1200" kern="150" dirty="0" err="1">
+                          <a:effectLst/>
+                        </a:rPr>
+                        <a:t>name</a:t>
+                      </a:r>
+                      <a:r>
+                        <a:rPr lang="de-DE" sz="1200" kern="150" dirty="0">
+                          <a:effectLst/>
+                        </a:rPr>
+                        <a:t> </a:t>
+                      </a:r>
+                      <a:r>
+                        <a:rPr lang="de-DE" sz="1200" kern="150" dirty="0" err="1">
+                          <a:effectLst/>
+                        </a:rPr>
+                        <a:t>with</a:t>
+                      </a:r>
+                      <a:r>
+                        <a:rPr lang="de-DE" sz="1200" kern="150" dirty="0">
+                          <a:effectLst/>
+                        </a:rPr>
+                        <a:t> NICK &lt;</a:t>
+                      </a:r>
+                      <a:r>
+                        <a:rPr lang="de-DE" sz="1200" kern="150" dirty="0" err="1">
+                          <a:effectLst/>
+                        </a:rPr>
+                        <a:t>name</a:t>
+                      </a:r>
+                      <a:r>
+                        <a:rPr lang="de-DE" sz="1200" kern="150" dirty="0">
+                          <a:effectLst/>
+                        </a:rPr>
+                        <a:t>&gt;“</a:t>
+                      </a:r>
+                      <a:endParaRPr lang="de-DE" sz="1200" kern="150" dirty="0">
+                        <a:effectLst/>
+                        <a:latin typeface="Times New Roman" panose="02020603050405020304" pitchFamily="18" charset="0"/>
+                        <a:ea typeface="SimSun" panose="02010600030101010101" pitchFamily="2" charset="-122"/>
+                        <a:cs typeface="Mangal"/>
+                      </a:endParaRPr>
+                    </a:p>
+                  </a:txBody>
+                  <a:tcPr marL="22412" marR="22412" marT="22412" marB="22412"/>
+                </a:tc>
+                <a:tc>
+                  <a:txBody>
+                    <a:bodyPr/>
+                    <a:lstStyle/>
+                    <a:p>
+                      <a:pPr>
+                        <a:spcAft>
+                          <a:spcPts val="0"/>
+                        </a:spcAft>
+                      </a:pPr>
+                      <a:r>
+                        <a:rPr lang="de-DE" sz="1200" kern="150">
+                          <a:effectLst/>
+                        </a:rPr>
+                        <a:t>NICKNAME</a:t>
+                      </a:r>
+                      <a:endParaRPr lang="de-DE" sz="1200" kern="150">
+                        <a:effectLst/>
+                        <a:latin typeface="Times New Roman" panose="02020603050405020304" pitchFamily="18" charset="0"/>
+                        <a:ea typeface="SimSun" panose="02010600030101010101" pitchFamily="2" charset="-122"/>
+                        <a:cs typeface="Mangal"/>
+                      </a:endParaRPr>
+                    </a:p>
+                  </a:txBody>
+                  <a:tcPr marL="22412" marR="22412" marT="22412" marB="22412"/>
+                </a:tc>
+                <a:extLst>
+                  <a:ext uri="{0D108BD9-81ED-4DB2-BD59-A6C34878D82A}">
+                    <a16:rowId xmlns="" xmlns:a16="http://schemas.microsoft.com/office/drawing/2014/main" val="2005812803"/>
+                  </a:ext>
+                </a:extLst>
+              </a:tr>
+              <a:tr h="694851">
+                <a:tc>
+                  <a:txBody>
+                    <a:bodyPr/>
+                    <a:lstStyle/>
+                    <a:p>
+                      <a:pPr>
+                        <a:spcAft>
+                          <a:spcPts val="0"/>
+                        </a:spcAft>
+                      </a:pPr>
+                      <a:r>
+                        <a:rPr lang="de-DE" sz="1200" kern="150" dirty="0">
+                          <a:effectLst/>
+                        </a:rPr>
+                        <a:t>NICKNAME</a:t>
+                      </a:r>
+                      <a:endParaRPr lang="de-DE" sz="1200" kern="150" dirty="0">
+                        <a:effectLst/>
+                        <a:latin typeface="Times New Roman" panose="02020603050405020304" pitchFamily="18" charset="0"/>
+                        <a:ea typeface="SimSun" panose="02010600030101010101" pitchFamily="2" charset="-122"/>
+                        <a:cs typeface="Mangal"/>
+                      </a:endParaRPr>
+                    </a:p>
+                  </a:txBody>
+                  <a:tcPr marL="22412" marR="22412" marT="22412" marB="22412"/>
+                </a:tc>
+                <a:tc>
+                  <a:txBody>
+                    <a:bodyPr/>
+                    <a:lstStyle/>
+                    <a:p>
+                      <a:pPr>
+                        <a:spcAft>
+                          <a:spcPts val="0"/>
+                        </a:spcAft>
+                      </a:pPr>
+                      <a:r>
+                        <a:rPr lang="de-DE" sz="1200" kern="150" dirty="0">
+                          <a:effectLst/>
+                        </a:rPr>
+                        <a:t>„NICK &lt;</a:t>
+                      </a:r>
+                      <a:r>
+                        <a:rPr lang="de-DE" sz="1200" kern="150" dirty="0" err="1">
+                          <a:effectLst/>
+                        </a:rPr>
+                        <a:t>name</a:t>
+                      </a:r>
+                      <a:r>
+                        <a:rPr lang="de-DE" sz="1200" kern="150" dirty="0">
+                          <a:effectLst/>
+                        </a:rPr>
+                        <a:t>&gt;“</a:t>
+                      </a:r>
+                      <a:endParaRPr lang="de-DE" sz="1200" kern="150" dirty="0">
+                        <a:effectLst/>
+                        <a:latin typeface="Times New Roman" panose="02020603050405020304" pitchFamily="18" charset="0"/>
+                        <a:ea typeface="SimSun" panose="02010600030101010101" pitchFamily="2" charset="-122"/>
+                        <a:cs typeface="Mangal"/>
+                      </a:endParaRPr>
+                    </a:p>
+                  </a:txBody>
+                  <a:tcPr marL="22412" marR="22412" marT="22412" marB="22412"/>
+                </a:tc>
+                <a:tc>
+                  <a:txBody>
+                    <a:bodyPr/>
+                    <a:lstStyle/>
+                    <a:p>
+                      <a:pPr>
+                        <a:spcAft>
+                          <a:spcPts val="0"/>
+                        </a:spcAft>
+                      </a:pPr>
+                      <a:r>
+                        <a:rPr lang="de-DE" sz="1200" u="sng" kern="150">
+                          <a:effectLst/>
+                        </a:rPr>
+                        <a:t>Gültiger Nickname:</a:t>
+                      </a:r>
+                      <a:endParaRPr lang="de-DE" sz="1200" kern="150">
+                        <a:effectLst/>
+                      </a:endParaRPr>
+                    </a:p>
+                    <a:p>
+                      <a:pPr>
+                        <a:spcAft>
+                          <a:spcPts val="0"/>
+                        </a:spcAft>
+                      </a:pPr>
+                      <a:r>
+                        <a:rPr lang="de-DE" sz="1200" kern="150">
+                          <a:effectLst/>
+                        </a:rPr>
+                        <a:t>An Client:</a:t>
+                      </a:r>
+                    </a:p>
+                    <a:p>
+                      <a:pPr>
+                        <a:spcAft>
+                          <a:spcPts val="0"/>
+                        </a:spcAft>
+                      </a:pPr>
+                      <a:r>
+                        <a:rPr lang="de-DE" sz="1200" kern="150">
+                          <a:effectLst/>
+                        </a:rPr>
+                        <a:t>„+NICKIS &lt;name&gt;“</a:t>
+                      </a:r>
+                      <a:endParaRPr lang="de-DE" sz="1200" kern="150">
+                        <a:effectLst/>
+                        <a:latin typeface="Times New Roman" panose="02020603050405020304" pitchFamily="18" charset="0"/>
+                        <a:ea typeface="SimSun" panose="02010600030101010101" pitchFamily="2" charset="-122"/>
+                        <a:cs typeface="Mangal"/>
+                      </a:endParaRPr>
+                    </a:p>
+                  </a:txBody>
+                  <a:tcPr marL="22412" marR="22412" marT="22412" marB="22412"/>
+                </a:tc>
+                <a:tc>
+                  <a:txBody>
+                    <a:bodyPr/>
+                    <a:lstStyle/>
+                    <a:p>
+                      <a:pPr>
+                        <a:spcAft>
+                          <a:spcPts val="0"/>
+                        </a:spcAft>
+                      </a:pPr>
+                      <a:r>
+                        <a:rPr lang="de-DE" sz="1200" kern="150">
+                          <a:effectLst/>
+                        </a:rPr>
+                        <a:t>WAIT</a:t>
+                      </a:r>
+                      <a:endParaRPr lang="de-DE" sz="1200" kern="150">
+                        <a:effectLst/>
+                        <a:latin typeface="Times New Roman" panose="02020603050405020304" pitchFamily="18" charset="0"/>
+                        <a:ea typeface="SimSun" panose="02010600030101010101" pitchFamily="2" charset="-122"/>
+                        <a:cs typeface="Mangal"/>
+                      </a:endParaRPr>
+                    </a:p>
+                  </a:txBody>
+                  <a:tcPr marL="22412" marR="22412" marT="22412" marB="22412"/>
+                </a:tc>
+                <a:extLst>
+                  <a:ext uri="{0D108BD9-81ED-4DB2-BD59-A6C34878D82A}">
+                    <a16:rowId xmlns="" xmlns:a16="http://schemas.microsoft.com/office/drawing/2014/main" val="1946019762"/>
+                  </a:ext>
+                </a:extLst>
+              </a:tr>
+              <a:tr h="694851">
+                <a:tc>
+                  <a:txBody>
+                    <a:bodyPr/>
+                    <a:lstStyle/>
+                    <a:p>
+                      <a:pPr>
+                        <a:spcAft>
+                          <a:spcPts val="0"/>
+                        </a:spcAft>
+                      </a:pPr>
+                      <a:r>
+                        <a:rPr lang="de-DE" sz="1200" kern="150">
+                          <a:effectLst/>
+                        </a:rPr>
+                        <a:t> </a:t>
+                      </a:r>
+                      <a:endParaRPr lang="de-DE" sz="1200" kern="150">
+                        <a:effectLst/>
+                        <a:latin typeface="Times New Roman" panose="02020603050405020304" pitchFamily="18" charset="0"/>
+                        <a:ea typeface="SimSun" panose="02010600030101010101" pitchFamily="2" charset="-122"/>
+                        <a:cs typeface="Mangal"/>
+                      </a:endParaRPr>
+                    </a:p>
+                  </a:txBody>
+                  <a:tcPr marL="22412" marR="22412" marT="22412" marB="22412"/>
+                </a:tc>
+                <a:tc>
+                  <a:txBody>
+                    <a:bodyPr/>
+                    <a:lstStyle/>
+                    <a:p>
+                      <a:pPr>
+                        <a:spcAft>
+                          <a:spcPts val="0"/>
+                        </a:spcAft>
+                      </a:pPr>
+                      <a:r>
+                        <a:rPr lang="de-DE" sz="1200" kern="150" dirty="0">
+                          <a:effectLst/>
+                        </a:rPr>
+                        <a:t> </a:t>
+                      </a:r>
+                      <a:endParaRPr lang="de-DE" sz="1200" kern="150" dirty="0">
+                        <a:effectLst/>
+                        <a:latin typeface="Times New Roman" panose="02020603050405020304" pitchFamily="18" charset="0"/>
+                        <a:ea typeface="SimSun" panose="02010600030101010101" pitchFamily="2" charset="-122"/>
+                        <a:cs typeface="Mangal"/>
+                      </a:endParaRPr>
+                    </a:p>
+                  </a:txBody>
+                  <a:tcPr marL="22412" marR="22412" marT="22412" marB="22412"/>
+                </a:tc>
+                <a:tc>
+                  <a:txBody>
+                    <a:bodyPr/>
+                    <a:lstStyle/>
+                    <a:p>
+                      <a:pPr>
+                        <a:spcAft>
+                          <a:spcPts val="0"/>
+                        </a:spcAft>
+                      </a:pPr>
+                      <a:r>
+                        <a:rPr lang="de-DE" sz="1200" u="sng" kern="150" dirty="0">
+                          <a:effectLst/>
+                        </a:rPr>
+                        <a:t>Ungültiger </a:t>
+                      </a:r>
+                      <a:r>
+                        <a:rPr lang="de-DE" sz="1200" u="sng" kern="150" dirty="0" err="1">
+                          <a:effectLst/>
+                        </a:rPr>
+                        <a:t>Nickname</a:t>
+                      </a:r>
+                      <a:r>
+                        <a:rPr lang="de-DE" sz="1200" u="sng" kern="150" dirty="0">
+                          <a:effectLst/>
+                        </a:rPr>
+                        <a:t>:</a:t>
+                      </a:r>
+                      <a:endParaRPr lang="de-DE" sz="1200" kern="150" dirty="0">
+                        <a:effectLst/>
+                      </a:endParaRPr>
+                    </a:p>
+                    <a:p>
+                      <a:pPr>
+                        <a:spcAft>
+                          <a:spcPts val="0"/>
+                        </a:spcAft>
+                      </a:pPr>
+                      <a:r>
+                        <a:rPr lang="de-DE" sz="1200" kern="150" dirty="0">
+                          <a:effectLst/>
+                        </a:rPr>
+                        <a:t>An Client:</a:t>
+                      </a:r>
+                    </a:p>
+                    <a:p>
+                      <a:pPr>
+                        <a:spcAft>
+                          <a:spcPts val="0"/>
+                        </a:spcAft>
+                      </a:pPr>
+                      <a:r>
+                        <a:rPr lang="de-DE" sz="1200" kern="150" dirty="0">
+                          <a:effectLst/>
+                        </a:rPr>
+                        <a:t>„Name invalid“</a:t>
+                      </a:r>
+                      <a:endParaRPr lang="de-DE" sz="1200" kern="150" dirty="0">
+                        <a:effectLst/>
+                        <a:latin typeface="Times New Roman" panose="02020603050405020304" pitchFamily="18" charset="0"/>
+                        <a:ea typeface="SimSun" panose="02010600030101010101" pitchFamily="2" charset="-122"/>
+                        <a:cs typeface="Mangal"/>
+                      </a:endParaRPr>
+                    </a:p>
+                  </a:txBody>
+                  <a:tcPr marL="22412" marR="22412" marT="22412" marB="22412"/>
+                </a:tc>
+                <a:tc>
+                  <a:txBody>
+                    <a:bodyPr/>
+                    <a:lstStyle/>
+                    <a:p>
+                      <a:pPr>
+                        <a:spcAft>
+                          <a:spcPts val="0"/>
+                        </a:spcAft>
+                      </a:pPr>
+                      <a:r>
+                        <a:rPr lang="de-DE" sz="1200" kern="150">
+                          <a:effectLst/>
+                        </a:rPr>
+                        <a:t>NICKNAME</a:t>
+                      </a:r>
+                      <a:endParaRPr lang="de-DE" sz="1200" kern="150">
+                        <a:effectLst/>
+                        <a:latin typeface="Times New Roman" panose="02020603050405020304" pitchFamily="18" charset="0"/>
+                        <a:ea typeface="SimSun" panose="02010600030101010101" pitchFamily="2" charset="-122"/>
+                        <a:cs typeface="Mangal"/>
+                      </a:endParaRPr>
+                    </a:p>
+                  </a:txBody>
+                  <a:tcPr marL="22412" marR="22412" marT="22412" marB="22412"/>
+                </a:tc>
+                <a:extLst>
+                  <a:ext uri="{0D108BD9-81ED-4DB2-BD59-A6C34878D82A}">
+                    <a16:rowId xmlns="" xmlns:a16="http://schemas.microsoft.com/office/drawing/2014/main" val="3499014501"/>
+                  </a:ext>
+                </a:extLst>
+              </a:tr>
+              <a:tr h="485986">
+                <a:tc>
+                  <a:txBody>
+                    <a:bodyPr/>
+                    <a:lstStyle/>
+                    <a:p>
+                      <a:pPr>
+                        <a:spcAft>
+                          <a:spcPts val="0"/>
+                        </a:spcAft>
+                      </a:pPr>
+                      <a:r>
+                        <a:rPr lang="de-DE" sz="1200" kern="150" dirty="0">
+                          <a:effectLst/>
+                        </a:rPr>
+                        <a:t> </a:t>
+                      </a:r>
+                      <a:endParaRPr lang="de-DE" sz="1200" kern="150" dirty="0">
+                        <a:effectLst/>
+                        <a:latin typeface="Times New Roman" panose="02020603050405020304" pitchFamily="18" charset="0"/>
+                        <a:ea typeface="SimSun" panose="02010600030101010101" pitchFamily="2" charset="-122"/>
+                        <a:cs typeface="Mangal"/>
+                      </a:endParaRPr>
+                    </a:p>
+                  </a:txBody>
+                  <a:tcPr marL="22412" marR="22412" marT="22412" marB="22412"/>
+                </a:tc>
+                <a:tc>
+                  <a:txBody>
+                    <a:bodyPr/>
+                    <a:lstStyle/>
+                    <a:p>
+                      <a:pPr>
+                        <a:spcAft>
+                          <a:spcPts val="0"/>
+                        </a:spcAft>
+                      </a:pPr>
+                      <a:r>
+                        <a:rPr lang="de-DE" sz="1200" kern="150">
+                          <a:effectLst/>
+                        </a:rPr>
+                        <a:t>Sonst</a:t>
+                      </a:r>
+                      <a:endParaRPr lang="de-DE" sz="1200" kern="150">
+                        <a:effectLst/>
+                        <a:latin typeface="Times New Roman" panose="02020603050405020304" pitchFamily="18" charset="0"/>
+                        <a:ea typeface="SimSun" panose="02010600030101010101" pitchFamily="2" charset="-122"/>
+                        <a:cs typeface="Mangal"/>
+                      </a:endParaRPr>
+                    </a:p>
+                  </a:txBody>
+                  <a:tcPr marL="22412" marR="22412" marT="22412" marB="22412"/>
+                </a:tc>
+                <a:tc>
+                  <a:txBody>
+                    <a:bodyPr/>
+                    <a:lstStyle/>
+                    <a:p>
+                      <a:pPr>
+                        <a:spcAft>
+                          <a:spcPts val="0"/>
+                        </a:spcAft>
+                      </a:pPr>
+                      <a:r>
+                        <a:rPr lang="de-DE" sz="1200" kern="150" dirty="0">
+                          <a:effectLst/>
+                        </a:rPr>
+                        <a:t>An Client:</a:t>
+                      </a:r>
+                    </a:p>
+                    <a:p>
+                      <a:pPr>
+                        <a:spcAft>
+                          <a:spcPts val="0"/>
+                        </a:spcAft>
+                      </a:pPr>
+                      <a:r>
+                        <a:rPr lang="de-DE" sz="1200" kern="150" dirty="0">
+                          <a:effectLst/>
+                        </a:rPr>
+                        <a:t>„ERR </a:t>
+                      </a:r>
+                      <a:r>
+                        <a:rPr lang="de-DE" sz="1200" kern="150" dirty="0" err="1">
+                          <a:effectLst/>
+                        </a:rPr>
+                        <a:t>unknown</a:t>
+                      </a:r>
+                      <a:r>
+                        <a:rPr lang="de-DE" sz="1200" kern="150" dirty="0">
+                          <a:effectLst/>
+                        </a:rPr>
+                        <a:t> </a:t>
+                      </a:r>
+                      <a:r>
+                        <a:rPr lang="de-DE" sz="1200" kern="150" dirty="0" err="1">
+                          <a:effectLst/>
+                        </a:rPr>
+                        <a:t>command</a:t>
+                      </a:r>
+                      <a:r>
+                        <a:rPr lang="de-DE" sz="1200" kern="150" dirty="0">
+                          <a:effectLst/>
+                        </a:rPr>
+                        <a:t>“</a:t>
+                      </a:r>
+                      <a:endParaRPr lang="de-DE" sz="1200" kern="150" dirty="0">
+                        <a:effectLst/>
+                        <a:latin typeface="Times New Roman" panose="02020603050405020304" pitchFamily="18" charset="0"/>
+                        <a:ea typeface="SimSun" panose="02010600030101010101" pitchFamily="2" charset="-122"/>
+                        <a:cs typeface="Mangal"/>
+                      </a:endParaRPr>
+                    </a:p>
+                  </a:txBody>
+                  <a:tcPr marL="22412" marR="22412" marT="22412" marB="22412"/>
+                </a:tc>
+                <a:tc>
+                  <a:txBody>
+                    <a:bodyPr/>
+                    <a:lstStyle/>
+                    <a:p>
+                      <a:pPr>
+                        <a:spcAft>
+                          <a:spcPts val="0"/>
+                        </a:spcAft>
+                      </a:pPr>
+                      <a:r>
+                        <a:rPr lang="de-DE" sz="1200" kern="150">
+                          <a:effectLst/>
+                        </a:rPr>
+                        <a:t>NICKNAME</a:t>
+                      </a:r>
+                      <a:endParaRPr lang="de-DE" sz="1200" kern="150">
+                        <a:effectLst/>
+                        <a:latin typeface="Times New Roman" panose="02020603050405020304" pitchFamily="18" charset="0"/>
+                        <a:ea typeface="SimSun" panose="02010600030101010101" pitchFamily="2" charset="-122"/>
+                        <a:cs typeface="Mangal"/>
+                      </a:endParaRPr>
+                    </a:p>
+                  </a:txBody>
+                  <a:tcPr marL="22412" marR="22412" marT="22412" marB="22412"/>
+                </a:tc>
+                <a:extLst>
+                  <a:ext uri="{0D108BD9-81ED-4DB2-BD59-A6C34878D82A}">
+                    <a16:rowId xmlns="" xmlns:a16="http://schemas.microsoft.com/office/drawing/2014/main" val="236201766"/>
+                  </a:ext>
+                </a:extLst>
+              </a:tr>
+              <a:tr h="694851">
+                <a:tc>
+                  <a:txBody>
+                    <a:bodyPr/>
+                    <a:lstStyle/>
+                    <a:p>
+                      <a:pPr>
+                        <a:spcAft>
+                          <a:spcPts val="0"/>
+                        </a:spcAft>
+                      </a:pPr>
+                      <a:r>
+                        <a:rPr lang="de-DE" sz="1200" kern="150">
+                          <a:effectLst/>
+                        </a:rPr>
+                        <a:t>WAIT</a:t>
+                      </a:r>
+                      <a:endParaRPr lang="de-DE" sz="1200" kern="150">
+                        <a:effectLst/>
+                        <a:latin typeface="Times New Roman" panose="02020603050405020304" pitchFamily="18" charset="0"/>
+                        <a:ea typeface="SimSun" panose="02010600030101010101" pitchFamily="2" charset="-122"/>
+                        <a:cs typeface="Mangal"/>
+                      </a:endParaRPr>
+                    </a:p>
+                  </a:txBody>
+                  <a:tcPr marL="22412" marR="22412" marT="22412" marB="22412"/>
+                </a:tc>
+                <a:tc>
+                  <a:txBody>
+                    <a:bodyPr/>
+                    <a:lstStyle/>
+                    <a:p>
+                      <a:pPr>
+                        <a:spcAft>
+                          <a:spcPts val="0"/>
+                        </a:spcAft>
+                      </a:pPr>
+                      <a:r>
+                        <a:rPr lang="de-DE" sz="1200" kern="150">
+                          <a:effectLst/>
+                        </a:rPr>
+                        <a:t> </a:t>
+                      </a:r>
+                      <a:endParaRPr lang="de-DE" sz="1200" kern="150">
+                        <a:effectLst/>
+                        <a:latin typeface="Times New Roman" panose="02020603050405020304" pitchFamily="18" charset="0"/>
+                        <a:ea typeface="SimSun" panose="02010600030101010101" pitchFamily="2" charset="-122"/>
+                        <a:cs typeface="Mangal"/>
+                      </a:endParaRPr>
+                    </a:p>
+                  </a:txBody>
+                  <a:tcPr marL="22412" marR="22412" marT="22412" marB="22412"/>
+                </a:tc>
+                <a:tc>
+                  <a:txBody>
+                    <a:bodyPr/>
+                    <a:lstStyle/>
+                    <a:p>
+                      <a:pPr>
+                        <a:spcAft>
+                          <a:spcPts val="0"/>
+                        </a:spcAft>
+                      </a:pPr>
+                      <a:r>
+                        <a:rPr lang="de-DE" sz="1200" u="sng" kern="150" dirty="0">
+                          <a:effectLst/>
+                        </a:rPr>
+                        <a:t>Wenn weiterer Spieler angemeldet</a:t>
+                      </a:r>
+                      <a:endParaRPr lang="de-DE" sz="1200" kern="150" dirty="0">
+                        <a:effectLst/>
+                      </a:endParaRPr>
+                    </a:p>
+                    <a:p>
+                      <a:pPr>
+                        <a:spcAft>
+                          <a:spcPts val="0"/>
+                        </a:spcAft>
+                      </a:pPr>
+                      <a:r>
+                        <a:rPr lang="de-DE" sz="1200" kern="150" dirty="0">
+                          <a:effectLst/>
+                        </a:rPr>
+                        <a:t>„+GAMEWITH &lt;</a:t>
+                      </a:r>
+                      <a:r>
+                        <a:rPr lang="de-DE" sz="1200" kern="150" dirty="0" err="1">
+                          <a:effectLst/>
+                        </a:rPr>
+                        <a:t>name</a:t>
+                      </a:r>
+                      <a:r>
+                        <a:rPr lang="de-DE" sz="1200" kern="150" dirty="0">
+                          <a:effectLst/>
+                        </a:rPr>
+                        <a:t>&gt;“</a:t>
+                      </a:r>
+                    </a:p>
+                    <a:p>
+                      <a:pPr>
+                        <a:spcAft>
+                          <a:spcPts val="0"/>
+                        </a:spcAft>
+                      </a:pPr>
+                      <a:r>
+                        <a:rPr lang="de-DE" sz="1200" kern="150" dirty="0">
+                          <a:effectLst/>
+                        </a:rPr>
+                        <a:t>„+SYMBOL &lt;s&gt;“ oder „+COLOR &lt;c&gt;“</a:t>
+                      </a:r>
+                      <a:endParaRPr lang="de-DE" sz="1200" kern="150" dirty="0">
+                        <a:effectLst/>
+                        <a:latin typeface="Times New Roman" panose="02020603050405020304" pitchFamily="18" charset="0"/>
+                        <a:ea typeface="SimSun" panose="02010600030101010101" pitchFamily="2" charset="-122"/>
+                        <a:cs typeface="Mangal"/>
+                      </a:endParaRPr>
+                    </a:p>
+                  </a:txBody>
+                  <a:tcPr marL="22412" marR="22412" marT="22412" marB="22412"/>
+                </a:tc>
+                <a:tc>
+                  <a:txBody>
+                    <a:bodyPr/>
+                    <a:lstStyle/>
+                    <a:p>
+                      <a:pPr>
+                        <a:spcAft>
+                          <a:spcPts val="0"/>
+                        </a:spcAft>
+                      </a:pPr>
+                      <a:r>
+                        <a:rPr lang="de-DE" sz="1200" kern="150">
+                          <a:effectLst/>
+                        </a:rPr>
+                        <a:t>PASSIVE</a:t>
+                      </a:r>
+                      <a:endParaRPr lang="de-DE" sz="1200" kern="150">
+                        <a:effectLst/>
+                        <a:latin typeface="Times New Roman" panose="02020603050405020304" pitchFamily="18" charset="0"/>
+                        <a:ea typeface="SimSun" panose="02010600030101010101" pitchFamily="2" charset="-122"/>
+                        <a:cs typeface="Mangal"/>
+                      </a:endParaRPr>
+                    </a:p>
+                  </a:txBody>
+                  <a:tcPr marL="22412" marR="22412" marT="22412" marB="22412"/>
+                </a:tc>
+                <a:extLst>
+                  <a:ext uri="{0D108BD9-81ED-4DB2-BD59-A6C34878D82A}">
+                    <a16:rowId xmlns="" xmlns:a16="http://schemas.microsoft.com/office/drawing/2014/main" val="1164618733"/>
+                  </a:ext>
+                </a:extLst>
+              </a:tr>
+              <a:tr h="485986">
+                <a:tc>
+                  <a:txBody>
+                    <a:bodyPr/>
+                    <a:lstStyle/>
+                    <a:p>
+                      <a:pPr>
+                        <a:spcAft>
+                          <a:spcPts val="0"/>
+                        </a:spcAft>
+                      </a:pPr>
+                      <a:r>
+                        <a:rPr lang="de-DE" sz="1200" kern="150">
+                          <a:effectLst/>
+                        </a:rPr>
+                        <a:t> </a:t>
+                      </a:r>
+                      <a:endParaRPr lang="de-DE" sz="1200" kern="150">
+                        <a:effectLst/>
+                        <a:latin typeface="Times New Roman" panose="02020603050405020304" pitchFamily="18" charset="0"/>
+                        <a:ea typeface="SimSun" panose="02010600030101010101" pitchFamily="2" charset="-122"/>
+                        <a:cs typeface="Mangal"/>
+                      </a:endParaRPr>
+                    </a:p>
+                  </a:txBody>
+                  <a:tcPr marL="22412" marR="22412" marT="22412" marB="22412"/>
+                </a:tc>
+                <a:tc>
+                  <a:txBody>
+                    <a:bodyPr/>
+                    <a:lstStyle/>
+                    <a:p>
+                      <a:pPr>
+                        <a:spcAft>
+                          <a:spcPts val="0"/>
+                        </a:spcAft>
+                      </a:pPr>
+                      <a:r>
+                        <a:rPr lang="de-DE" sz="1200" kern="150">
+                          <a:effectLst/>
+                        </a:rPr>
+                        <a:t> </a:t>
+                      </a:r>
+                      <a:endParaRPr lang="de-DE" sz="1200" kern="150">
+                        <a:effectLst/>
+                        <a:latin typeface="Times New Roman" panose="02020603050405020304" pitchFamily="18" charset="0"/>
+                        <a:ea typeface="SimSun" panose="02010600030101010101" pitchFamily="2" charset="-122"/>
+                        <a:cs typeface="Mangal"/>
+                      </a:endParaRPr>
+                    </a:p>
+                  </a:txBody>
+                  <a:tcPr marL="22412" marR="22412" marT="22412" marB="22412"/>
+                </a:tc>
+                <a:tc>
+                  <a:txBody>
+                    <a:bodyPr/>
+                    <a:lstStyle/>
+                    <a:p>
+                      <a:pPr>
+                        <a:spcAft>
+                          <a:spcPts val="0"/>
+                        </a:spcAft>
+                      </a:pPr>
+                      <a:r>
+                        <a:rPr lang="de-DE" sz="1200" u="sng" kern="150" dirty="0">
+                          <a:effectLst/>
+                        </a:rPr>
+                        <a:t>Wenn kein weiterer Spieler angemeldet</a:t>
+                      </a:r>
+                      <a:endParaRPr lang="de-DE" sz="1200" kern="150" dirty="0">
+                        <a:effectLst/>
+                      </a:endParaRPr>
+                    </a:p>
+                    <a:p>
+                      <a:pPr>
+                        <a:spcAft>
+                          <a:spcPts val="0"/>
+                        </a:spcAft>
+                      </a:pPr>
+                      <a:r>
+                        <a:rPr lang="de-DE" sz="1200" kern="150" dirty="0">
+                          <a:effectLst/>
+                        </a:rPr>
+                        <a:t>„</a:t>
+                      </a:r>
+                      <a:r>
+                        <a:rPr lang="de-DE" sz="1200" kern="150" dirty="0" err="1">
+                          <a:effectLst/>
+                        </a:rPr>
+                        <a:t>Wait</a:t>
+                      </a:r>
+                      <a:r>
+                        <a:rPr lang="de-DE" sz="1200" kern="150" dirty="0">
+                          <a:effectLst/>
+                        </a:rPr>
+                        <a:t> </a:t>
+                      </a:r>
+                      <a:r>
+                        <a:rPr lang="de-DE" sz="1200" kern="150" dirty="0" err="1">
+                          <a:effectLst/>
+                        </a:rPr>
+                        <a:t>for</a:t>
+                      </a:r>
+                      <a:r>
+                        <a:rPr lang="de-DE" sz="1200" kern="150" dirty="0">
+                          <a:effectLst/>
+                        </a:rPr>
+                        <a:t> </a:t>
+                      </a:r>
+                      <a:r>
+                        <a:rPr lang="de-DE" sz="1200" kern="150" dirty="0" err="1">
+                          <a:effectLst/>
+                        </a:rPr>
+                        <a:t>second</a:t>
+                      </a:r>
+                      <a:r>
+                        <a:rPr lang="de-DE" sz="1200" kern="150" dirty="0">
+                          <a:effectLst/>
+                        </a:rPr>
+                        <a:t> </a:t>
+                      </a:r>
+                      <a:r>
+                        <a:rPr lang="de-DE" sz="1200" kern="150" dirty="0" err="1">
+                          <a:effectLst/>
+                        </a:rPr>
+                        <a:t>player</a:t>
+                      </a:r>
+                      <a:r>
+                        <a:rPr lang="de-DE" sz="1200" kern="150" dirty="0">
+                          <a:effectLst/>
+                        </a:rPr>
+                        <a:t>“</a:t>
+                      </a:r>
+                      <a:endParaRPr lang="de-DE" sz="1200" kern="150" dirty="0">
+                        <a:effectLst/>
+                        <a:latin typeface="Times New Roman" panose="02020603050405020304" pitchFamily="18" charset="0"/>
+                        <a:ea typeface="SimSun" panose="02010600030101010101" pitchFamily="2" charset="-122"/>
+                        <a:cs typeface="Mangal"/>
+                      </a:endParaRPr>
+                    </a:p>
+                  </a:txBody>
+                  <a:tcPr marL="22412" marR="22412" marT="22412" marB="22412"/>
+                </a:tc>
+                <a:tc>
+                  <a:txBody>
+                    <a:bodyPr/>
+                    <a:lstStyle/>
+                    <a:p>
+                      <a:pPr>
+                        <a:spcAft>
+                          <a:spcPts val="0"/>
+                        </a:spcAft>
+                      </a:pPr>
+                      <a:r>
+                        <a:rPr lang="de-DE" sz="1200" kern="150" dirty="0">
+                          <a:effectLst/>
+                        </a:rPr>
+                        <a:t>WAIT</a:t>
+                      </a:r>
+                      <a:endParaRPr lang="de-DE" sz="1200" kern="150" dirty="0">
+                        <a:effectLst/>
+                        <a:latin typeface="Times New Roman" panose="02020603050405020304" pitchFamily="18" charset="0"/>
+                        <a:ea typeface="SimSun" panose="02010600030101010101" pitchFamily="2" charset="-122"/>
+                        <a:cs typeface="Mangal"/>
+                      </a:endParaRPr>
+                    </a:p>
+                  </a:txBody>
+                  <a:tcPr marL="22412" marR="22412" marT="22412" marB="22412"/>
+                </a:tc>
+                <a:extLst>
+                  <a:ext uri="{0D108BD9-81ED-4DB2-BD59-A6C34878D82A}">
+                    <a16:rowId xmlns="" xmlns:a16="http://schemas.microsoft.com/office/drawing/2014/main" val="113786682"/>
+                  </a:ext>
+                </a:extLst>
+              </a:tr>
+            </a:tbl>
+          </a:graphicData>
+        </a:graphic>
+      </p:graphicFrame>
+    </p:spTree>
+    <p:extLst>
+      <p:ext uri="{BB962C8B-B14F-4D97-AF65-F5344CB8AC3E}">
+        <p14:creationId xmlns:p14="http://schemas.microsoft.com/office/powerpoint/2010/main" val="3403487282"/>
+      </p:ext>
+    </p:extLst>
+  </p:cSld>
+  <p:clrMapOvr>
+    <a:masterClrMapping/>
+  </p:clrMapOvr>
+</p:sld>
+</file>
+
+<file path=ppt/slides/slide17.xml><?xml version="1.0" encoding="utf-8"?>
+<p:sld xmlns:a="http://schemas.openxmlformats.org/drawingml/2006/main" xmlns:r="http://schemas.openxmlformats.org/officeDocument/2006/relationships" xmlns:p="http://schemas.openxmlformats.org/presentationml/2006/main">
+  <p:cSld>
+    <p:spTree>
+      <p:nvGrpSpPr>
+        <p:cNvPr id="1" name=""/>
+        <p:cNvGrpSpPr/>
+        <p:nvPr/>
+      </p:nvGrpSpPr>
+      <p:grpSpPr>
+        <a:xfrm>
+          <a:off x="0" y="0"/>
+          <a:ext cx="0" cy="0"/>
+          <a:chOff x="0" y="0"/>
+          <a:chExt cx="0" cy="0"/>
+        </a:xfrm>
+      </p:grpSpPr>
+      <p:sp>
+        <p:nvSpPr>
+          <p:cNvPr id="2" name="Titel 1"/>
+          <p:cNvSpPr>
+            <a:spLocks noGrp="1"/>
+          </p:cNvSpPr>
+          <p:nvPr>
+            <p:ph type="title"/>
+          </p:nvPr>
+        </p:nvSpPr>
+        <p:spPr>
+          <a:xfrm>
+            <a:off x="1606044" y="471398"/>
+            <a:ext cx="5937755" cy="707697"/>
+          </a:xfrm>
+        </p:spPr>
+        <p:txBody>
+          <a:bodyPr>
+            <a:normAutofit fontScale="90000"/>
+          </a:bodyPr>
+          <a:lstStyle/>
+          <a:p>
+            <a:r>
+              <a:rPr lang="de-DE" dirty="0"/>
+              <a:t>Protokoll</a:t>
+            </a:r>
+          </a:p>
+        </p:txBody>
+      </p:sp>
+      <p:graphicFrame>
+        <p:nvGraphicFramePr>
+          <p:cNvPr id="4" name="Inhaltsplatzhalter 3"/>
+          <p:cNvGraphicFramePr>
+            <a:graphicFrameLocks noGrp="1"/>
+          </p:cNvGraphicFramePr>
+          <p:nvPr>
+            <p:ph idx="1"/>
+            <p:extLst>
+              <p:ext uri="{D42A27DB-BD31-4B8C-83A1-F6EECF244321}">
+                <p14:modId xmlns:p14="http://schemas.microsoft.com/office/powerpoint/2010/main" val="1349462847"/>
+              </p:ext>
+            </p:extLst>
+          </p:nvPr>
+        </p:nvGraphicFramePr>
+        <p:xfrm>
+          <a:off x="706768" y="1762626"/>
+          <a:ext cx="7736306" cy="4579528"/>
+        </p:xfrm>
+        <a:graphic>
+          <a:graphicData uri="http://schemas.openxmlformats.org/drawingml/2006/table">
+            <a:tbl>
+              <a:tblPr>
+                <a:tableStyleId>{5C22544A-7EE6-4342-B048-85BDC9FD1C3A}</a:tableStyleId>
+              </a:tblPr>
+              <a:tblGrid>
+                <a:gridCol w="1242481">
+                  <a:extLst>
+                    <a:ext uri="{9D8B030D-6E8A-4147-A177-3AD203B41FA5}">
+                      <a16:colId xmlns="" xmlns:a16="http://schemas.microsoft.com/office/drawing/2014/main" val="2680741325"/>
+                    </a:ext>
+                  </a:extLst>
+                </a:gridCol>
+                <a:gridCol w="1226553">
+                  <a:extLst>
+                    <a:ext uri="{9D8B030D-6E8A-4147-A177-3AD203B41FA5}">
+                      <a16:colId xmlns="" xmlns:a16="http://schemas.microsoft.com/office/drawing/2014/main" val="3417544872"/>
+                    </a:ext>
+                  </a:extLst>
+                </a:gridCol>
+                <a:gridCol w="3886737">
+                  <a:extLst>
+                    <a:ext uri="{9D8B030D-6E8A-4147-A177-3AD203B41FA5}">
+                      <a16:colId xmlns="" xmlns:a16="http://schemas.microsoft.com/office/drawing/2014/main" val="3333027671"/>
+                    </a:ext>
+                  </a:extLst>
+                </a:gridCol>
+                <a:gridCol w="1380535">
+                  <a:extLst>
+                    <a:ext uri="{9D8B030D-6E8A-4147-A177-3AD203B41FA5}">
+                      <a16:colId xmlns="" xmlns:a16="http://schemas.microsoft.com/office/drawing/2014/main" val="3046939283"/>
+                    </a:ext>
+                  </a:extLst>
+                </a:gridCol>
+              </a:tblGrid>
+              <a:tr h="563453">
+                <a:tc>
+                  <a:txBody>
+                    <a:bodyPr/>
+                    <a:lstStyle/>
+                    <a:p>
+                      <a:pPr>
+                        <a:spcAft>
+                          <a:spcPts val="0"/>
+                        </a:spcAft>
+                      </a:pPr>
+                      <a:r>
+                        <a:rPr lang="de-DE" sz="1100" kern="150">
+                          <a:effectLst/>
+                        </a:rPr>
+                        <a:t>PASSIVE</a:t>
+                      </a:r>
+                      <a:endParaRPr lang="de-DE" sz="1100" kern="150">
+                        <a:effectLst/>
+                        <a:latin typeface="Times New Roman" panose="02020603050405020304" pitchFamily="18" charset="0"/>
+                        <a:ea typeface="SimSun" panose="02010600030101010101" pitchFamily="2" charset="-122"/>
+                        <a:cs typeface="Mangal"/>
+                      </a:endParaRPr>
+                    </a:p>
+                  </a:txBody>
+                  <a:tcPr marL="20625" marR="20625" marT="20625" marB="20625"/>
+                </a:tc>
+                <a:tc>
+                  <a:txBody>
+                    <a:bodyPr/>
+                    <a:lstStyle/>
+                    <a:p>
+                      <a:pPr>
+                        <a:spcAft>
+                          <a:spcPts val="0"/>
+                        </a:spcAft>
+                      </a:pPr>
+                      <a:r>
+                        <a:rPr lang="de-DE" sz="1100" kern="150">
+                          <a:effectLst/>
+                        </a:rPr>
+                        <a:t> </a:t>
+                      </a:r>
+                      <a:endParaRPr lang="de-DE" sz="1100" kern="150">
+                        <a:effectLst/>
+                        <a:latin typeface="Times New Roman" panose="02020603050405020304" pitchFamily="18" charset="0"/>
+                        <a:ea typeface="SimSun" panose="02010600030101010101" pitchFamily="2" charset="-122"/>
+                        <a:cs typeface="Mangal"/>
+                      </a:endParaRPr>
+                    </a:p>
+                  </a:txBody>
+                  <a:tcPr marL="20625" marR="20625" marT="20625" marB="20625"/>
+                </a:tc>
+                <a:tc>
+                  <a:txBody>
+                    <a:bodyPr/>
+                    <a:lstStyle/>
+                    <a:p>
+                      <a:pPr>
+                        <a:spcAft>
+                          <a:spcPts val="0"/>
+                        </a:spcAft>
+                      </a:pPr>
+                      <a:r>
+                        <a:rPr lang="de-DE" sz="1100" u="sng" kern="150" dirty="0">
+                          <a:effectLst/>
+                        </a:rPr>
+                        <a:t>Wenn Spieler am Zug:</a:t>
+                      </a:r>
+                      <a:endParaRPr lang="de-DE" sz="1100" kern="150" dirty="0">
+                        <a:effectLst/>
+                      </a:endParaRPr>
+                    </a:p>
+                    <a:p>
+                      <a:pPr>
+                        <a:spcAft>
+                          <a:spcPts val="0"/>
+                        </a:spcAft>
+                      </a:pPr>
+                      <a:r>
+                        <a:rPr lang="de-DE" sz="1100" kern="150" dirty="0">
+                          <a:effectLst/>
+                        </a:rPr>
+                        <a:t>An Client</a:t>
+                      </a:r>
+                    </a:p>
+                    <a:p>
+                      <a:pPr>
+                        <a:spcAft>
+                          <a:spcPts val="0"/>
+                        </a:spcAft>
+                      </a:pPr>
+                      <a:r>
+                        <a:rPr lang="de-DE" sz="1100" kern="150" dirty="0">
+                          <a:effectLst/>
+                        </a:rPr>
+                        <a:t>„+ACTIVE </a:t>
+                      </a:r>
+                      <a:r>
+                        <a:rPr lang="de-DE" sz="1100" kern="150" dirty="0" err="1">
+                          <a:effectLst/>
+                        </a:rPr>
+                        <a:t>it</a:t>
+                      </a:r>
+                      <a:r>
+                        <a:rPr lang="de-DE" sz="1100" kern="150" dirty="0">
+                          <a:effectLst/>
+                        </a:rPr>
+                        <a:t> </a:t>
+                      </a:r>
+                      <a:r>
+                        <a:rPr lang="de-DE" sz="1100" kern="150" dirty="0" err="1">
+                          <a:effectLst/>
+                        </a:rPr>
+                        <a:t>is</a:t>
+                      </a:r>
+                      <a:r>
+                        <a:rPr lang="de-DE" sz="1100" kern="150" dirty="0">
+                          <a:effectLst/>
+                        </a:rPr>
+                        <a:t> </a:t>
+                      </a:r>
+                      <a:r>
+                        <a:rPr lang="de-DE" sz="1100" kern="150" dirty="0" err="1">
+                          <a:effectLst/>
+                        </a:rPr>
+                        <a:t>your</a:t>
+                      </a:r>
+                      <a:r>
+                        <a:rPr lang="de-DE" sz="1100" kern="150" dirty="0">
+                          <a:effectLst/>
+                        </a:rPr>
+                        <a:t> turn – type MOVE &lt;i&gt; &lt;j&gt;“</a:t>
+                      </a:r>
+                      <a:endParaRPr lang="de-DE" sz="1100" kern="150" dirty="0">
+                        <a:effectLst/>
+                        <a:latin typeface="Times New Roman" panose="02020603050405020304" pitchFamily="18" charset="0"/>
+                        <a:ea typeface="SimSun" panose="02010600030101010101" pitchFamily="2" charset="-122"/>
+                        <a:cs typeface="Mangal"/>
+                      </a:endParaRPr>
+                    </a:p>
+                  </a:txBody>
+                  <a:tcPr marL="20625" marR="20625" marT="20625" marB="20625"/>
+                </a:tc>
+                <a:tc>
+                  <a:txBody>
+                    <a:bodyPr/>
+                    <a:lstStyle/>
+                    <a:p>
+                      <a:pPr>
+                        <a:spcAft>
+                          <a:spcPts val="0"/>
+                        </a:spcAft>
+                      </a:pPr>
+                      <a:r>
+                        <a:rPr lang="de-DE" sz="1100" kern="150">
+                          <a:effectLst/>
+                        </a:rPr>
+                        <a:t>ACTIVE</a:t>
+                      </a:r>
+                      <a:endParaRPr lang="de-DE" sz="1100" kern="150">
+                        <a:effectLst/>
+                        <a:latin typeface="Times New Roman" panose="02020603050405020304" pitchFamily="18" charset="0"/>
+                        <a:ea typeface="SimSun" panose="02010600030101010101" pitchFamily="2" charset="-122"/>
+                        <a:cs typeface="Mangal"/>
+                      </a:endParaRPr>
+                    </a:p>
+                  </a:txBody>
+                  <a:tcPr marL="20625" marR="20625" marT="20625" marB="20625"/>
+                </a:tc>
+                <a:extLst>
+                  <a:ext uri="{0D108BD9-81ED-4DB2-BD59-A6C34878D82A}">
+                    <a16:rowId xmlns="" xmlns:a16="http://schemas.microsoft.com/office/drawing/2014/main" val="1068678410"/>
+                  </a:ext>
+                </a:extLst>
+              </a:tr>
+              <a:tr h="394114">
+                <a:tc>
+                  <a:txBody>
+                    <a:bodyPr/>
+                    <a:lstStyle/>
+                    <a:p>
+                      <a:pPr>
+                        <a:spcAft>
+                          <a:spcPts val="0"/>
+                        </a:spcAft>
+                      </a:pPr>
+                      <a:r>
+                        <a:rPr lang="de-DE" sz="1100" kern="150">
+                          <a:effectLst/>
+                        </a:rPr>
+                        <a:t> </a:t>
+                      </a:r>
+                      <a:endParaRPr lang="de-DE" sz="1100" kern="150">
+                        <a:effectLst/>
+                        <a:latin typeface="Times New Roman" panose="02020603050405020304" pitchFamily="18" charset="0"/>
+                        <a:ea typeface="SimSun" panose="02010600030101010101" pitchFamily="2" charset="-122"/>
+                        <a:cs typeface="Mangal"/>
+                      </a:endParaRPr>
+                    </a:p>
+                  </a:txBody>
+                  <a:tcPr marL="20625" marR="20625" marT="20625" marB="20625"/>
+                </a:tc>
+                <a:tc>
+                  <a:txBody>
+                    <a:bodyPr/>
+                    <a:lstStyle/>
+                    <a:p>
+                      <a:pPr>
+                        <a:spcAft>
+                          <a:spcPts val="0"/>
+                        </a:spcAft>
+                      </a:pPr>
+                      <a:r>
+                        <a:rPr lang="de-DE" sz="1100" kern="150">
+                          <a:effectLst/>
+                        </a:rPr>
+                        <a:t>Beliebige Anfrage</a:t>
+                      </a:r>
+                      <a:endParaRPr lang="de-DE" sz="1100" kern="150">
+                        <a:effectLst/>
+                        <a:latin typeface="Times New Roman" panose="02020603050405020304" pitchFamily="18" charset="0"/>
+                        <a:ea typeface="SimSun" panose="02010600030101010101" pitchFamily="2" charset="-122"/>
+                        <a:cs typeface="Mangal"/>
+                      </a:endParaRPr>
+                    </a:p>
+                  </a:txBody>
+                  <a:tcPr marL="20625" marR="20625" marT="20625" marB="20625"/>
+                </a:tc>
+                <a:tc>
+                  <a:txBody>
+                    <a:bodyPr/>
+                    <a:lstStyle/>
+                    <a:p>
+                      <a:pPr>
+                        <a:spcAft>
+                          <a:spcPts val="0"/>
+                        </a:spcAft>
+                      </a:pPr>
+                      <a:r>
+                        <a:rPr lang="de-DE" sz="1100" u="sng" kern="150">
+                          <a:effectLst/>
+                        </a:rPr>
+                        <a:t>An Client:</a:t>
+                      </a:r>
+                      <a:endParaRPr lang="de-DE" sz="1100" kern="150">
+                        <a:effectLst/>
+                      </a:endParaRPr>
+                    </a:p>
+                    <a:p>
+                      <a:pPr>
+                        <a:spcAft>
+                          <a:spcPts val="0"/>
+                        </a:spcAft>
+                      </a:pPr>
+                      <a:r>
+                        <a:rPr lang="de-DE" sz="1100" kern="150">
+                          <a:effectLst/>
+                        </a:rPr>
+                        <a:t>„-ERR it is not your turn“</a:t>
+                      </a:r>
+                      <a:endParaRPr lang="de-DE" sz="1100" kern="150">
+                        <a:effectLst/>
+                        <a:latin typeface="Times New Roman" panose="02020603050405020304" pitchFamily="18" charset="0"/>
+                        <a:ea typeface="SimSun" panose="02010600030101010101" pitchFamily="2" charset="-122"/>
+                        <a:cs typeface="Mangal"/>
+                      </a:endParaRPr>
+                    </a:p>
+                  </a:txBody>
+                  <a:tcPr marL="20625" marR="20625" marT="20625" marB="20625"/>
+                </a:tc>
+                <a:tc>
+                  <a:txBody>
+                    <a:bodyPr/>
+                    <a:lstStyle/>
+                    <a:p>
+                      <a:pPr>
+                        <a:spcAft>
+                          <a:spcPts val="0"/>
+                        </a:spcAft>
+                      </a:pPr>
+                      <a:r>
+                        <a:rPr lang="de-DE" sz="1100" kern="150">
+                          <a:effectLst/>
+                        </a:rPr>
+                        <a:t> </a:t>
+                      </a:r>
+                      <a:endParaRPr lang="de-DE" sz="1100" kern="150">
+                        <a:effectLst/>
+                        <a:latin typeface="Times New Roman" panose="02020603050405020304" pitchFamily="18" charset="0"/>
+                        <a:ea typeface="SimSun" panose="02010600030101010101" pitchFamily="2" charset="-122"/>
+                        <a:cs typeface="Mangal"/>
+                      </a:endParaRPr>
+                    </a:p>
+                  </a:txBody>
+                  <a:tcPr marL="20625" marR="20625" marT="20625" marB="20625"/>
+                </a:tc>
+                <a:extLst>
+                  <a:ext uri="{0D108BD9-81ED-4DB2-BD59-A6C34878D82A}">
+                    <a16:rowId xmlns="" xmlns:a16="http://schemas.microsoft.com/office/drawing/2014/main" val="2164313326"/>
+                  </a:ext>
+                </a:extLst>
+              </a:tr>
+              <a:tr h="732790">
+                <a:tc>
+                  <a:txBody>
+                    <a:bodyPr/>
+                    <a:lstStyle/>
+                    <a:p>
+                      <a:pPr>
+                        <a:spcAft>
+                          <a:spcPts val="0"/>
+                        </a:spcAft>
+                      </a:pPr>
+                      <a:r>
+                        <a:rPr lang="de-DE" sz="1100" kern="150">
+                          <a:effectLst/>
+                        </a:rPr>
+                        <a:t>ACTIVE</a:t>
+                      </a:r>
+                      <a:endParaRPr lang="de-DE" sz="1100" kern="150">
+                        <a:effectLst/>
+                        <a:latin typeface="Times New Roman" panose="02020603050405020304" pitchFamily="18" charset="0"/>
+                        <a:ea typeface="SimSun" panose="02010600030101010101" pitchFamily="2" charset="-122"/>
+                        <a:cs typeface="Mangal"/>
+                      </a:endParaRPr>
+                    </a:p>
+                  </a:txBody>
+                  <a:tcPr marL="20625" marR="20625" marT="20625" marB="20625"/>
+                </a:tc>
+                <a:tc>
+                  <a:txBody>
+                    <a:bodyPr/>
+                    <a:lstStyle/>
+                    <a:p>
+                      <a:pPr>
+                        <a:spcAft>
+                          <a:spcPts val="0"/>
+                        </a:spcAft>
+                      </a:pPr>
+                      <a:r>
+                        <a:rPr lang="de-DE" sz="1100" kern="150">
+                          <a:effectLst/>
+                        </a:rPr>
+                        <a:t>„MOVE &lt;i&gt; &lt;j&gt;“</a:t>
+                      </a:r>
+                      <a:endParaRPr lang="de-DE" sz="1100" kern="150">
+                        <a:effectLst/>
+                        <a:latin typeface="Times New Roman" panose="02020603050405020304" pitchFamily="18" charset="0"/>
+                        <a:ea typeface="SimSun" panose="02010600030101010101" pitchFamily="2" charset="-122"/>
+                        <a:cs typeface="Mangal"/>
+                      </a:endParaRPr>
+                    </a:p>
+                  </a:txBody>
+                  <a:tcPr marL="20625" marR="20625" marT="20625" marB="20625"/>
+                </a:tc>
+                <a:tc>
+                  <a:txBody>
+                    <a:bodyPr/>
+                    <a:lstStyle/>
+                    <a:p>
+                      <a:pPr>
+                        <a:spcAft>
+                          <a:spcPts val="0"/>
+                        </a:spcAft>
+                      </a:pPr>
+                      <a:r>
+                        <a:rPr lang="de-DE" sz="1100" u="sng" kern="150" dirty="0">
+                          <a:effectLst/>
+                        </a:rPr>
+                        <a:t>Wenn Zug möglich:</a:t>
+                      </a:r>
+                      <a:endParaRPr lang="de-DE" sz="1100" kern="150" dirty="0">
+                        <a:effectLst/>
+                      </a:endParaRPr>
+                    </a:p>
+                    <a:p>
+                      <a:pPr>
+                        <a:spcAft>
+                          <a:spcPts val="0"/>
+                        </a:spcAft>
+                      </a:pPr>
+                      <a:r>
+                        <a:rPr lang="de-DE" sz="1100" kern="150" dirty="0">
+                          <a:effectLst/>
+                        </a:rPr>
+                        <a:t>An beide:</a:t>
+                      </a:r>
+                    </a:p>
+                    <a:p>
+                      <a:pPr>
+                        <a:spcAft>
+                          <a:spcPts val="0"/>
+                        </a:spcAft>
+                      </a:pPr>
+                      <a:r>
+                        <a:rPr lang="de-DE" sz="1100" kern="150" dirty="0">
+                          <a:effectLst/>
+                        </a:rPr>
+                        <a:t>„+SET &lt;</a:t>
+                      </a:r>
+                      <a:r>
+                        <a:rPr lang="de-DE" sz="1100" kern="150" dirty="0" err="1">
+                          <a:effectLst/>
+                        </a:rPr>
+                        <a:t>symbol</a:t>
+                      </a:r>
+                      <a:r>
+                        <a:rPr lang="de-DE" sz="1100" kern="150" dirty="0">
+                          <a:effectLst/>
+                        </a:rPr>
+                        <a:t>&gt; &lt;i&gt; &lt;j&gt;“ oder „+SET &lt;</a:t>
+                      </a:r>
+                      <a:r>
+                        <a:rPr lang="de-DE" sz="1100" kern="150" dirty="0" err="1">
+                          <a:effectLst/>
+                        </a:rPr>
+                        <a:t>color</a:t>
+                      </a:r>
+                      <a:r>
+                        <a:rPr lang="de-DE" sz="1100" kern="150" dirty="0">
+                          <a:effectLst/>
+                        </a:rPr>
+                        <a:t>&gt; &lt;i&gt; &lt;j&gt;</a:t>
+                      </a:r>
+                    </a:p>
+                    <a:p>
+                      <a:pPr>
+                        <a:spcAft>
+                          <a:spcPts val="0"/>
+                        </a:spcAft>
+                      </a:pPr>
+                      <a:r>
+                        <a:rPr lang="de-DE" sz="1100" kern="150" dirty="0">
+                          <a:effectLst/>
+                        </a:rPr>
+                        <a:t>„+PASSIVE“</a:t>
+                      </a:r>
+                      <a:endParaRPr lang="de-DE" sz="1100" kern="150" dirty="0">
+                        <a:effectLst/>
+                        <a:latin typeface="Times New Roman" panose="02020603050405020304" pitchFamily="18" charset="0"/>
+                        <a:ea typeface="SimSun" panose="02010600030101010101" pitchFamily="2" charset="-122"/>
+                        <a:cs typeface="Mangal"/>
+                      </a:endParaRPr>
+                    </a:p>
+                  </a:txBody>
+                  <a:tcPr marL="20625" marR="20625" marT="20625" marB="20625"/>
+                </a:tc>
+                <a:tc>
+                  <a:txBody>
+                    <a:bodyPr/>
+                    <a:lstStyle/>
+                    <a:p>
+                      <a:pPr>
+                        <a:spcAft>
+                          <a:spcPts val="0"/>
+                        </a:spcAft>
+                      </a:pPr>
+                      <a:r>
+                        <a:rPr lang="de-DE" sz="1100" kern="150">
+                          <a:effectLst/>
+                        </a:rPr>
+                        <a:t>PASSIVE</a:t>
+                      </a:r>
+                      <a:endParaRPr lang="de-DE" sz="1100" kern="150">
+                        <a:effectLst/>
+                        <a:latin typeface="Times New Roman" panose="02020603050405020304" pitchFamily="18" charset="0"/>
+                        <a:ea typeface="SimSun" panose="02010600030101010101" pitchFamily="2" charset="-122"/>
+                        <a:cs typeface="Mangal"/>
+                      </a:endParaRPr>
+                    </a:p>
+                  </a:txBody>
+                  <a:tcPr marL="20625" marR="20625" marT="20625" marB="20625"/>
+                </a:tc>
+                <a:extLst>
+                  <a:ext uri="{0D108BD9-81ED-4DB2-BD59-A6C34878D82A}">
+                    <a16:rowId xmlns="" xmlns:a16="http://schemas.microsoft.com/office/drawing/2014/main" val="2885154336"/>
+                  </a:ext>
+                </a:extLst>
+              </a:tr>
+              <a:tr h="563453">
+                <a:tc>
+                  <a:txBody>
+                    <a:bodyPr/>
+                    <a:lstStyle/>
+                    <a:p>
+                      <a:pPr>
+                        <a:spcAft>
+                          <a:spcPts val="0"/>
+                        </a:spcAft>
+                      </a:pPr>
+                      <a:r>
+                        <a:rPr lang="de-DE" sz="1100" kern="150">
+                          <a:effectLst/>
+                        </a:rPr>
+                        <a:t> </a:t>
+                      </a:r>
+                      <a:endParaRPr lang="de-DE" sz="1100" kern="150">
+                        <a:effectLst/>
+                        <a:latin typeface="Times New Roman" panose="02020603050405020304" pitchFamily="18" charset="0"/>
+                        <a:ea typeface="SimSun" panose="02010600030101010101" pitchFamily="2" charset="-122"/>
+                        <a:cs typeface="Mangal"/>
+                      </a:endParaRPr>
+                    </a:p>
+                  </a:txBody>
+                  <a:tcPr marL="20625" marR="20625" marT="20625" marB="20625"/>
+                </a:tc>
+                <a:tc>
+                  <a:txBody>
+                    <a:bodyPr/>
+                    <a:lstStyle/>
+                    <a:p>
+                      <a:pPr>
+                        <a:spcAft>
+                          <a:spcPts val="0"/>
+                        </a:spcAft>
+                      </a:pPr>
+                      <a:r>
+                        <a:rPr lang="de-DE" sz="1100" kern="150">
+                          <a:effectLst/>
+                        </a:rPr>
+                        <a:t> </a:t>
+                      </a:r>
+                      <a:endParaRPr lang="de-DE" sz="1100" kern="150">
+                        <a:effectLst/>
+                        <a:latin typeface="Times New Roman" panose="02020603050405020304" pitchFamily="18" charset="0"/>
+                        <a:ea typeface="SimSun" panose="02010600030101010101" pitchFamily="2" charset="-122"/>
+                        <a:cs typeface="Mangal"/>
+                      </a:endParaRPr>
+                    </a:p>
+                  </a:txBody>
+                  <a:tcPr marL="20625" marR="20625" marT="20625" marB="20625"/>
+                </a:tc>
+                <a:tc>
+                  <a:txBody>
+                    <a:bodyPr/>
+                    <a:lstStyle/>
+                    <a:p>
+                      <a:pPr>
+                        <a:spcAft>
+                          <a:spcPts val="0"/>
+                        </a:spcAft>
+                      </a:pPr>
+                      <a:r>
+                        <a:rPr lang="de-DE" sz="1100" u="sng" kern="150" dirty="0">
+                          <a:effectLst/>
+                        </a:rPr>
+                        <a:t>Wenn Zug nicht möglich:</a:t>
+                      </a:r>
+                      <a:endParaRPr lang="de-DE" sz="1100" kern="150" dirty="0">
+                        <a:effectLst/>
+                      </a:endParaRPr>
+                    </a:p>
+                    <a:p>
+                      <a:pPr>
+                        <a:spcAft>
+                          <a:spcPts val="0"/>
+                        </a:spcAft>
+                      </a:pPr>
+                      <a:r>
+                        <a:rPr lang="de-DE" sz="1100" kern="150" dirty="0">
+                          <a:effectLst/>
+                        </a:rPr>
+                        <a:t>An Client:</a:t>
+                      </a:r>
+                    </a:p>
+                    <a:p>
+                      <a:pPr>
+                        <a:spcAft>
+                          <a:spcPts val="0"/>
+                        </a:spcAft>
+                      </a:pPr>
+                      <a:r>
+                        <a:rPr lang="de-DE" sz="1100" kern="150" dirty="0">
+                          <a:effectLst/>
+                        </a:rPr>
+                        <a:t>„</a:t>
+                      </a:r>
+                      <a:r>
+                        <a:rPr lang="de-DE" sz="1100" kern="150" dirty="0" err="1">
+                          <a:effectLst/>
+                        </a:rPr>
+                        <a:t>move</a:t>
+                      </a:r>
+                      <a:r>
+                        <a:rPr lang="de-DE" sz="1100" kern="150" dirty="0">
+                          <a:effectLst/>
+                        </a:rPr>
+                        <a:t> not </a:t>
+                      </a:r>
+                      <a:r>
+                        <a:rPr lang="de-DE" sz="1100" kern="150" dirty="0" err="1">
+                          <a:effectLst/>
+                        </a:rPr>
+                        <a:t>possible</a:t>
+                      </a:r>
+                      <a:r>
+                        <a:rPr lang="de-DE" sz="1100" kern="150" dirty="0">
+                          <a:effectLst/>
+                        </a:rPr>
+                        <a:t>“</a:t>
+                      </a:r>
+                      <a:endParaRPr lang="de-DE" sz="1100" kern="150" dirty="0">
+                        <a:effectLst/>
+                        <a:latin typeface="Times New Roman" panose="02020603050405020304" pitchFamily="18" charset="0"/>
+                        <a:ea typeface="SimSun" panose="02010600030101010101" pitchFamily="2" charset="-122"/>
+                        <a:cs typeface="Mangal"/>
+                      </a:endParaRPr>
+                    </a:p>
+                  </a:txBody>
+                  <a:tcPr marL="20625" marR="20625" marT="20625" marB="20625"/>
+                </a:tc>
+                <a:tc>
+                  <a:txBody>
+                    <a:bodyPr/>
+                    <a:lstStyle/>
+                    <a:p>
+                      <a:pPr>
+                        <a:spcAft>
+                          <a:spcPts val="0"/>
+                        </a:spcAft>
+                      </a:pPr>
+                      <a:r>
+                        <a:rPr lang="de-DE" sz="1100" kern="150">
+                          <a:effectLst/>
+                        </a:rPr>
+                        <a:t>ACTIVE</a:t>
+                      </a:r>
+                      <a:endParaRPr lang="de-DE" sz="1100" kern="150">
+                        <a:effectLst/>
+                        <a:latin typeface="Times New Roman" panose="02020603050405020304" pitchFamily="18" charset="0"/>
+                        <a:ea typeface="SimSun" panose="02010600030101010101" pitchFamily="2" charset="-122"/>
+                        <a:cs typeface="Mangal"/>
+                      </a:endParaRPr>
+                    </a:p>
+                  </a:txBody>
+                  <a:tcPr marL="20625" marR="20625" marT="20625" marB="20625"/>
+                </a:tc>
+                <a:extLst>
+                  <a:ext uri="{0D108BD9-81ED-4DB2-BD59-A6C34878D82A}">
+                    <a16:rowId xmlns="" xmlns:a16="http://schemas.microsoft.com/office/drawing/2014/main" val="2846983763"/>
+                  </a:ext>
+                </a:extLst>
+              </a:tr>
+              <a:tr h="394114">
+                <a:tc>
+                  <a:txBody>
+                    <a:bodyPr/>
+                    <a:lstStyle/>
+                    <a:p>
+                      <a:pPr>
+                        <a:spcAft>
+                          <a:spcPts val="0"/>
+                        </a:spcAft>
+                      </a:pPr>
+                      <a:r>
+                        <a:rPr lang="de-DE" sz="1100" kern="150">
+                          <a:effectLst/>
+                        </a:rPr>
+                        <a:t>OVER</a:t>
+                      </a:r>
+                      <a:endParaRPr lang="de-DE" sz="1100" kern="150">
+                        <a:effectLst/>
+                        <a:latin typeface="Times New Roman" panose="02020603050405020304" pitchFamily="18" charset="0"/>
+                        <a:ea typeface="SimSun" panose="02010600030101010101" pitchFamily="2" charset="-122"/>
+                        <a:cs typeface="Mangal"/>
+                      </a:endParaRPr>
+                    </a:p>
+                  </a:txBody>
+                  <a:tcPr marL="20625" marR="20625" marT="20625" marB="20625"/>
+                </a:tc>
+                <a:tc>
+                  <a:txBody>
+                    <a:bodyPr/>
+                    <a:lstStyle/>
+                    <a:p>
+                      <a:pPr>
+                        <a:spcAft>
+                          <a:spcPts val="0"/>
+                        </a:spcAft>
+                      </a:pPr>
+                      <a:r>
+                        <a:rPr lang="de-DE" sz="1100" kern="150">
+                          <a:effectLst/>
+                        </a:rPr>
+                        <a:t>„NEW“</a:t>
+                      </a:r>
+                      <a:endParaRPr lang="de-DE" sz="1100" kern="150">
+                        <a:effectLst/>
+                        <a:latin typeface="Times New Roman" panose="02020603050405020304" pitchFamily="18" charset="0"/>
+                        <a:ea typeface="SimSun" panose="02010600030101010101" pitchFamily="2" charset="-122"/>
+                        <a:cs typeface="Mangal"/>
+                      </a:endParaRPr>
+                    </a:p>
+                  </a:txBody>
+                  <a:tcPr marL="20625" marR="20625" marT="20625" marB="20625"/>
+                </a:tc>
+                <a:tc>
+                  <a:txBody>
+                    <a:bodyPr/>
+                    <a:lstStyle/>
+                    <a:p>
+                      <a:pPr>
+                        <a:spcAft>
+                          <a:spcPts val="0"/>
+                        </a:spcAft>
+                      </a:pPr>
+                      <a:r>
+                        <a:rPr lang="de-DE" sz="1100" kern="150">
+                          <a:effectLst/>
+                        </a:rPr>
+                        <a:t>An Client:</a:t>
+                      </a:r>
+                    </a:p>
+                    <a:p>
+                      <a:pPr>
+                        <a:spcAft>
+                          <a:spcPts val="0"/>
+                        </a:spcAft>
+                      </a:pPr>
+                      <a:r>
+                        <a:rPr lang="de-DE" sz="1100" kern="150">
+                          <a:effectLst/>
+                        </a:rPr>
+                        <a:t>„OK“</a:t>
+                      </a:r>
+                      <a:endParaRPr lang="de-DE" sz="1100" kern="150">
+                        <a:effectLst/>
+                        <a:latin typeface="Times New Roman" panose="02020603050405020304" pitchFamily="18" charset="0"/>
+                        <a:ea typeface="SimSun" panose="02010600030101010101" pitchFamily="2" charset="-122"/>
+                        <a:cs typeface="Mangal"/>
+                      </a:endParaRPr>
+                    </a:p>
+                  </a:txBody>
+                  <a:tcPr marL="20625" marR="20625" marT="20625" marB="20625"/>
+                </a:tc>
+                <a:tc>
+                  <a:txBody>
+                    <a:bodyPr/>
+                    <a:lstStyle/>
+                    <a:p>
+                      <a:pPr>
+                        <a:spcAft>
+                          <a:spcPts val="0"/>
+                        </a:spcAft>
+                      </a:pPr>
+                      <a:r>
+                        <a:rPr lang="de-DE" sz="1100" kern="150">
+                          <a:effectLst/>
+                        </a:rPr>
+                        <a:t>WAIT</a:t>
+                      </a:r>
+                      <a:endParaRPr lang="de-DE" sz="1100" kern="150">
+                        <a:effectLst/>
+                        <a:latin typeface="Times New Roman" panose="02020603050405020304" pitchFamily="18" charset="0"/>
+                        <a:ea typeface="SimSun" panose="02010600030101010101" pitchFamily="2" charset="-122"/>
+                        <a:cs typeface="Mangal"/>
+                      </a:endParaRPr>
+                    </a:p>
+                  </a:txBody>
+                  <a:tcPr marL="20625" marR="20625" marT="20625" marB="20625"/>
+                </a:tc>
+                <a:extLst>
+                  <a:ext uri="{0D108BD9-81ED-4DB2-BD59-A6C34878D82A}">
+                    <a16:rowId xmlns="" xmlns:a16="http://schemas.microsoft.com/office/drawing/2014/main" val="1407925582"/>
+                  </a:ext>
+                </a:extLst>
+              </a:tr>
+              <a:tr h="563453">
+                <a:tc>
+                  <a:txBody>
+                    <a:bodyPr/>
+                    <a:lstStyle/>
+                    <a:p>
+                      <a:pPr>
+                        <a:spcAft>
+                          <a:spcPts val="0"/>
+                        </a:spcAft>
+                      </a:pPr>
+                      <a:r>
+                        <a:rPr lang="de-DE" sz="1100" kern="150">
+                          <a:effectLst/>
+                        </a:rPr>
+                        <a:t>Beliebig</a:t>
+                      </a:r>
+                      <a:endParaRPr lang="de-DE" sz="1100" kern="150">
+                        <a:effectLst/>
+                        <a:latin typeface="Times New Roman" panose="02020603050405020304" pitchFamily="18" charset="0"/>
+                        <a:ea typeface="SimSun" panose="02010600030101010101" pitchFamily="2" charset="-122"/>
+                        <a:cs typeface="Mangal"/>
+                      </a:endParaRPr>
+                    </a:p>
+                  </a:txBody>
+                  <a:tcPr marL="20625" marR="20625" marT="20625" marB="20625"/>
+                </a:tc>
+                <a:tc>
+                  <a:txBody>
+                    <a:bodyPr/>
+                    <a:lstStyle/>
+                    <a:p>
+                      <a:pPr>
+                        <a:spcAft>
+                          <a:spcPts val="0"/>
+                        </a:spcAft>
+                      </a:pPr>
+                      <a:r>
+                        <a:rPr lang="de-DE" sz="1100" kern="150">
+                          <a:effectLst/>
+                        </a:rPr>
+                        <a:t> </a:t>
+                      </a:r>
+                      <a:endParaRPr lang="de-DE" sz="1100" kern="150">
+                        <a:effectLst/>
+                        <a:latin typeface="Times New Roman" panose="02020603050405020304" pitchFamily="18" charset="0"/>
+                        <a:ea typeface="SimSun" panose="02010600030101010101" pitchFamily="2" charset="-122"/>
+                        <a:cs typeface="Mangal"/>
+                      </a:endParaRPr>
+                    </a:p>
+                  </a:txBody>
+                  <a:tcPr marL="20625" marR="20625" marT="20625" marB="20625"/>
+                </a:tc>
+                <a:tc>
+                  <a:txBody>
+                    <a:bodyPr/>
+                    <a:lstStyle/>
+                    <a:p>
+                      <a:pPr>
+                        <a:spcAft>
+                          <a:spcPts val="0"/>
+                        </a:spcAft>
+                      </a:pPr>
+                      <a:r>
+                        <a:rPr lang="de-DE" sz="1100" u="sng" kern="150">
+                          <a:effectLst/>
+                        </a:rPr>
+                        <a:t>Wenn Spiel gewonnen</a:t>
+                      </a:r>
+                      <a:endParaRPr lang="de-DE" sz="1100" kern="150">
+                        <a:effectLst/>
+                      </a:endParaRPr>
+                    </a:p>
+                    <a:p>
+                      <a:pPr>
+                        <a:spcAft>
+                          <a:spcPts val="0"/>
+                        </a:spcAft>
+                      </a:pPr>
+                      <a:r>
+                        <a:rPr lang="de-DE" sz="1100" kern="150">
+                          <a:effectLst/>
+                        </a:rPr>
+                        <a:t>An Client:</a:t>
+                      </a:r>
+                    </a:p>
+                    <a:p>
+                      <a:pPr>
+                        <a:spcAft>
+                          <a:spcPts val="0"/>
+                        </a:spcAft>
+                      </a:pPr>
+                      <a:r>
+                        <a:rPr lang="de-DE" sz="1100" kern="150">
+                          <a:effectLst/>
+                        </a:rPr>
+                        <a:t>„+WON“</a:t>
+                      </a:r>
+                      <a:endParaRPr lang="de-DE" sz="1100" kern="150">
+                        <a:effectLst/>
+                        <a:latin typeface="Times New Roman" panose="02020603050405020304" pitchFamily="18" charset="0"/>
+                        <a:ea typeface="SimSun" panose="02010600030101010101" pitchFamily="2" charset="-122"/>
+                        <a:cs typeface="Mangal"/>
+                      </a:endParaRPr>
+                    </a:p>
+                  </a:txBody>
+                  <a:tcPr marL="20625" marR="20625" marT="20625" marB="20625"/>
+                </a:tc>
+                <a:tc>
+                  <a:txBody>
+                    <a:bodyPr/>
+                    <a:lstStyle/>
+                    <a:p>
+                      <a:pPr>
+                        <a:spcAft>
+                          <a:spcPts val="0"/>
+                        </a:spcAft>
+                      </a:pPr>
+                      <a:r>
+                        <a:rPr lang="de-DE" sz="1100" kern="150">
+                          <a:effectLst/>
+                        </a:rPr>
+                        <a:t>OVER</a:t>
+                      </a:r>
+                      <a:endParaRPr lang="de-DE" sz="1100" kern="150">
+                        <a:effectLst/>
+                        <a:latin typeface="Times New Roman" panose="02020603050405020304" pitchFamily="18" charset="0"/>
+                        <a:ea typeface="SimSun" panose="02010600030101010101" pitchFamily="2" charset="-122"/>
+                        <a:cs typeface="Mangal"/>
+                      </a:endParaRPr>
+                    </a:p>
+                  </a:txBody>
+                  <a:tcPr marL="20625" marR="20625" marT="20625" marB="20625"/>
+                </a:tc>
+                <a:extLst>
+                  <a:ext uri="{0D108BD9-81ED-4DB2-BD59-A6C34878D82A}">
+                    <a16:rowId xmlns="" xmlns:a16="http://schemas.microsoft.com/office/drawing/2014/main" val="3622921779"/>
+                  </a:ext>
+                </a:extLst>
+              </a:tr>
+              <a:tr h="563453">
+                <a:tc>
+                  <a:txBody>
+                    <a:bodyPr/>
+                    <a:lstStyle/>
+                    <a:p>
+                      <a:pPr>
+                        <a:spcAft>
+                          <a:spcPts val="0"/>
+                        </a:spcAft>
+                      </a:pPr>
+                      <a:r>
+                        <a:rPr lang="de-DE" sz="1100" kern="150">
+                          <a:effectLst/>
+                        </a:rPr>
+                        <a:t> </a:t>
+                      </a:r>
+                      <a:endParaRPr lang="de-DE" sz="1100" kern="150">
+                        <a:effectLst/>
+                        <a:latin typeface="Times New Roman" panose="02020603050405020304" pitchFamily="18" charset="0"/>
+                        <a:ea typeface="SimSun" panose="02010600030101010101" pitchFamily="2" charset="-122"/>
+                        <a:cs typeface="Mangal"/>
+                      </a:endParaRPr>
+                    </a:p>
+                  </a:txBody>
+                  <a:tcPr marL="20625" marR="20625" marT="20625" marB="20625"/>
+                </a:tc>
+                <a:tc>
+                  <a:txBody>
+                    <a:bodyPr/>
+                    <a:lstStyle/>
+                    <a:p>
+                      <a:pPr>
+                        <a:spcAft>
+                          <a:spcPts val="0"/>
+                        </a:spcAft>
+                      </a:pPr>
+                      <a:r>
+                        <a:rPr lang="de-DE" sz="1100" kern="150">
+                          <a:effectLst/>
+                        </a:rPr>
+                        <a:t> </a:t>
+                      </a:r>
+                      <a:endParaRPr lang="de-DE" sz="1100" kern="150">
+                        <a:effectLst/>
+                        <a:latin typeface="Times New Roman" panose="02020603050405020304" pitchFamily="18" charset="0"/>
+                        <a:ea typeface="SimSun" panose="02010600030101010101" pitchFamily="2" charset="-122"/>
+                        <a:cs typeface="Mangal"/>
+                      </a:endParaRPr>
+                    </a:p>
+                  </a:txBody>
+                  <a:tcPr marL="20625" marR="20625" marT="20625" marB="20625"/>
+                </a:tc>
+                <a:tc>
+                  <a:txBody>
+                    <a:bodyPr/>
+                    <a:lstStyle/>
+                    <a:p>
+                      <a:pPr>
+                        <a:spcAft>
+                          <a:spcPts val="0"/>
+                        </a:spcAft>
+                      </a:pPr>
+                      <a:r>
+                        <a:rPr lang="de-DE" sz="1100" u="sng" kern="150">
+                          <a:effectLst/>
+                        </a:rPr>
+                        <a:t>Wenn Spiel verloren:</a:t>
+                      </a:r>
+                      <a:endParaRPr lang="de-DE" sz="1100" kern="150">
+                        <a:effectLst/>
+                      </a:endParaRPr>
+                    </a:p>
+                    <a:p>
+                      <a:pPr>
+                        <a:spcAft>
+                          <a:spcPts val="0"/>
+                        </a:spcAft>
+                      </a:pPr>
+                      <a:r>
+                        <a:rPr lang="de-DE" sz="1100" kern="150">
+                          <a:effectLst/>
+                        </a:rPr>
+                        <a:t>An Client:</a:t>
+                      </a:r>
+                    </a:p>
+                    <a:p>
+                      <a:pPr>
+                        <a:spcAft>
+                          <a:spcPts val="0"/>
+                        </a:spcAft>
+                      </a:pPr>
+                      <a:r>
+                        <a:rPr lang="de-DE" sz="1100" kern="150">
+                          <a:effectLst/>
+                        </a:rPr>
+                        <a:t>„+LOST“</a:t>
+                      </a:r>
+                      <a:endParaRPr lang="de-DE" sz="1100" kern="150">
+                        <a:effectLst/>
+                        <a:latin typeface="Times New Roman" panose="02020603050405020304" pitchFamily="18" charset="0"/>
+                        <a:ea typeface="SimSun" panose="02010600030101010101" pitchFamily="2" charset="-122"/>
+                        <a:cs typeface="Mangal"/>
+                      </a:endParaRPr>
+                    </a:p>
+                  </a:txBody>
+                  <a:tcPr marL="20625" marR="20625" marT="20625" marB="20625"/>
+                </a:tc>
+                <a:tc>
+                  <a:txBody>
+                    <a:bodyPr/>
+                    <a:lstStyle/>
+                    <a:p>
+                      <a:pPr>
+                        <a:spcAft>
+                          <a:spcPts val="0"/>
+                        </a:spcAft>
+                      </a:pPr>
+                      <a:r>
+                        <a:rPr lang="de-DE" sz="1100" kern="150">
+                          <a:effectLst/>
+                        </a:rPr>
+                        <a:t>OVER</a:t>
+                      </a:r>
+                      <a:endParaRPr lang="de-DE" sz="1100" kern="150">
+                        <a:effectLst/>
+                        <a:latin typeface="Times New Roman" panose="02020603050405020304" pitchFamily="18" charset="0"/>
+                        <a:ea typeface="SimSun" panose="02010600030101010101" pitchFamily="2" charset="-122"/>
+                        <a:cs typeface="Mangal"/>
+                      </a:endParaRPr>
+                    </a:p>
+                  </a:txBody>
+                  <a:tcPr marL="20625" marR="20625" marT="20625" marB="20625"/>
+                </a:tc>
+                <a:extLst>
+                  <a:ext uri="{0D108BD9-81ED-4DB2-BD59-A6C34878D82A}">
+                    <a16:rowId xmlns="" xmlns:a16="http://schemas.microsoft.com/office/drawing/2014/main" val="1866864909"/>
+                  </a:ext>
+                </a:extLst>
+              </a:tr>
+              <a:tr h="394114">
+                <a:tc>
+                  <a:txBody>
+                    <a:bodyPr/>
+                    <a:lstStyle/>
+                    <a:p>
+                      <a:pPr>
+                        <a:spcAft>
+                          <a:spcPts val="0"/>
+                        </a:spcAft>
+                      </a:pPr>
+                      <a:r>
+                        <a:rPr lang="de-DE" sz="1100" kern="150">
+                          <a:effectLst/>
+                        </a:rPr>
+                        <a:t> </a:t>
+                      </a:r>
+                      <a:endParaRPr lang="de-DE" sz="1100" kern="150">
+                        <a:effectLst/>
+                        <a:latin typeface="Times New Roman" panose="02020603050405020304" pitchFamily="18" charset="0"/>
+                        <a:ea typeface="SimSun" panose="02010600030101010101" pitchFamily="2" charset="-122"/>
+                        <a:cs typeface="Mangal"/>
+                      </a:endParaRPr>
+                    </a:p>
+                  </a:txBody>
+                  <a:tcPr marL="20625" marR="20625" marT="20625" marB="20625"/>
+                </a:tc>
+                <a:tc>
+                  <a:txBody>
+                    <a:bodyPr/>
+                    <a:lstStyle/>
+                    <a:p>
+                      <a:pPr>
+                        <a:spcAft>
+                          <a:spcPts val="0"/>
+                        </a:spcAft>
+                      </a:pPr>
+                      <a:r>
+                        <a:rPr lang="de-DE" sz="1100" kern="150" dirty="0">
+                          <a:effectLst/>
+                        </a:rPr>
+                        <a:t> </a:t>
+                      </a:r>
+                      <a:endParaRPr lang="de-DE" sz="1100" kern="150" dirty="0">
+                        <a:effectLst/>
+                        <a:latin typeface="Times New Roman" panose="02020603050405020304" pitchFamily="18" charset="0"/>
+                        <a:ea typeface="SimSun" panose="02010600030101010101" pitchFamily="2" charset="-122"/>
+                        <a:cs typeface="Mangal"/>
+                      </a:endParaRPr>
+                    </a:p>
+                  </a:txBody>
+                  <a:tcPr marL="20625" marR="20625" marT="20625" marB="20625"/>
+                </a:tc>
+                <a:tc>
+                  <a:txBody>
+                    <a:bodyPr/>
+                    <a:lstStyle/>
+                    <a:p>
+                      <a:pPr>
+                        <a:spcAft>
+                          <a:spcPts val="0"/>
+                        </a:spcAft>
+                      </a:pPr>
+                      <a:r>
+                        <a:rPr lang="de-DE" sz="1100" u="sng" kern="150">
+                          <a:effectLst/>
+                        </a:rPr>
+                        <a:t>Wenn Spiel unentschieden:</a:t>
+                      </a:r>
+                      <a:endParaRPr lang="de-DE" sz="1100" kern="150">
+                        <a:effectLst/>
+                      </a:endParaRPr>
+                    </a:p>
+                    <a:p>
+                      <a:pPr>
+                        <a:spcAft>
+                          <a:spcPts val="0"/>
+                        </a:spcAft>
+                      </a:pPr>
+                      <a:r>
+                        <a:rPr lang="de-DE" sz="1100" kern="150">
+                          <a:effectLst/>
+                        </a:rPr>
+                        <a:t>„+TIED</a:t>
+                      </a:r>
+                      <a:endParaRPr lang="de-DE" sz="1100" kern="150">
+                        <a:effectLst/>
+                        <a:latin typeface="Times New Roman" panose="02020603050405020304" pitchFamily="18" charset="0"/>
+                        <a:ea typeface="SimSun" panose="02010600030101010101" pitchFamily="2" charset="-122"/>
+                        <a:cs typeface="Mangal"/>
+                      </a:endParaRPr>
+                    </a:p>
+                  </a:txBody>
+                  <a:tcPr marL="20625" marR="20625" marT="20625" marB="20625"/>
+                </a:tc>
+                <a:tc>
+                  <a:txBody>
+                    <a:bodyPr/>
+                    <a:lstStyle/>
+                    <a:p>
+                      <a:pPr>
+                        <a:spcAft>
+                          <a:spcPts val="0"/>
+                        </a:spcAft>
+                      </a:pPr>
+                      <a:r>
+                        <a:rPr lang="de-DE" sz="1100" kern="150" dirty="0">
+                          <a:effectLst/>
+                        </a:rPr>
+                        <a:t>OVER</a:t>
+                      </a:r>
+                      <a:endParaRPr lang="de-DE" sz="1100" kern="150" dirty="0">
+                        <a:effectLst/>
+                        <a:latin typeface="Times New Roman" panose="02020603050405020304" pitchFamily="18" charset="0"/>
+                        <a:ea typeface="SimSun" panose="02010600030101010101" pitchFamily="2" charset="-122"/>
+                        <a:cs typeface="Mangal"/>
+                      </a:endParaRPr>
+                    </a:p>
+                  </a:txBody>
+                  <a:tcPr marL="20625" marR="20625" marT="20625" marB="20625"/>
+                </a:tc>
+                <a:extLst>
+                  <a:ext uri="{0D108BD9-81ED-4DB2-BD59-A6C34878D82A}">
+                    <a16:rowId xmlns="" xmlns:a16="http://schemas.microsoft.com/office/drawing/2014/main" val="2706741408"/>
+                  </a:ext>
+                </a:extLst>
+              </a:tr>
+              <a:tr h="394114">
+                <a:tc>
+                  <a:txBody>
+                    <a:bodyPr/>
+                    <a:lstStyle/>
+                    <a:p>
+                      <a:pPr>
+                        <a:spcAft>
+                          <a:spcPts val="0"/>
+                        </a:spcAft>
+                      </a:pPr>
+                      <a:r>
+                        <a:rPr lang="de-DE" sz="1200" kern="150" dirty="0">
+                          <a:effectLst/>
+                        </a:rPr>
+                        <a:t> </a:t>
+                      </a:r>
+                      <a:endParaRPr lang="de-DE" sz="1200" kern="150" dirty="0">
+                        <a:effectLst/>
+                        <a:latin typeface="Times New Roman" panose="02020603050405020304" pitchFamily="18" charset="0"/>
+                        <a:ea typeface="SimSun" panose="02010600030101010101" pitchFamily="2" charset="-122"/>
+                        <a:cs typeface="Mangal"/>
+                      </a:endParaRPr>
+                    </a:p>
+                  </a:txBody>
+                  <a:tcPr marL="22412" marR="22412" marT="22412" marB="22412"/>
+                </a:tc>
+                <a:tc>
+                  <a:txBody>
+                    <a:bodyPr/>
+                    <a:lstStyle/>
+                    <a:p>
+                      <a:pPr>
+                        <a:spcAft>
+                          <a:spcPts val="0"/>
+                        </a:spcAft>
+                      </a:pPr>
+                      <a:r>
+                        <a:rPr lang="de-DE" sz="1200" kern="150" dirty="0">
+                          <a:effectLst/>
+                        </a:rPr>
+                        <a:t>„QUIT“</a:t>
+                      </a:r>
+                      <a:endParaRPr lang="de-DE" sz="1200" kern="150" dirty="0">
+                        <a:effectLst/>
+                        <a:latin typeface="Times New Roman" panose="02020603050405020304" pitchFamily="18" charset="0"/>
+                        <a:ea typeface="SimSun" panose="02010600030101010101" pitchFamily="2" charset="-122"/>
+                        <a:cs typeface="Mangal"/>
+                      </a:endParaRPr>
+                    </a:p>
+                  </a:txBody>
+                  <a:tcPr marL="22412" marR="22412" marT="22412" marB="22412"/>
+                </a:tc>
+                <a:tc>
+                  <a:txBody>
+                    <a:bodyPr/>
+                    <a:lstStyle/>
+                    <a:p>
+                      <a:pPr>
+                        <a:spcAft>
+                          <a:spcPts val="0"/>
+                        </a:spcAft>
+                      </a:pPr>
+                      <a:r>
+                        <a:rPr lang="de-DE" sz="1200" kern="150" dirty="0">
+                          <a:effectLst/>
+                        </a:rPr>
+                        <a:t>An Client:</a:t>
+                      </a:r>
+                    </a:p>
+                    <a:p>
+                      <a:pPr>
+                        <a:spcAft>
+                          <a:spcPts val="0"/>
+                        </a:spcAft>
+                      </a:pPr>
+                      <a:r>
+                        <a:rPr lang="de-DE" sz="1200" kern="150" dirty="0">
+                          <a:effectLst/>
+                        </a:rPr>
+                        <a:t>„See </a:t>
+                      </a:r>
+                      <a:r>
+                        <a:rPr lang="de-DE" sz="1200" kern="150" dirty="0" err="1">
+                          <a:effectLst/>
+                        </a:rPr>
+                        <a:t>you</a:t>
+                      </a:r>
+                      <a:r>
+                        <a:rPr lang="de-DE" sz="1200" kern="150" dirty="0">
+                          <a:effectLst/>
+                        </a:rPr>
+                        <a:t> </a:t>
+                      </a:r>
+                      <a:r>
+                        <a:rPr lang="de-DE" sz="1200" kern="150" dirty="0" err="1">
+                          <a:effectLst/>
+                        </a:rPr>
+                        <a:t>soon</a:t>
+                      </a:r>
+                      <a:r>
+                        <a:rPr lang="de-DE" sz="1200" kern="150" dirty="0">
+                          <a:effectLst/>
+                        </a:rPr>
+                        <a:t>“</a:t>
+                      </a:r>
+                      <a:endParaRPr lang="de-DE" sz="1200" kern="150" dirty="0">
+                        <a:effectLst/>
+                        <a:latin typeface="Times New Roman" panose="02020603050405020304" pitchFamily="18" charset="0"/>
+                        <a:ea typeface="SimSun" panose="02010600030101010101" pitchFamily="2" charset="-122"/>
+                        <a:cs typeface="Mangal"/>
+                      </a:endParaRPr>
+                    </a:p>
+                  </a:txBody>
+                  <a:tcPr marL="22412" marR="22412" marT="22412" marB="22412"/>
+                </a:tc>
+                <a:tc>
+                  <a:txBody>
+                    <a:bodyPr/>
+                    <a:lstStyle/>
+                    <a:p>
+                      <a:pPr>
+                        <a:spcAft>
+                          <a:spcPts val="0"/>
+                        </a:spcAft>
+                      </a:pPr>
+                      <a:r>
+                        <a:rPr lang="de-DE" sz="1200" kern="150" dirty="0">
+                          <a:effectLst/>
+                        </a:rPr>
+                        <a:t>Verbindung beendet</a:t>
+                      </a:r>
+                      <a:endParaRPr lang="de-DE" sz="1200" kern="150" dirty="0">
+                        <a:effectLst/>
+                        <a:latin typeface="Times New Roman" panose="02020603050405020304" pitchFamily="18" charset="0"/>
+                        <a:ea typeface="SimSun" panose="02010600030101010101" pitchFamily="2" charset="-122"/>
+                        <a:cs typeface="Mangal"/>
+                      </a:endParaRPr>
+                    </a:p>
+                  </a:txBody>
+                  <a:tcPr marL="22412" marR="22412" marT="22412" marB="22412"/>
+                </a:tc>
+                <a:extLst>
+                  <a:ext uri="{0D108BD9-81ED-4DB2-BD59-A6C34878D82A}">
+                    <a16:rowId xmlns="" xmlns:a16="http://schemas.microsoft.com/office/drawing/2014/main" val="2651472789"/>
+                  </a:ext>
+                </a:extLst>
+              </a:tr>
+            </a:tbl>
+          </a:graphicData>
+        </a:graphic>
+      </p:graphicFrame>
+    </p:spTree>
+    <p:extLst>
+      <p:ext uri="{BB962C8B-B14F-4D97-AF65-F5344CB8AC3E}">
+        <p14:creationId xmlns:p14="http://schemas.microsoft.com/office/powerpoint/2010/main" val="2989208074"/>
+      </p:ext>
+    </p:extLst>
+  </p:cSld>
+  <p:clrMapOvr>
+    <a:masterClrMapping/>
+  </p:clrMapOvr>
+</p:sld>
+</file>
+
+<file path=ppt/slides/slide18.xml><?xml version="1.0" encoding="utf-8"?>
+<p:sld xmlns:a="http://schemas.openxmlformats.org/drawingml/2006/main" xmlns:r="http://schemas.openxmlformats.org/officeDocument/2006/relationships" xmlns:p="http://schemas.openxmlformats.org/presentationml/2006/main">
+  <p:cSld>
+    <p:spTree>
+      <p:nvGrpSpPr>
+        <p:cNvPr id="1" name=""/>
+        <p:cNvGrpSpPr/>
+        <p:nvPr/>
+      </p:nvGrpSpPr>
+      <p:grpSpPr>
+        <a:xfrm>
+          <a:off x="0" y="0"/>
+          <a:ext cx="0" cy="0"/>
+          <a:chOff x="0" y="0"/>
+          <a:chExt cx="0" cy="0"/>
+        </a:xfrm>
+      </p:grpSpPr>
+      <p:sp>
+        <p:nvSpPr>
+          <p:cNvPr id="2" name="Titel 1"/>
+          <p:cNvSpPr>
+            <a:spLocks noGrp="1"/>
+          </p:cNvSpPr>
+          <p:nvPr>
+            <p:ph type="title"/>
+          </p:nvPr>
+        </p:nvSpPr>
+        <p:spPr/>
+        <p:txBody>
+          <a:bodyPr/>
+          <a:lstStyle/>
+          <a:p>
+            <a:r>
+              <a:rPr lang="de-DE" dirty="0"/>
+              <a:t>Datenbank</a:t>
+            </a:r>
+          </a:p>
+        </p:txBody>
+      </p:sp>
+      <p:sp>
+        <p:nvSpPr>
+          <p:cNvPr id="3" name="Textplatzhalter 2"/>
+          <p:cNvSpPr>
+            <a:spLocks noGrp="1"/>
+          </p:cNvSpPr>
+          <p:nvPr>
+            <p:ph type="body" idx="1"/>
+          </p:nvPr>
+        </p:nvSpPr>
+        <p:spPr/>
+        <p:txBody>
+          <a:bodyPr/>
+          <a:lstStyle/>
+          <a:p>
+            <a:endParaRPr lang="de-DE"/>
+          </a:p>
+        </p:txBody>
+      </p:sp>
+    </p:spTree>
+    <p:extLst>
+      <p:ext uri="{BB962C8B-B14F-4D97-AF65-F5344CB8AC3E}">
+        <p14:creationId xmlns:p14="http://schemas.microsoft.com/office/powerpoint/2010/main" val="1370829556"/>
+      </p:ext>
+    </p:extLst>
+  </p:cSld>
+  <p:clrMapOvr>
+    <a:masterClrMapping/>
+  </p:clrMapOvr>
+</p:sld>
+</file>
+
+<file path=ppt/slides/slide19.xml><?xml version="1.0" encoding="utf-8"?>
+<p:sld xmlns:a="http://schemas.openxmlformats.org/drawingml/2006/main" xmlns:r="http://schemas.openxmlformats.org/officeDocument/2006/relationships" xmlns:p="http://schemas.openxmlformats.org/presentationml/2006/main">
+  <p:cSld>
+    <p:spTree>
+      <p:nvGrpSpPr>
+        <p:cNvPr id="1" name=""/>
+        <p:cNvGrpSpPr/>
+        <p:nvPr/>
+      </p:nvGrpSpPr>
+      <p:grpSpPr>
+        <a:xfrm>
+          <a:off x="0" y="0"/>
+          <a:ext cx="0" cy="0"/>
+          <a:chOff x="0" y="0"/>
+          <a:chExt cx="0" cy="0"/>
+        </a:xfrm>
+      </p:grpSpPr>
+      <p:sp>
+        <p:nvSpPr>
+          <p:cNvPr id="2" name="Titel 1"/>
+          <p:cNvSpPr>
+            <a:spLocks noGrp="1"/>
+          </p:cNvSpPr>
+          <p:nvPr>
+            <p:ph type="title"/>
+          </p:nvPr>
+        </p:nvSpPr>
+        <p:spPr/>
+        <p:txBody>
+          <a:bodyPr/>
+          <a:lstStyle/>
+          <a:p>
+            <a:r>
+              <a:rPr lang="de-DE" dirty="0" smtClean="0"/>
+              <a:t>ER-diagramm</a:t>
+            </a:r>
+            <a:endParaRPr lang="de-DE" dirty="0"/>
           </a:p>
         </p:txBody>
       </p:sp>
@@ -7072,93 +7348,80 @@
           <a:lstStyle/>
           <a:p>
             <a:r>
-              <a:rPr lang="de-DE" dirty="0"/>
-              <a:t>Versionsgeschichte stets verfügbar.</a:t>
-            </a:r>
-          </a:p>
-          <a:p>
-            <a:r>
-              <a:rPr lang="de-DE" dirty="0"/>
-              <a:t>Zentraler Speicherort, Versionsnummern</a:t>
-            </a:r>
-          </a:p>
-          <a:p>
-            <a:r>
-              <a:rPr lang="de-DE" dirty="0"/>
-              <a:t>Kooperation</a:t>
-            </a:r>
-          </a:p>
-          <a:p>
-            <a:pPr lvl="1"/>
-            <a:r>
-              <a:rPr lang="de-DE" dirty="0"/>
-              <a:t>parallele Entwicklung</a:t>
-            </a:r>
-          </a:p>
-          <a:p>
-            <a:pPr lvl="1"/>
-            <a:r>
-              <a:rPr lang="de-DE" dirty="0" err="1"/>
-              <a:t>Merging</a:t>
-            </a:r>
-            <a:r>
-              <a:rPr lang="de-DE" dirty="0"/>
-              <a:t> bei gleichzeitigen Änderungen an einer Datei</a:t>
-            </a:r>
-          </a:p>
-          <a:p>
-            <a:r>
-              <a:rPr lang="de-DE" dirty="0"/>
-              <a:t>Beispiele:</a:t>
-            </a:r>
-          </a:p>
-          <a:p>
-            <a:pPr lvl="1"/>
-            <a:r>
-              <a:rPr lang="de-DE" dirty="0" err="1"/>
-              <a:t>Git</a:t>
-            </a:r>
-            <a:r>
-              <a:rPr lang="de-DE" dirty="0"/>
-              <a:t> mit </a:t>
-            </a:r>
-            <a:r>
-              <a:rPr lang="de-DE" dirty="0" err="1"/>
-              <a:t>GitHub</a:t>
-            </a:r>
-            <a:r>
-              <a:rPr lang="de-DE" dirty="0"/>
-              <a:t> oder </a:t>
-            </a:r>
-            <a:r>
-              <a:rPr lang="de-DE" dirty="0" err="1"/>
-              <a:t>GitLab</a:t>
-            </a:r>
+              <a:rPr lang="de-DE" dirty="0" smtClean="0"/>
+              <a:t>Eine Tabelle zur Speicherung der Namen der Spieler, der Anzahl der gespielten Spiele und der Siege. Hinzu kommt als Primärschlüssel eine ID als „_</a:t>
+            </a:r>
+            <a:r>
+              <a:rPr lang="de-DE" dirty="0" err="1" smtClean="0"/>
+              <a:t>id</a:t>
+            </a:r>
+            <a:r>
+              <a:rPr lang="de-DE" dirty="0" smtClean="0"/>
+              <a:t>“</a:t>
+            </a:r>
+          </a:p>
+          <a:p>
             <a:endParaRPr lang="de-DE" dirty="0"/>
           </a:p>
           <a:p>
-            <a:pPr lvl="1"/>
-            <a:r>
-              <a:rPr lang="de-DE" dirty="0" err="1"/>
-              <a:t>darcs</a:t>
-            </a:r>
-            <a:r>
-              <a:rPr lang="de-DE" dirty="0"/>
-              <a:t> mit </a:t>
-            </a:r>
-            <a:r>
-              <a:rPr lang="de-DE" dirty="0">
-                <a:hlinkClick r:id="rId2"/>
-              </a:rPr>
-              <a:t>http://hub.darcs.net/</a:t>
-            </a:r>
-            <a:r>
-              <a:rPr lang="de-DE" dirty="0"/>
-              <a:t> </a:t>
-            </a:r>
-          </a:p>
-        </p:txBody>
-      </p:sp>
+            <a:endParaRPr lang="de-DE" dirty="0" smtClean="0"/>
+          </a:p>
+        </p:txBody>
+      </p:sp>
+      <p:pic>
+        <p:nvPicPr>
+          <p:cNvPr id="1026" name="Picture 2"/>
+          <p:cNvPicPr>
+            <a:picLocks noChangeAspect="1" noChangeArrowheads="1"/>
+          </p:cNvPicPr>
+          <p:nvPr/>
+        </p:nvPicPr>
+        <p:blipFill>
+          <a:blip r:embed="rId2">
+            <a:extLst>
+              <a:ext uri="{28A0092B-C50C-407E-A947-70E740481C1C}">
+                <a14:useLocalDpi xmlns:a14="http://schemas.microsoft.com/office/drawing/2010/main" val="0"/>
+              </a:ext>
+            </a:extLst>
+          </a:blip>
+          <a:srcRect/>
+          <a:stretch>
+            <a:fillRect/>
+          </a:stretch>
+        </p:blipFill>
+        <p:spPr bwMode="auto">
+          <a:xfrm>
+            <a:off x="2530031" y="3648304"/>
+            <a:ext cx="4083937" cy="2304459"/>
+          </a:xfrm>
+          <a:prstGeom prst="rect">
+            <a:avLst/>
+          </a:prstGeom>
+          <a:noFill/>
+          <a:ln>
+            <a:noFill/>
+          </a:ln>
+          <a:extLst>
+            <a:ext uri="{909E8E84-426E-40DD-AFC4-6F175D3DCCD1}">
+              <a14:hiddenFill xmlns:a14="http://schemas.microsoft.com/office/drawing/2010/main">
+                <a:solidFill>
+                  <a:schemeClr val="accent1"/>
+                </a:solidFill>
+              </a14:hiddenFill>
+            </a:ext>
+            <a:ext uri="{91240B29-F687-4F45-9708-019B960494DF}">
+              <a14:hiddenLine xmlns:a14="http://schemas.microsoft.com/office/drawing/2010/main" w="9525">
+                <a:solidFill>
+                  <a:schemeClr val="tx1"/>
+                </a:solidFill>
+                <a:miter lim="800000"/>
+                <a:headEnd/>
+                <a:tailEnd/>
+              </a14:hiddenLine>
+            </a:ext>
+          </a:extLst>
+        </p:spPr>
+      </p:pic>
     </p:spTree>
     <p:extLst>
       <p:ext uri="{BB962C8B-B14F-4D97-AF65-F5344CB8AC3E}">
@@ -7172,7 +7435,2760 @@
 </p:sld>
 </file>
 
-<file path=ppt/slides/slide17.xml><?xml version="1.0" encoding="utf-8"?>
+<file path=ppt/slides/slide2.xml><?xml version="1.0" encoding="utf-8"?>
+<p:sld xmlns:a="http://schemas.openxmlformats.org/drawingml/2006/main" xmlns:r="http://schemas.openxmlformats.org/officeDocument/2006/relationships" xmlns:p="http://schemas.openxmlformats.org/presentationml/2006/main">
+  <p:cSld>
+    <p:spTree>
+      <p:nvGrpSpPr>
+        <p:cNvPr id="1" name=""/>
+        <p:cNvGrpSpPr/>
+        <p:nvPr/>
+      </p:nvGrpSpPr>
+      <p:grpSpPr>
+        <a:xfrm>
+          <a:off x="0" y="0"/>
+          <a:ext cx="0" cy="0"/>
+          <a:chOff x="0" y="0"/>
+          <a:chExt cx="0" cy="0"/>
+        </a:xfrm>
+      </p:grpSpPr>
+      <p:sp>
+        <p:nvSpPr>
+          <p:cNvPr id="2" name="Titel 1"/>
+          <p:cNvSpPr>
+            <a:spLocks noGrp="1"/>
+          </p:cNvSpPr>
+          <p:nvPr>
+            <p:ph type="title"/>
+          </p:nvPr>
+        </p:nvSpPr>
+        <p:spPr/>
+        <p:txBody>
+          <a:bodyPr/>
+          <a:lstStyle/>
+          <a:p>
+            <a:r>
+              <a:rPr lang="de-DE" dirty="0"/>
+              <a:t>Entwicklungsvorgaben</a:t>
+            </a:r>
+          </a:p>
+        </p:txBody>
+      </p:sp>
+      <p:sp>
+        <p:nvSpPr>
+          <p:cNvPr id="3" name="Inhaltsplatzhalter 2"/>
+          <p:cNvSpPr>
+            <a:spLocks noGrp="1"/>
+          </p:cNvSpPr>
+          <p:nvPr>
+            <p:ph idx="1"/>
+          </p:nvPr>
+        </p:nvSpPr>
+        <p:spPr/>
+        <p:txBody>
+          <a:bodyPr>
+            <a:normAutofit/>
+          </a:bodyPr>
+          <a:lstStyle/>
+          <a:p>
+            <a:r>
+              <a:rPr lang="de-DE" dirty="0"/>
+              <a:t>Einfaches, rundenbasiertes Spiel</a:t>
+            </a:r>
+          </a:p>
+          <a:p>
+            <a:r>
+              <a:rPr lang="de-DE" dirty="0"/>
+              <a:t>Wenig Features, möglichst robust</a:t>
+            </a:r>
+          </a:p>
+          <a:p>
+            <a:r>
+              <a:rPr lang="de-DE" dirty="0"/>
+              <a:t>Weitere Features in weiteren Entwicklungszyklen</a:t>
+            </a:r>
+          </a:p>
+          <a:p>
+            <a:r>
+              <a:rPr lang="de-DE" dirty="0"/>
+              <a:t>Netzwerkprotokoll mit</a:t>
+            </a:r>
+          </a:p>
+          <a:p>
+            <a:pPr lvl="1"/>
+            <a:r>
+              <a:rPr lang="de-DE" dirty="0"/>
+              <a:t>möglichst wenigen Zuständen</a:t>
+            </a:r>
+          </a:p>
+          <a:p>
+            <a:pPr lvl="1"/>
+            <a:r>
+              <a:rPr lang="de-DE" dirty="0"/>
+              <a:t>möglichst wenigen obligatorischen Schlüsselworten</a:t>
+            </a:r>
+          </a:p>
+          <a:p>
+            <a:r>
+              <a:rPr lang="de-DE" dirty="0"/>
+              <a:t>Keep </a:t>
+            </a:r>
+            <a:r>
+              <a:rPr lang="de-DE" dirty="0" err="1"/>
+              <a:t>it</a:t>
+            </a:r>
+            <a:r>
+              <a:rPr lang="de-DE" dirty="0"/>
+              <a:t> simple, stupid!</a:t>
+            </a:r>
+          </a:p>
+        </p:txBody>
+      </p:sp>
+      <p:pic>
+        <p:nvPicPr>
+          <p:cNvPr id="4" name="Grafik 3"/>
+          <p:cNvPicPr>
+            <a:picLocks noChangeAspect="1"/>
+          </p:cNvPicPr>
+          <p:nvPr/>
+        </p:nvPicPr>
+        <p:blipFill>
+          <a:blip r:embed="rId3"/>
+          <a:stretch>
+            <a:fillRect/>
+          </a:stretch>
+        </p:blipFill>
+        <p:spPr>
+          <a:xfrm rot="594280">
+            <a:off x="4229853" y="5093707"/>
+            <a:ext cx="1292643" cy="1292643"/>
+          </a:xfrm>
+          <a:prstGeom prst="rect">
+            <a:avLst/>
+          </a:prstGeom>
+        </p:spPr>
+      </p:pic>
+    </p:spTree>
+    <p:extLst>
+      <p:ext uri="{BB962C8B-B14F-4D97-AF65-F5344CB8AC3E}">
+        <p14:creationId xmlns:p14="http://schemas.microsoft.com/office/powerpoint/2010/main" val="1935901955"/>
+      </p:ext>
+    </p:extLst>
+  </p:cSld>
+  <p:clrMapOvr>
+    <a:masterClrMapping/>
+  </p:clrMapOvr>
+</p:sld>
+</file>
+
+<file path=ppt/slides/slide20.xml><?xml version="1.0" encoding="utf-8"?>
+<p:sld xmlns:a="http://schemas.openxmlformats.org/drawingml/2006/main" xmlns:r="http://schemas.openxmlformats.org/officeDocument/2006/relationships" xmlns:p="http://schemas.openxmlformats.org/presentationml/2006/main">
+  <p:cSld>
+    <p:spTree>
+      <p:nvGrpSpPr>
+        <p:cNvPr id="1" name=""/>
+        <p:cNvGrpSpPr/>
+        <p:nvPr/>
+      </p:nvGrpSpPr>
+      <p:grpSpPr>
+        <a:xfrm>
+          <a:off x="0" y="0"/>
+          <a:ext cx="0" cy="0"/>
+          <a:chOff x="0" y="0"/>
+          <a:chExt cx="0" cy="0"/>
+        </a:xfrm>
+      </p:grpSpPr>
+      <p:sp>
+        <p:nvSpPr>
+          <p:cNvPr id="2" name="Titel 1"/>
+          <p:cNvSpPr>
+            <a:spLocks noGrp="1"/>
+          </p:cNvSpPr>
+          <p:nvPr>
+            <p:ph type="title"/>
+          </p:nvPr>
+        </p:nvSpPr>
+        <p:spPr/>
+        <p:txBody>
+          <a:bodyPr/>
+          <a:lstStyle/>
+          <a:p>
+            <a:r>
+              <a:rPr lang="de-DE" dirty="0" smtClean="0"/>
+              <a:t>Das Relationale DB-System</a:t>
+            </a:r>
+            <a:br>
+              <a:rPr lang="de-DE" dirty="0" smtClean="0"/>
+            </a:br>
+            <a:r>
+              <a:rPr lang="de-DE" dirty="0" err="1" smtClean="0"/>
+              <a:t>SQLite</a:t>
+            </a:r>
+            <a:endParaRPr lang="de-DE" dirty="0"/>
+          </a:p>
+        </p:txBody>
+      </p:sp>
+      <p:sp>
+        <p:nvSpPr>
+          <p:cNvPr id="3" name="Inhaltsplatzhalter 2"/>
+          <p:cNvSpPr>
+            <a:spLocks noGrp="1"/>
+          </p:cNvSpPr>
+          <p:nvPr>
+            <p:ph idx="1"/>
+          </p:nvPr>
+        </p:nvSpPr>
+        <p:spPr/>
+        <p:txBody>
+          <a:bodyPr>
+            <a:normAutofit/>
+          </a:bodyPr>
+          <a:lstStyle/>
+          <a:p>
+            <a:endParaRPr lang="de-DE" dirty="0"/>
+          </a:p>
+          <a:p>
+            <a:endParaRPr lang="de-DE" dirty="0" smtClean="0"/>
+          </a:p>
+        </p:txBody>
+      </p:sp>
+      <p:sp>
+        <p:nvSpPr>
+          <p:cNvPr id="4" name="Textfeld 3"/>
+          <p:cNvSpPr txBox="1"/>
+          <p:nvPr/>
+        </p:nvSpPr>
+        <p:spPr>
+          <a:xfrm>
+            <a:off x="650922" y="2333685"/>
+            <a:ext cx="7848000" cy="4524315"/>
+          </a:xfrm>
+          <a:prstGeom prst="rect">
+            <a:avLst/>
+          </a:prstGeom>
+          <a:noFill/>
+        </p:spPr>
+        <p:txBody>
+          <a:bodyPr wrap="square" rtlCol="0">
+            <a:spAutoFit/>
+          </a:bodyPr>
+          <a:lstStyle/>
+          <a:p>
+            <a:r>
+              <a:rPr lang="de-DE" dirty="0" smtClean="0"/>
+              <a:t>Als relationales Datenbanksystem haben wir uns für </a:t>
+            </a:r>
+            <a:r>
+              <a:rPr lang="de-DE" dirty="0" err="1" smtClean="0"/>
+              <a:t>SQLite</a:t>
+            </a:r>
+            <a:r>
+              <a:rPr lang="de-DE" dirty="0" smtClean="0"/>
+              <a:t> entschieden, da diese Datenbank keinen eigenen Webserver benötigt und einfach anzulegen und zu administrieren ist.</a:t>
+            </a:r>
+          </a:p>
+          <a:p>
+            <a:r>
+              <a:rPr lang="de-DE" dirty="0" smtClean="0"/>
+              <a:t>Benötigt wird eine JDBC-Schnittstelle </a:t>
+            </a:r>
+            <a:br>
+              <a:rPr lang="de-DE" dirty="0" smtClean="0"/>
+            </a:br>
+            <a:r>
+              <a:rPr lang="de-DE" dirty="0" smtClean="0"/>
+              <a:t>für </a:t>
+            </a:r>
+            <a:r>
+              <a:rPr lang="de-DE" dirty="0" err="1" smtClean="0"/>
+              <a:t>SQLite</a:t>
+            </a:r>
+            <a:r>
+              <a:rPr lang="de-DE" dirty="0" smtClean="0"/>
+              <a:t>, die unter </a:t>
+            </a:r>
+            <a:r>
+              <a:rPr lang="de-DE" dirty="0" err="1" smtClean="0"/>
+              <a:t>BlueJ</a:t>
+            </a:r>
+            <a:r>
+              <a:rPr lang="de-DE" dirty="0" smtClean="0"/>
+              <a:t> -&gt; Tools -&gt; </a:t>
+            </a:r>
+            <a:br>
+              <a:rPr lang="de-DE" dirty="0" smtClean="0"/>
+            </a:br>
+            <a:r>
+              <a:rPr lang="de-DE" dirty="0" err="1" smtClean="0"/>
+              <a:t>Preferences</a:t>
+            </a:r>
+            <a:r>
+              <a:rPr lang="de-DE" dirty="0" smtClean="0"/>
+              <a:t> eingebunden werden muss. </a:t>
+            </a:r>
+            <a:br>
+              <a:rPr lang="de-DE" dirty="0" smtClean="0"/>
+            </a:br>
+            <a:r>
+              <a:rPr lang="de-DE" dirty="0" smtClean="0"/>
+              <a:t>Danach muss </a:t>
+            </a:r>
+            <a:r>
+              <a:rPr lang="de-DE" dirty="0" err="1" smtClean="0"/>
+              <a:t>BlueJ</a:t>
+            </a:r>
+            <a:r>
+              <a:rPr lang="de-DE" dirty="0" smtClean="0"/>
+              <a:t> am besten neu </a:t>
+            </a:r>
+            <a:r>
+              <a:rPr lang="de-DE" dirty="0" err="1" smtClean="0"/>
+              <a:t>ge</a:t>
+            </a:r>
+            <a:r>
+              <a:rPr lang="de-DE" dirty="0" smtClean="0"/>
+              <a:t>-</a:t>
+            </a:r>
+            <a:br>
+              <a:rPr lang="de-DE" dirty="0" smtClean="0"/>
+            </a:br>
+            <a:r>
+              <a:rPr lang="de-DE" dirty="0" smtClean="0"/>
+              <a:t>startet werden</a:t>
+            </a:r>
+            <a:r>
+              <a:rPr lang="de-DE" dirty="0"/>
+              <a:t>. .  </a:t>
+            </a:r>
+            <a:r>
+              <a:rPr lang="de-DE" dirty="0" smtClean="0"/>
+              <a:t/>
+            </a:r>
+            <a:br>
+              <a:rPr lang="de-DE" dirty="0" smtClean="0"/>
+            </a:br>
+            <a:r>
+              <a:rPr lang="de-DE" dirty="0" smtClean="0"/>
+              <a:t>Alternativ </a:t>
+            </a:r>
+            <a:r>
+              <a:rPr lang="de-DE" dirty="0"/>
+              <a:t>wäre eine Kopie im </a:t>
+            </a:r>
+            <a:br>
+              <a:rPr lang="de-DE" dirty="0"/>
+            </a:br>
+            <a:r>
+              <a:rPr lang="de-DE" dirty="0"/>
+              <a:t> Verzeichnis: </a:t>
+            </a:r>
+            <a:r>
+              <a:rPr lang="de-DE" dirty="0" err="1"/>
+              <a:t>userlib</a:t>
+            </a:r>
+            <a:r>
+              <a:rPr lang="de-DE" dirty="0"/>
+              <a:t> im </a:t>
+            </a:r>
+            <a:r>
+              <a:rPr lang="de-DE" dirty="0" err="1"/>
+              <a:t>BlueJ</a:t>
+            </a:r>
+            <a:r>
+              <a:rPr lang="de-DE" dirty="0"/>
+              <a:t>-Programm-Ordner</a:t>
+            </a:r>
+            <a:br>
+              <a:rPr lang="de-DE" dirty="0"/>
+            </a:br>
+            <a:r>
+              <a:rPr lang="de-DE" dirty="0"/>
+              <a:t>möglich, da dieser automatisch geladen wird.</a:t>
+            </a:r>
+          </a:p>
+          <a:p>
+            <a:r>
+              <a:rPr lang="de-DE" dirty="0" smtClean="0"/>
+              <a:t>Link </a:t>
+            </a:r>
+            <a:r>
+              <a:rPr lang="de-DE" dirty="0" smtClean="0"/>
+              <a:t>zur Schnittstelle bei </a:t>
+            </a:r>
+            <a:r>
+              <a:rPr lang="de-DE" dirty="0" err="1" smtClean="0"/>
+              <a:t>bitbucket</a:t>
+            </a:r>
+            <a:r>
+              <a:rPr lang="de-DE" dirty="0" smtClean="0"/>
+              <a:t>:</a:t>
+            </a:r>
+          </a:p>
+          <a:p>
+            <a:r>
+              <a:rPr lang="de-DE" dirty="0">
+                <a:hlinkClick r:id="rId2"/>
+              </a:rPr>
+              <a:t>https://</a:t>
+            </a:r>
+            <a:r>
+              <a:rPr lang="de-DE" dirty="0" smtClean="0">
+                <a:hlinkClick r:id="rId2"/>
+              </a:rPr>
+              <a:t>bitbucket.org/xerial/sqlite-jdbc/downloads</a:t>
+            </a:r>
+            <a:endParaRPr lang="de-DE" dirty="0" smtClean="0"/>
+          </a:p>
+          <a:p>
+            <a:endParaRPr lang="de-DE" dirty="0"/>
+          </a:p>
+          <a:p>
+            <a:r>
+              <a:rPr lang="de-DE" dirty="0"/>
+              <a:t>Externes Tool: </a:t>
+            </a:r>
+            <a:r>
+              <a:rPr lang="de-DE" dirty="0">
+                <a:hlinkClick r:id="rId3"/>
+              </a:rPr>
+              <a:t>http://sqlitebrowser.org</a:t>
+            </a:r>
+            <a:r>
+              <a:rPr lang="de-DE" dirty="0" smtClean="0">
+                <a:hlinkClick r:id="rId3"/>
+              </a:rPr>
+              <a:t>/</a:t>
+            </a:r>
+            <a:endParaRPr lang="de-DE" dirty="0" smtClean="0"/>
+          </a:p>
+          <a:p>
+            <a:endParaRPr lang="de-DE" dirty="0"/>
+          </a:p>
+        </p:txBody>
+      </p:sp>
+      <p:pic>
+        <p:nvPicPr>
+          <p:cNvPr id="2050" name="Picture 2"/>
+          <p:cNvPicPr>
+            <a:picLocks noChangeAspect="1" noChangeArrowheads="1"/>
+          </p:cNvPicPr>
+          <p:nvPr/>
+        </p:nvPicPr>
+        <p:blipFill>
+          <a:blip r:embed="rId4">
+            <a:extLst>
+              <a:ext uri="{28A0092B-C50C-407E-A947-70E740481C1C}">
+                <a14:useLocalDpi xmlns:a14="http://schemas.microsoft.com/office/drawing/2010/main" val="0"/>
+              </a:ext>
+            </a:extLst>
+          </a:blip>
+          <a:srcRect/>
+          <a:stretch>
+            <a:fillRect/>
+          </a:stretch>
+        </p:blipFill>
+        <p:spPr bwMode="auto">
+          <a:xfrm>
+            <a:off x="5332725" y="3219811"/>
+            <a:ext cx="3057525" cy="2562225"/>
+          </a:xfrm>
+          <a:prstGeom prst="rect">
+            <a:avLst/>
+          </a:prstGeom>
+          <a:noFill/>
+          <a:ln>
+            <a:noFill/>
+          </a:ln>
+          <a:extLst>
+            <a:ext uri="{909E8E84-426E-40DD-AFC4-6F175D3DCCD1}">
+              <a14:hiddenFill xmlns:a14="http://schemas.microsoft.com/office/drawing/2010/main">
+                <a:solidFill>
+                  <a:schemeClr val="accent1"/>
+                </a:solidFill>
+              </a14:hiddenFill>
+            </a:ext>
+            <a:ext uri="{91240B29-F687-4F45-9708-019B960494DF}">
+              <a14:hiddenLine xmlns:a14="http://schemas.microsoft.com/office/drawing/2010/main" w="9525">
+                <a:solidFill>
+                  <a:schemeClr val="tx1"/>
+                </a:solidFill>
+                <a:miter lim="800000"/>
+                <a:headEnd/>
+                <a:tailEnd/>
+              </a14:hiddenLine>
+            </a:ext>
+          </a:extLst>
+        </p:spPr>
+      </p:pic>
+    </p:spTree>
+    <p:extLst>
+      <p:ext uri="{BB962C8B-B14F-4D97-AF65-F5344CB8AC3E}">
+        <p14:creationId xmlns:p14="http://schemas.microsoft.com/office/powerpoint/2010/main" val="3551911689"/>
+      </p:ext>
+    </p:extLst>
+  </p:cSld>
+  <p:clrMapOvr>
+    <a:masterClrMapping/>
+  </p:clrMapOvr>
+</p:sld>
+</file>
+
+<file path=ppt/slides/slide21.xml><?xml version="1.0" encoding="utf-8"?>
+<p:sld xmlns:a="http://schemas.openxmlformats.org/drawingml/2006/main" xmlns:r="http://schemas.openxmlformats.org/officeDocument/2006/relationships" xmlns:p="http://schemas.openxmlformats.org/presentationml/2006/main">
+  <p:cSld>
+    <p:spTree>
+      <p:nvGrpSpPr>
+        <p:cNvPr id="1" name=""/>
+        <p:cNvGrpSpPr/>
+        <p:nvPr/>
+      </p:nvGrpSpPr>
+      <p:grpSpPr>
+        <a:xfrm>
+          <a:off x="0" y="0"/>
+          <a:ext cx="0" cy="0"/>
+          <a:chOff x="0" y="0"/>
+          <a:chExt cx="0" cy="0"/>
+        </a:xfrm>
+      </p:grpSpPr>
+      <p:sp>
+        <p:nvSpPr>
+          <p:cNvPr id="2" name="Titel 1"/>
+          <p:cNvSpPr>
+            <a:spLocks noGrp="1"/>
+          </p:cNvSpPr>
+          <p:nvPr>
+            <p:ph type="title"/>
+          </p:nvPr>
+        </p:nvSpPr>
+        <p:spPr/>
+        <p:txBody>
+          <a:bodyPr/>
+          <a:lstStyle/>
+          <a:p>
+            <a:r>
+              <a:rPr lang="de-DE" dirty="0" smtClean="0"/>
+              <a:t>Anlegen der DB – </a:t>
+            </a:r>
+            <a:r>
+              <a:rPr lang="de-DE" dirty="0"/>
+              <a:t/>
+            </a:r>
+            <a:br>
+              <a:rPr lang="de-DE" dirty="0"/>
+            </a:br>
+            <a:r>
+              <a:rPr lang="de-DE" dirty="0" smtClean="0"/>
+              <a:t>Tabelle Player</a:t>
+            </a:r>
+            <a:endParaRPr lang="de-DE" dirty="0"/>
+          </a:p>
+        </p:txBody>
+      </p:sp>
+      <p:sp>
+        <p:nvSpPr>
+          <p:cNvPr id="3" name="Inhaltsplatzhalter 2"/>
+          <p:cNvSpPr>
+            <a:spLocks noGrp="1"/>
+          </p:cNvSpPr>
+          <p:nvPr>
+            <p:ph idx="1"/>
+          </p:nvPr>
+        </p:nvSpPr>
+        <p:spPr/>
+        <p:txBody>
+          <a:bodyPr>
+            <a:normAutofit/>
+          </a:bodyPr>
+          <a:lstStyle/>
+          <a:p>
+            <a:endParaRPr lang="de-DE" dirty="0"/>
+          </a:p>
+          <a:p>
+            <a:endParaRPr lang="de-DE" dirty="0" smtClean="0"/>
+          </a:p>
+        </p:txBody>
+      </p:sp>
+      <p:pic>
+        <p:nvPicPr>
+          <p:cNvPr id="5" name="Grafik 4"/>
+          <p:cNvPicPr>
+            <a:picLocks noChangeAspect="1"/>
+          </p:cNvPicPr>
+          <p:nvPr/>
+        </p:nvPicPr>
+        <p:blipFill>
+          <a:blip r:embed="rId2">
+            <a:extLst>
+              <a:ext uri="{28A0092B-C50C-407E-A947-70E740481C1C}">
+                <a14:useLocalDpi xmlns:a14="http://schemas.microsoft.com/office/drawing/2010/main" val="0"/>
+              </a:ext>
+            </a:extLst>
+          </a:blip>
+          <a:stretch>
+            <a:fillRect/>
+          </a:stretch>
+        </p:blipFill>
+        <p:spPr>
+          <a:xfrm>
+            <a:off x="866775" y="3360525"/>
+            <a:ext cx="7029450" cy="3256548"/>
+          </a:xfrm>
+          <a:prstGeom prst="rect">
+            <a:avLst/>
+          </a:prstGeom>
+        </p:spPr>
+      </p:pic>
+      <p:sp>
+        <p:nvSpPr>
+          <p:cNvPr id="6" name="Textfeld 5"/>
+          <p:cNvSpPr txBox="1"/>
+          <p:nvPr/>
+        </p:nvSpPr>
+        <p:spPr>
+          <a:xfrm>
+            <a:off x="866775" y="2638045"/>
+            <a:ext cx="7029450" cy="646331"/>
+          </a:xfrm>
+          <a:prstGeom prst="rect">
+            <a:avLst/>
+          </a:prstGeom>
+          <a:noFill/>
+        </p:spPr>
+        <p:txBody>
+          <a:bodyPr wrap="square" rtlCol="0">
+            <a:spAutoFit/>
+          </a:bodyPr>
+          <a:lstStyle/>
+          <a:p>
+            <a:r>
+              <a:rPr lang="de-DE" dirty="0" smtClean="0"/>
+              <a:t>Die SQL-Anweisungen und Tabellen wurden programmtechnisch mit dem Interface </a:t>
+            </a:r>
+            <a:r>
+              <a:rPr lang="de-DE" dirty="0" err="1" smtClean="0"/>
+              <a:t>IDBTblPlayerColumns</a:t>
+            </a:r>
+            <a:r>
+              <a:rPr lang="de-DE" dirty="0" smtClean="0"/>
+              <a:t> und der Klasse </a:t>
+            </a:r>
+            <a:r>
+              <a:rPr lang="de-DE" dirty="0" err="1" smtClean="0"/>
+              <a:t>DBTblPlayerSettings</a:t>
+            </a:r>
+            <a:endParaRPr lang="de-DE" dirty="0"/>
+          </a:p>
+        </p:txBody>
+      </p:sp>
+    </p:spTree>
+    <p:extLst>
+      <p:ext uri="{BB962C8B-B14F-4D97-AF65-F5344CB8AC3E}">
+        <p14:creationId xmlns:p14="http://schemas.microsoft.com/office/powerpoint/2010/main" val="3507196148"/>
+      </p:ext>
+    </p:extLst>
+  </p:cSld>
+  <p:clrMapOvr>
+    <a:masterClrMapping/>
+  </p:clrMapOvr>
+</p:sld>
+</file>
+
+<file path=ppt/slides/slide22.xml><?xml version="1.0" encoding="utf-8"?>
+<p:sld xmlns:a="http://schemas.openxmlformats.org/drawingml/2006/main" xmlns:r="http://schemas.openxmlformats.org/officeDocument/2006/relationships" xmlns:p="http://schemas.openxmlformats.org/presentationml/2006/main">
+  <p:cSld>
+    <p:spTree>
+      <p:nvGrpSpPr>
+        <p:cNvPr id="1" name=""/>
+        <p:cNvGrpSpPr/>
+        <p:nvPr/>
+      </p:nvGrpSpPr>
+      <p:grpSpPr>
+        <a:xfrm>
+          <a:off x="0" y="0"/>
+          <a:ext cx="0" cy="0"/>
+          <a:chOff x="0" y="0"/>
+          <a:chExt cx="0" cy="0"/>
+        </a:xfrm>
+      </p:grpSpPr>
+      <p:sp>
+        <p:nvSpPr>
+          <p:cNvPr id="2" name="Titel 1"/>
+          <p:cNvSpPr>
+            <a:spLocks noGrp="1"/>
+          </p:cNvSpPr>
+          <p:nvPr>
+            <p:ph type="title"/>
+          </p:nvPr>
+        </p:nvSpPr>
+        <p:spPr/>
+        <p:txBody>
+          <a:bodyPr/>
+          <a:lstStyle/>
+          <a:p>
+            <a:r>
+              <a:rPr lang="de-DE" dirty="0" smtClean="0"/>
+              <a:t>Tabelle Player Interface</a:t>
+            </a:r>
+            <a:endParaRPr lang="de-DE" dirty="0"/>
+          </a:p>
+        </p:txBody>
+      </p:sp>
+      <p:sp>
+        <p:nvSpPr>
+          <p:cNvPr id="3" name="Inhaltsplatzhalter 2"/>
+          <p:cNvSpPr>
+            <a:spLocks noGrp="1"/>
+          </p:cNvSpPr>
+          <p:nvPr>
+            <p:ph idx="1"/>
+          </p:nvPr>
+        </p:nvSpPr>
+        <p:spPr/>
+        <p:txBody>
+          <a:bodyPr>
+            <a:normAutofit/>
+          </a:bodyPr>
+          <a:lstStyle/>
+          <a:p>
+            <a:endParaRPr lang="de-DE" dirty="0"/>
+          </a:p>
+          <a:p>
+            <a:endParaRPr lang="de-DE" dirty="0" smtClean="0"/>
+          </a:p>
+        </p:txBody>
+      </p:sp>
+      <p:sp>
+        <p:nvSpPr>
+          <p:cNvPr id="6" name="Textfeld 5"/>
+          <p:cNvSpPr txBox="1"/>
+          <p:nvPr/>
+        </p:nvSpPr>
+        <p:spPr>
+          <a:xfrm>
+            <a:off x="866775" y="2638045"/>
+            <a:ext cx="7029450" cy="6740307"/>
+          </a:xfrm>
+          <a:prstGeom prst="rect">
+            <a:avLst/>
+          </a:prstGeom>
+          <a:noFill/>
+        </p:spPr>
+        <p:txBody>
+          <a:bodyPr wrap="square" rtlCol="0">
+            <a:spAutoFit/>
+          </a:bodyPr>
+          <a:lstStyle/>
+          <a:p>
+            <a:r>
+              <a:rPr lang="de-DE" dirty="0" smtClean="0"/>
+              <a:t>Quelltext</a:t>
+            </a:r>
+          </a:p>
+          <a:p>
+            <a:r>
+              <a:rPr lang="de-DE" dirty="0"/>
+              <a:t>/**</a:t>
+            </a:r>
+          </a:p>
+          <a:p>
+            <a:r>
+              <a:rPr lang="de-DE" dirty="0"/>
+              <a:t> * Das </a:t>
+            </a:r>
+            <a:r>
+              <a:rPr lang="de-DE" dirty="0" err="1"/>
+              <a:t>interface</a:t>
+            </a:r>
+            <a:r>
+              <a:rPr lang="de-DE" dirty="0"/>
+              <a:t> </a:t>
+            </a:r>
+            <a:r>
+              <a:rPr lang="de-DE" dirty="0" err="1"/>
+              <a:t>IDBTBLSpielerColumns</a:t>
+            </a:r>
+            <a:r>
+              <a:rPr lang="de-DE" dirty="0"/>
+              <a:t> beschreibt </a:t>
+            </a:r>
+          </a:p>
+          <a:p>
+            <a:r>
+              <a:rPr lang="de-DE" dirty="0"/>
+              <a:t> * die Spalten in der Tabelle Player</a:t>
+            </a:r>
+          </a:p>
+          <a:p>
+            <a:r>
+              <a:rPr lang="de-DE" dirty="0"/>
+              <a:t> * </a:t>
+            </a:r>
+          </a:p>
+          <a:p>
+            <a:r>
+              <a:rPr lang="de-DE" dirty="0"/>
+              <a:t> * @</a:t>
+            </a:r>
+            <a:r>
+              <a:rPr lang="de-DE" dirty="0" err="1"/>
+              <a:t>author</a:t>
+            </a:r>
+            <a:r>
+              <a:rPr lang="de-DE" dirty="0"/>
+              <a:t> (Ruth </a:t>
+            </a:r>
+            <a:r>
+              <a:rPr lang="de-DE" dirty="0" err="1"/>
+              <a:t>Bosbach</a:t>
+            </a:r>
+            <a:r>
+              <a:rPr lang="de-DE" dirty="0"/>
+              <a:t>) </a:t>
+            </a:r>
+          </a:p>
+          <a:p>
+            <a:r>
+              <a:rPr lang="de-DE" dirty="0"/>
+              <a:t> * @</a:t>
+            </a:r>
+            <a:r>
+              <a:rPr lang="de-DE" dirty="0" err="1"/>
+              <a:t>version</a:t>
+            </a:r>
+            <a:r>
+              <a:rPr lang="de-DE" dirty="0"/>
+              <a:t> (2016-7-6)</a:t>
+            </a:r>
+          </a:p>
+          <a:p>
+            <a:r>
+              <a:rPr lang="de-DE" dirty="0"/>
+              <a:t> */</a:t>
+            </a:r>
+          </a:p>
+          <a:p>
+            <a:r>
+              <a:rPr lang="de-DE" dirty="0" err="1"/>
+              <a:t>public</a:t>
+            </a:r>
+            <a:r>
+              <a:rPr lang="de-DE" dirty="0"/>
+              <a:t> </a:t>
+            </a:r>
+            <a:r>
+              <a:rPr lang="de-DE" dirty="0" err="1"/>
+              <a:t>interface</a:t>
+            </a:r>
+            <a:r>
+              <a:rPr lang="de-DE" dirty="0"/>
+              <a:t> </a:t>
+            </a:r>
+            <a:r>
+              <a:rPr lang="de-DE" dirty="0" err="1"/>
+              <a:t>IDBTblPlayerColumns</a:t>
+            </a:r>
+            <a:endParaRPr lang="de-DE" dirty="0"/>
+          </a:p>
+          <a:p>
+            <a:r>
+              <a:rPr lang="de-DE" dirty="0"/>
+              <a:t>{</a:t>
+            </a:r>
+          </a:p>
+          <a:p>
+            <a:r>
+              <a:rPr lang="de-DE" dirty="0"/>
+              <a:t>    </a:t>
+            </a:r>
+            <a:r>
+              <a:rPr lang="de-DE" dirty="0" err="1"/>
+              <a:t>public</a:t>
+            </a:r>
+            <a:r>
+              <a:rPr lang="de-DE" dirty="0"/>
+              <a:t> final String TBL_PLAYER_COL_ID = "_</a:t>
+            </a:r>
+            <a:r>
+              <a:rPr lang="de-DE" dirty="0" err="1"/>
+              <a:t>id</a:t>
+            </a:r>
+            <a:r>
+              <a:rPr lang="de-DE" dirty="0"/>
+              <a:t>";</a:t>
+            </a:r>
+          </a:p>
+          <a:p>
+            <a:r>
+              <a:rPr lang="de-DE" dirty="0"/>
+              <a:t>    </a:t>
+            </a:r>
+            <a:r>
+              <a:rPr lang="de-DE" dirty="0" err="1"/>
+              <a:t>public</a:t>
+            </a:r>
+            <a:r>
+              <a:rPr lang="de-DE" dirty="0"/>
+              <a:t> final String TBL_PLAYER_COL_NAME = "</a:t>
+            </a:r>
+            <a:r>
+              <a:rPr lang="de-DE" dirty="0" err="1"/>
+              <a:t>name</a:t>
+            </a:r>
+            <a:r>
+              <a:rPr lang="de-DE" dirty="0"/>
+              <a:t>";</a:t>
+            </a:r>
+          </a:p>
+          <a:p>
+            <a:r>
+              <a:rPr lang="de-DE" dirty="0"/>
+              <a:t>    </a:t>
+            </a:r>
+            <a:r>
+              <a:rPr lang="de-DE" dirty="0" err="1"/>
+              <a:t>public</a:t>
+            </a:r>
+            <a:r>
+              <a:rPr lang="de-DE" dirty="0"/>
+              <a:t> final String TBL_PLAYER_COL_SCORE = "score";</a:t>
+            </a:r>
+          </a:p>
+          <a:p>
+            <a:r>
+              <a:rPr lang="de-DE" dirty="0"/>
+              <a:t>    </a:t>
+            </a:r>
+            <a:r>
+              <a:rPr lang="de-DE" dirty="0" err="1"/>
+              <a:t>public</a:t>
+            </a:r>
+            <a:r>
+              <a:rPr lang="de-DE" dirty="0"/>
+              <a:t> final String TBL_PLAYER_COL_GAMES = "</a:t>
+            </a:r>
+            <a:r>
+              <a:rPr lang="de-DE" dirty="0" err="1"/>
+              <a:t>games</a:t>
+            </a:r>
+            <a:r>
+              <a:rPr lang="de-DE" dirty="0"/>
+              <a:t>";</a:t>
+            </a:r>
+          </a:p>
+          <a:p>
+            <a:r>
+              <a:rPr lang="de-DE" dirty="0"/>
+              <a:t>}</a:t>
+            </a:r>
+          </a:p>
+          <a:p>
+            <a:endParaRPr lang="de-DE" dirty="0" smtClean="0"/>
+          </a:p>
+          <a:p>
+            <a:endParaRPr lang="de-DE" dirty="0"/>
+          </a:p>
+          <a:p>
+            <a:endParaRPr lang="de-DE" dirty="0" smtClean="0"/>
+          </a:p>
+          <a:p>
+            <a:endParaRPr lang="de-DE" dirty="0"/>
+          </a:p>
+          <a:p>
+            <a:endParaRPr lang="de-DE" dirty="0" smtClean="0"/>
+          </a:p>
+          <a:p>
+            <a:endParaRPr lang="de-DE" dirty="0"/>
+          </a:p>
+          <a:p>
+            <a:endParaRPr lang="de-DE" dirty="0" smtClean="0"/>
+          </a:p>
+          <a:p>
+            <a:endParaRPr lang="de-DE" dirty="0"/>
+          </a:p>
+          <a:p>
+            <a:endParaRPr lang="de-DE" dirty="0"/>
+          </a:p>
+        </p:txBody>
+      </p:sp>
+    </p:spTree>
+    <p:extLst>
+      <p:ext uri="{BB962C8B-B14F-4D97-AF65-F5344CB8AC3E}">
+        <p14:creationId xmlns:p14="http://schemas.microsoft.com/office/powerpoint/2010/main" val="1560750302"/>
+      </p:ext>
+    </p:extLst>
+  </p:cSld>
+  <p:clrMapOvr>
+    <a:masterClrMapping/>
+  </p:clrMapOvr>
+</p:sld>
+</file>
+
+<file path=ppt/slides/slide23.xml><?xml version="1.0" encoding="utf-8"?>
+<p:sld xmlns:a="http://schemas.openxmlformats.org/drawingml/2006/main" xmlns:r="http://schemas.openxmlformats.org/officeDocument/2006/relationships" xmlns:p="http://schemas.openxmlformats.org/presentationml/2006/main">
+  <p:cSld>
+    <p:spTree>
+      <p:nvGrpSpPr>
+        <p:cNvPr id="1" name=""/>
+        <p:cNvGrpSpPr/>
+        <p:nvPr/>
+      </p:nvGrpSpPr>
+      <p:grpSpPr>
+        <a:xfrm>
+          <a:off x="0" y="0"/>
+          <a:ext cx="0" cy="0"/>
+          <a:chOff x="0" y="0"/>
+          <a:chExt cx="0" cy="0"/>
+        </a:xfrm>
+      </p:grpSpPr>
+      <p:sp>
+        <p:nvSpPr>
+          <p:cNvPr id="2" name="Titel 1"/>
+          <p:cNvSpPr>
+            <a:spLocks noGrp="1"/>
+          </p:cNvSpPr>
+          <p:nvPr>
+            <p:ph type="title"/>
+          </p:nvPr>
+        </p:nvSpPr>
+        <p:spPr/>
+        <p:txBody>
+          <a:bodyPr/>
+          <a:lstStyle/>
+          <a:p>
+            <a:r>
+              <a:rPr lang="de-DE" dirty="0" smtClean="0"/>
+              <a:t>Tabellen-SQL-Kommandos I</a:t>
+            </a:r>
+            <a:endParaRPr lang="de-DE" dirty="0"/>
+          </a:p>
+        </p:txBody>
+      </p:sp>
+      <p:sp>
+        <p:nvSpPr>
+          <p:cNvPr id="3" name="Inhaltsplatzhalter 2"/>
+          <p:cNvSpPr>
+            <a:spLocks noGrp="1"/>
+          </p:cNvSpPr>
+          <p:nvPr>
+            <p:ph idx="1"/>
+          </p:nvPr>
+        </p:nvSpPr>
+        <p:spPr/>
+        <p:txBody>
+          <a:bodyPr>
+            <a:normAutofit/>
+          </a:bodyPr>
+          <a:lstStyle/>
+          <a:p>
+            <a:endParaRPr lang="de-DE" dirty="0"/>
+          </a:p>
+          <a:p>
+            <a:endParaRPr lang="de-DE" dirty="0" smtClean="0"/>
+          </a:p>
+        </p:txBody>
+      </p:sp>
+      <p:sp>
+        <p:nvSpPr>
+          <p:cNvPr id="6" name="Textfeld 5"/>
+          <p:cNvSpPr txBox="1"/>
+          <p:nvPr/>
+        </p:nvSpPr>
+        <p:spPr>
+          <a:xfrm>
+            <a:off x="66675" y="2438400"/>
+            <a:ext cx="8934450" cy="10926068"/>
+          </a:xfrm>
+          <a:prstGeom prst="rect">
+            <a:avLst/>
+          </a:prstGeom>
+          <a:noFill/>
+        </p:spPr>
+        <p:txBody>
+          <a:bodyPr wrap="square" rtlCol="0">
+            <a:spAutoFit/>
+          </a:bodyPr>
+          <a:lstStyle/>
+          <a:p>
+            <a:r>
+              <a:rPr lang="de-DE" sz="1400" dirty="0" err="1" smtClean="0"/>
+              <a:t>public</a:t>
+            </a:r>
+            <a:r>
+              <a:rPr lang="de-DE" sz="1400" dirty="0" smtClean="0"/>
+              <a:t> </a:t>
+            </a:r>
+            <a:r>
+              <a:rPr lang="de-DE" sz="1400" dirty="0" err="1"/>
+              <a:t>class</a:t>
+            </a:r>
+            <a:r>
+              <a:rPr lang="de-DE" sz="1400" dirty="0"/>
+              <a:t> </a:t>
+            </a:r>
+            <a:r>
+              <a:rPr lang="de-DE" sz="1400" dirty="0" err="1"/>
+              <a:t>DBTblPlayerSettings</a:t>
+            </a:r>
+            <a:r>
+              <a:rPr lang="de-DE" sz="1400" dirty="0"/>
+              <a:t> </a:t>
+            </a:r>
+            <a:r>
+              <a:rPr lang="de-DE" sz="1400" dirty="0" err="1"/>
+              <a:t>implements</a:t>
+            </a:r>
+            <a:r>
+              <a:rPr lang="de-DE" sz="1400" dirty="0"/>
+              <a:t> </a:t>
+            </a:r>
+            <a:r>
+              <a:rPr lang="de-DE" sz="1400" dirty="0" err="1"/>
+              <a:t>IDBTblPlayerColumns</a:t>
+            </a:r>
+            <a:endParaRPr lang="de-DE" sz="1400" dirty="0"/>
+          </a:p>
+          <a:p>
+            <a:r>
+              <a:rPr lang="de-DE" sz="1400" dirty="0"/>
+              <a:t>{</a:t>
+            </a:r>
+          </a:p>
+          <a:p>
+            <a:r>
+              <a:rPr lang="de-DE" sz="1400" dirty="0"/>
+              <a:t>    // </a:t>
+            </a:r>
+            <a:r>
+              <a:rPr lang="de-DE" sz="1400" dirty="0" err="1"/>
+              <a:t>instance</a:t>
+            </a:r>
+            <a:r>
+              <a:rPr lang="de-DE" sz="1400" dirty="0"/>
+              <a:t> variables - </a:t>
+            </a:r>
+            <a:r>
+              <a:rPr lang="de-DE" sz="1400" dirty="0" err="1"/>
+              <a:t>replace</a:t>
+            </a:r>
+            <a:r>
+              <a:rPr lang="de-DE" sz="1400" dirty="0"/>
+              <a:t> </a:t>
+            </a:r>
+            <a:r>
+              <a:rPr lang="de-DE" sz="1400" dirty="0" err="1"/>
+              <a:t>the</a:t>
+            </a:r>
+            <a:r>
+              <a:rPr lang="de-DE" sz="1400" dirty="0"/>
+              <a:t> </a:t>
+            </a:r>
+            <a:r>
+              <a:rPr lang="de-DE" sz="1400" dirty="0" err="1"/>
+              <a:t>example</a:t>
+            </a:r>
+            <a:r>
+              <a:rPr lang="de-DE" sz="1400" dirty="0"/>
+              <a:t> </a:t>
+            </a:r>
+            <a:r>
+              <a:rPr lang="de-DE" sz="1400" dirty="0" err="1"/>
+              <a:t>below</a:t>
+            </a:r>
+            <a:r>
+              <a:rPr lang="de-DE" sz="1400" dirty="0"/>
+              <a:t> </a:t>
+            </a:r>
+            <a:r>
+              <a:rPr lang="de-DE" sz="1400" dirty="0" err="1"/>
+              <a:t>with</a:t>
+            </a:r>
+            <a:r>
+              <a:rPr lang="de-DE" sz="1400" dirty="0"/>
+              <a:t> </a:t>
+            </a:r>
+            <a:r>
+              <a:rPr lang="de-DE" sz="1400" dirty="0" err="1"/>
+              <a:t>your</a:t>
+            </a:r>
+            <a:r>
+              <a:rPr lang="de-DE" sz="1400" dirty="0"/>
+              <a:t> </a:t>
+            </a:r>
+            <a:r>
+              <a:rPr lang="de-DE" sz="1400" dirty="0" err="1"/>
+              <a:t>own</a:t>
+            </a:r>
+            <a:endParaRPr lang="de-DE" sz="1400" dirty="0"/>
+          </a:p>
+          <a:p>
+            <a:r>
+              <a:rPr lang="de-DE" sz="1400" dirty="0"/>
+              <a:t>    </a:t>
+            </a:r>
+            <a:r>
+              <a:rPr lang="de-DE" sz="1400" dirty="0" err="1"/>
+              <a:t>public</a:t>
+            </a:r>
+            <a:r>
+              <a:rPr lang="de-DE" sz="1400" dirty="0"/>
+              <a:t> </a:t>
+            </a:r>
+            <a:r>
+              <a:rPr lang="de-DE" sz="1400" dirty="0" err="1"/>
+              <a:t>static</a:t>
+            </a:r>
+            <a:r>
+              <a:rPr lang="de-DE" sz="1400" dirty="0"/>
+              <a:t> final String TABLE_PLAYER_NAME = "</a:t>
+            </a:r>
+            <a:r>
+              <a:rPr lang="de-DE" sz="1400" dirty="0" err="1"/>
+              <a:t>tblPlayer</a:t>
+            </a:r>
+            <a:r>
+              <a:rPr lang="de-DE" sz="1400" dirty="0"/>
+              <a:t>";</a:t>
+            </a:r>
+          </a:p>
+          <a:p>
+            <a:r>
+              <a:rPr lang="de-DE" sz="1400" dirty="0"/>
+              <a:t>   </a:t>
+            </a:r>
+          </a:p>
+          <a:p>
+            <a:r>
+              <a:rPr lang="de-DE" sz="1400" dirty="0"/>
+              <a:t>    </a:t>
+            </a:r>
+            <a:r>
+              <a:rPr lang="de-DE" sz="1400" dirty="0" err="1"/>
+              <a:t>public</a:t>
+            </a:r>
+            <a:r>
+              <a:rPr lang="de-DE" sz="1400" dirty="0"/>
+              <a:t> </a:t>
+            </a:r>
+            <a:r>
+              <a:rPr lang="de-DE" sz="1400" dirty="0" err="1"/>
+              <a:t>static</a:t>
+            </a:r>
+            <a:r>
+              <a:rPr lang="de-DE" sz="1400" dirty="0"/>
+              <a:t> final String[] TABLE_PLAYER_COLUMNS = {TBL_PLAYER_COL_ID,TBL_PLAYER_COL_NAME,TBL_PLAYER_COL_SCORE,TBL_PLAYER_COL_GAMES};</a:t>
+            </a:r>
+          </a:p>
+          <a:p>
+            <a:r>
+              <a:rPr lang="de-DE" sz="1400" dirty="0"/>
+              <a:t>    </a:t>
+            </a:r>
+          </a:p>
+          <a:p>
+            <a:endParaRPr lang="de-DE" sz="1400" dirty="0"/>
+          </a:p>
+          <a:p>
+            <a:r>
+              <a:rPr lang="de-DE" sz="1400" dirty="0"/>
+              <a:t>    </a:t>
+            </a:r>
+            <a:r>
+              <a:rPr lang="de-DE" sz="1400" dirty="0" err="1"/>
+              <a:t>public</a:t>
+            </a:r>
+            <a:r>
+              <a:rPr lang="de-DE" sz="1400" dirty="0"/>
+              <a:t> </a:t>
+            </a:r>
+            <a:r>
+              <a:rPr lang="de-DE" sz="1400" dirty="0" err="1"/>
+              <a:t>static</a:t>
+            </a:r>
+            <a:r>
+              <a:rPr lang="de-DE" sz="1400" dirty="0"/>
+              <a:t> final String SQL_CREATE_TBL_PLAYER_ONCE = "CREATE TABLE IF NOT EXISTS " + TABLE_PLAYER_NAME +</a:t>
+            </a:r>
+          </a:p>
+          <a:p>
+            <a:r>
+              <a:rPr lang="de-DE" sz="1400" dirty="0"/>
+              <a:t>                "(" + TBL_PLAYER_COL_ID + " INTEGER PRIMARY KEY AUTOINCREMENT, "</a:t>
+            </a:r>
+          </a:p>
+          <a:p>
+            <a:r>
+              <a:rPr lang="de-DE" sz="1400" dirty="0"/>
+              <a:t>                + TBL_PLAYER_COL_NAME + " TEXT NOT NULL, "</a:t>
+            </a:r>
+          </a:p>
+          <a:p>
+            <a:r>
+              <a:rPr lang="de-DE" sz="1400" dirty="0"/>
+              <a:t>                + TBL_PLAYER_COL_SCORE + " INTEGER NOT NULL, "</a:t>
+            </a:r>
+          </a:p>
+          <a:p>
+            <a:r>
+              <a:rPr lang="de-DE" sz="1400" dirty="0"/>
+              <a:t>                + TBL_PLAYER_COL_GAMES + " INTEGER NOT NULL)";</a:t>
+            </a:r>
+          </a:p>
+          <a:p>
+            <a:endParaRPr lang="de-DE" sz="1400" dirty="0"/>
+          </a:p>
+          <a:p>
+            <a:r>
+              <a:rPr lang="de-DE" sz="1400" dirty="0"/>
+              <a:t>    </a:t>
+            </a:r>
+            <a:r>
+              <a:rPr lang="de-DE" sz="1400" dirty="0" err="1"/>
+              <a:t>public</a:t>
+            </a:r>
+            <a:r>
+              <a:rPr lang="de-DE" sz="1400" dirty="0"/>
+              <a:t> </a:t>
+            </a:r>
+            <a:r>
+              <a:rPr lang="de-DE" sz="1400" dirty="0" err="1"/>
+              <a:t>static</a:t>
+            </a:r>
+            <a:r>
+              <a:rPr lang="de-DE" sz="1400" dirty="0"/>
+              <a:t> final String SQL_INSERT_INTO_TBL_PLAYER = "INSERT INTO " + TABLE_PLAYER_NAME + " ("+</a:t>
+            </a:r>
+          </a:p>
+          <a:p>
+            <a:r>
+              <a:rPr lang="de-DE" sz="1400" dirty="0"/>
+              <a:t>            TBL_PLAYER_COL_NAME + ","+</a:t>
+            </a:r>
+          </a:p>
+          <a:p>
+            <a:r>
+              <a:rPr lang="de-DE" sz="1400" dirty="0"/>
+              <a:t>            TBL_PLAYER_COL_SCORE + "," + TBL_PLAYER_COL_GAMES+") " + "VALUES(?,?,?) ";</a:t>
+            </a:r>
+          </a:p>
+          <a:p>
+            <a:endParaRPr lang="de-DE" sz="1400" dirty="0"/>
+          </a:p>
+          <a:p>
+            <a:r>
+              <a:rPr lang="de-DE" sz="1400" dirty="0"/>
+              <a:t>    </a:t>
+            </a:r>
+            <a:r>
+              <a:rPr lang="de-DE" sz="1400" dirty="0" err="1"/>
+              <a:t>public</a:t>
+            </a:r>
+            <a:r>
+              <a:rPr lang="de-DE" sz="1400" dirty="0"/>
+              <a:t> </a:t>
+            </a:r>
+            <a:r>
+              <a:rPr lang="de-DE" sz="1400" dirty="0" err="1"/>
+              <a:t>static</a:t>
+            </a:r>
+            <a:r>
+              <a:rPr lang="de-DE" sz="1400" dirty="0"/>
+              <a:t> final String SQL_DROP_TBL_PLAYER = "DROP TABLE IF EXISTS " + TABLE_PLAYER_NAME;</a:t>
+            </a:r>
+          </a:p>
+          <a:p>
+            <a:endParaRPr lang="de-DE" sz="1400" dirty="0"/>
+          </a:p>
+          <a:p>
+            <a:r>
+              <a:rPr lang="de-DE" sz="1400" dirty="0"/>
+              <a:t>    //Sortieren</a:t>
+            </a:r>
+          </a:p>
+          <a:p>
+            <a:r>
+              <a:rPr lang="de-DE" sz="1400" dirty="0"/>
+              <a:t>    </a:t>
+            </a:r>
+            <a:r>
+              <a:rPr lang="de-DE" sz="1400" dirty="0" err="1"/>
+              <a:t>public</a:t>
+            </a:r>
+            <a:r>
+              <a:rPr lang="de-DE" sz="1400" dirty="0"/>
+              <a:t> </a:t>
+            </a:r>
+            <a:r>
+              <a:rPr lang="de-DE" sz="1400" dirty="0" err="1"/>
+              <a:t>static</a:t>
+            </a:r>
+            <a:r>
+              <a:rPr lang="de-DE" sz="1400" dirty="0"/>
+              <a:t> final String SQL_SORT_TBL_PLAYER = "SELECT * FROM " + TABLE_PLAYER_NAME + " ORDER BY " + TBL_PLAYER_COL_SCORE  + " DESC";</a:t>
+            </a:r>
+          </a:p>
+          <a:p>
+            <a:r>
+              <a:rPr lang="de-DE" sz="1400" dirty="0"/>
+              <a:t>    </a:t>
+            </a:r>
+          </a:p>
+          <a:p>
+            <a:r>
+              <a:rPr lang="de-DE" sz="1400" dirty="0"/>
+              <a:t>    </a:t>
+            </a:r>
+            <a:r>
+              <a:rPr lang="de-DE" sz="1400" dirty="0" err="1"/>
+              <a:t>public</a:t>
+            </a:r>
+            <a:r>
+              <a:rPr lang="de-DE" sz="1400" dirty="0"/>
+              <a:t> </a:t>
+            </a:r>
+            <a:r>
+              <a:rPr lang="de-DE" sz="1400" dirty="0" err="1"/>
+              <a:t>static</a:t>
+            </a:r>
+            <a:r>
+              <a:rPr lang="de-DE" sz="1400" dirty="0"/>
+              <a:t> final String SQL_WHERE_NAME_EQUALS_ANAME = "Select * FROM " + TABLE_PLAYER_NAME + " WHERE " + TBL_PLAYER_COL_NAME + " = '";</a:t>
+            </a:r>
+          </a:p>
+          <a:p>
+            <a:endParaRPr lang="de-DE" sz="1400" dirty="0"/>
+          </a:p>
+          <a:p>
+            <a:r>
+              <a:rPr lang="de-DE" sz="1400" dirty="0"/>
+              <a:t>    </a:t>
+            </a:r>
+            <a:r>
+              <a:rPr lang="de-DE" sz="1400" dirty="0" err="1"/>
+              <a:t>public</a:t>
+            </a:r>
+            <a:r>
+              <a:rPr lang="de-DE" sz="1400" dirty="0"/>
+              <a:t> </a:t>
+            </a:r>
+            <a:r>
+              <a:rPr lang="de-DE" sz="1400" dirty="0" err="1"/>
+              <a:t>static</a:t>
+            </a:r>
+            <a:r>
+              <a:rPr lang="de-DE" sz="1400" dirty="0"/>
+              <a:t> final String SQL_UPDATE_PLAYER = "UPDATE " + TABLE_PLAYER_NAME + " SET " + TBL_PLAYER_COL_SCORE + " = ?, " + TBL_PLAYER_COL_GAMES + " = ? WHERE " + TBL_PLAYER_COL_ID + " = ? AND " + TBL_PLAYER_COL_NAME + " = ?";</a:t>
+            </a:r>
+          </a:p>
+          <a:p>
+            <a:endParaRPr lang="de-DE" sz="1400" dirty="0"/>
+          </a:p>
+          <a:p>
+            <a:r>
+              <a:rPr lang="de-DE" sz="1400" dirty="0"/>
+              <a:t>    </a:t>
+            </a:r>
+            <a:r>
+              <a:rPr lang="de-DE" sz="1400" dirty="0" err="1"/>
+              <a:t>public</a:t>
+            </a:r>
+            <a:r>
+              <a:rPr lang="de-DE" sz="1400" dirty="0"/>
+              <a:t> </a:t>
+            </a:r>
+            <a:r>
+              <a:rPr lang="de-DE" sz="1400" dirty="0" err="1"/>
+              <a:t>static</a:t>
+            </a:r>
+            <a:r>
+              <a:rPr lang="de-DE" sz="1400" dirty="0"/>
+              <a:t> final String DELETE_PLAYER_BY_ID = " DELETE FROM " + TABLE_PLAYER_NAME + " WHERE " + TBL_PLAYER_COL_ID + " = ?";</a:t>
+            </a:r>
+          </a:p>
+          <a:p>
+            <a:endParaRPr lang="de-DE" sz="1400" dirty="0"/>
+          </a:p>
+          <a:p>
+            <a:r>
+              <a:rPr lang="de-DE" sz="1400" dirty="0"/>
+              <a:t>    </a:t>
+            </a:r>
+            <a:r>
+              <a:rPr lang="de-DE" sz="1400" dirty="0" err="1"/>
+              <a:t>public</a:t>
+            </a:r>
+            <a:r>
+              <a:rPr lang="de-DE" sz="1400" dirty="0"/>
+              <a:t> </a:t>
+            </a:r>
+            <a:r>
+              <a:rPr lang="de-DE" sz="1400" dirty="0" err="1"/>
+              <a:t>static</a:t>
+            </a:r>
+            <a:r>
+              <a:rPr lang="de-DE" sz="1400" dirty="0"/>
+              <a:t> final String DELETE_ALL_PLAYERS = "DELETE FROM " + TABLE_PLAYER_NAME</a:t>
+            </a:r>
+            <a:r>
+              <a:rPr lang="de-DE" sz="1400" dirty="0" smtClean="0"/>
+              <a:t>;    </a:t>
+            </a:r>
+            <a:endParaRPr lang="de-DE" sz="1400" dirty="0"/>
+          </a:p>
+          <a:p>
+            <a:r>
+              <a:rPr lang="de-DE" sz="1400" dirty="0"/>
+              <a:t>    </a:t>
+            </a:r>
+          </a:p>
+          <a:p>
+            <a:r>
+              <a:rPr lang="de-DE" sz="1400" dirty="0"/>
+              <a:t>}</a:t>
+            </a:r>
+            <a:endParaRPr lang="de-DE" sz="1400" dirty="0" smtClean="0"/>
+          </a:p>
+          <a:p>
+            <a:endParaRPr lang="de-DE" dirty="0"/>
+          </a:p>
+          <a:p>
+            <a:endParaRPr lang="de-DE" dirty="0" smtClean="0"/>
+          </a:p>
+          <a:p>
+            <a:endParaRPr lang="de-DE" dirty="0"/>
+          </a:p>
+          <a:p>
+            <a:endParaRPr lang="de-DE" dirty="0" smtClean="0"/>
+          </a:p>
+          <a:p>
+            <a:endParaRPr lang="de-DE" dirty="0"/>
+          </a:p>
+          <a:p>
+            <a:endParaRPr lang="de-DE" dirty="0" smtClean="0"/>
+          </a:p>
+          <a:p>
+            <a:endParaRPr lang="de-DE" dirty="0"/>
+          </a:p>
+          <a:p>
+            <a:endParaRPr lang="de-DE" dirty="0"/>
+          </a:p>
+        </p:txBody>
+      </p:sp>
+    </p:spTree>
+    <p:extLst>
+      <p:ext uri="{BB962C8B-B14F-4D97-AF65-F5344CB8AC3E}">
+        <p14:creationId xmlns:p14="http://schemas.microsoft.com/office/powerpoint/2010/main" val="737963027"/>
+      </p:ext>
+    </p:extLst>
+  </p:cSld>
+  <p:clrMapOvr>
+    <a:masterClrMapping/>
+  </p:clrMapOvr>
+</p:sld>
+</file>
+
+<file path=ppt/slides/slide24.xml><?xml version="1.0" encoding="utf-8"?>
+<p:sld xmlns:a="http://schemas.openxmlformats.org/drawingml/2006/main" xmlns:r="http://schemas.openxmlformats.org/officeDocument/2006/relationships" xmlns:p="http://schemas.openxmlformats.org/presentationml/2006/main">
+  <p:cSld>
+    <p:spTree>
+      <p:nvGrpSpPr>
+        <p:cNvPr id="1" name=""/>
+        <p:cNvGrpSpPr/>
+        <p:nvPr/>
+      </p:nvGrpSpPr>
+      <p:grpSpPr>
+        <a:xfrm>
+          <a:off x="0" y="0"/>
+          <a:ext cx="0" cy="0"/>
+          <a:chOff x="0" y="0"/>
+          <a:chExt cx="0" cy="0"/>
+        </a:xfrm>
+      </p:grpSpPr>
+      <p:sp>
+        <p:nvSpPr>
+          <p:cNvPr id="2" name="Titel 1"/>
+          <p:cNvSpPr>
+            <a:spLocks noGrp="1"/>
+          </p:cNvSpPr>
+          <p:nvPr>
+            <p:ph type="title"/>
+          </p:nvPr>
+        </p:nvSpPr>
+        <p:spPr/>
+        <p:txBody>
+          <a:bodyPr/>
+          <a:lstStyle/>
+          <a:p>
+            <a:r>
+              <a:rPr lang="de-DE" dirty="0"/>
+              <a:t>Tabellen-SQL-Kommandos </a:t>
+            </a:r>
+            <a:r>
+              <a:rPr lang="de-DE" dirty="0" smtClean="0"/>
+              <a:t>II</a:t>
+            </a:r>
+            <a:endParaRPr lang="de-DE" dirty="0"/>
+          </a:p>
+        </p:txBody>
+      </p:sp>
+      <p:sp>
+        <p:nvSpPr>
+          <p:cNvPr id="3" name="Inhaltsplatzhalter 2"/>
+          <p:cNvSpPr>
+            <a:spLocks noGrp="1"/>
+          </p:cNvSpPr>
+          <p:nvPr>
+            <p:ph idx="1"/>
+          </p:nvPr>
+        </p:nvSpPr>
+        <p:spPr/>
+        <p:txBody>
+          <a:bodyPr>
+            <a:normAutofit/>
+          </a:bodyPr>
+          <a:lstStyle/>
+          <a:p>
+            <a:endParaRPr lang="de-DE" dirty="0"/>
+          </a:p>
+          <a:p>
+            <a:endParaRPr lang="de-DE" dirty="0" smtClean="0"/>
+          </a:p>
+        </p:txBody>
+      </p:sp>
+      <p:sp>
+        <p:nvSpPr>
+          <p:cNvPr id="6" name="Textfeld 5"/>
+          <p:cNvSpPr txBox="1"/>
+          <p:nvPr/>
+        </p:nvSpPr>
+        <p:spPr>
+          <a:xfrm>
+            <a:off x="66675" y="2438400"/>
+            <a:ext cx="8934450" cy="7263527"/>
+          </a:xfrm>
+          <a:prstGeom prst="rect">
+            <a:avLst/>
+          </a:prstGeom>
+          <a:noFill/>
+        </p:spPr>
+        <p:txBody>
+          <a:bodyPr wrap="square" rtlCol="0">
+            <a:spAutoFit/>
+          </a:bodyPr>
+          <a:lstStyle/>
+          <a:p>
+            <a:r>
+              <a:rPr lang="de-DE" sz="1400" dirty="0" err="1" smtClean="0"/>
+              <a:t>public</a:t>
+            </a:r>
+            <a:r>
+              <a:rPr lang="de-DE" sz="1400" dirty="0" smtClean="0"/>
+              <a:t> </a:t>
+            </a:r>
+            <a:r>
+              <a:rPr lang="de-DE" sz="1400" dirty="0" err="1"/>
+              <a:t>class</a:t>
+            </a:r>
+            <a:r>
+              <a:rPr lang="de-DE" sz="1400" dirty="0"/>
+              <a:t> </a:t>
+            </a:r>
+            <a:r>
+              <a:rPr lang="de-DE" sz="1400" dirty="0" err="1"/>
+              <a:t>DBTblPlayerSettings</a:t>
+            </a:r>
+            <a:r>
+              <a:rPr lang="de-DE" sz="1400" dirty="0"/>
+              <a:t> </a:t>
+            </a:r>
+            <a:r>
+              <a:rPr lang="de-DE" sz="1400" dirty="0" err="1"/>
+              <a:t>implements</a:t>
+            </a:r>
+            <a:r>
+              <a:rPr lang="de-DE" sz="1400" dirty="0"/>
+              <a:t> </a:t>
+            </a:r>
+            <a:r>
+              <a:rPr lang="de-DE" sz="1400" dirty="0" err="1"/>
+              <a:t>IDBTblPlayerColumns</a:t>
+            </a:r>
+            <a:endParaRPr lang="de-DE" sz="1400" dirty="0"/>
+          </a:p>
+          <a:p>
+            <a:r>
+              <a:rPr lang="de-DE" sz="1400" dirty="0"/>
+              <a:t>{</a:t>
+            </a:r>
+          </a:p>
+          <a:p>
+            <a:r>
+              <a:rPr lang="de-DE" sz="1400" dirty="0"/>
+              <a:t>    </a:t>
+            </a:r>
+            <a:r>
+              <a:rPr lang="de-DE" sz="1400" dirty="0" smtClean="0"/>
+              <a:t>//…siehe andere Seite</a:t>
+            </a:r>
+            <a:endParaRPr lang="de-DE" sz="1400" dirty="0"/>
+          </a:p>
+          <a:p>
+            <a:r>
+              <a:rPr lang="de-DE" sz="1400" dirty="0"/>
+              <a:t>    </a:t>
+            </a:r>
+            <a:r>
+              <a:rPr lang="de-DE" sz="1400" dirty="0" err="1"/>
+              <a:t>public</a:t>
+            </a:r>
+            <a:r>
+              <a:rPr lang="de-DE" sz="1400" dirty="0"/>
+              <a:t> </a:t>
+            </a:r>
+            <a:r>
+              <a:rPr lang="de-DE" sz="1400" dirty="0" err="1"/>
+              <a:t>static</a:t>
+            </a:r>
+            <a:r>
+              <a:rPr lang="de-DE" sz="1400" dirty="0"/>
+              <a:t> final String SQL_DROP_TBL_PLAYER = "DROP TABLE IF EXISTS " + TABLE_PLAYER_NAME;</a:t>
+            </a:r>
+          </a:p>
+          <a:p>
+            <a:endParaRPr lang="de-DE" sz="1400" dirty="0"/>
+          </a:p>
+          <a:p>
+            <a:r>
+              <a:rPr lang="de-DE" sz="1400" dirty="0"/>
+              <a:t>    //Sortieren</a:t>
+            </a:r>
+          </a:p>
+          <a:p>
+            <a:r>
+              <a:rPr lang="de-DE" sz="1400" dirty="0"/>
+              <a:t>    </a:t>
+            </a:r>
+            <a:r>
+              <a:rPr lang="de-DE" sz="1400" dirty="0" err="1"/>
+              <a:t>public</a:t>
+            </a:r>
+            <a:r>
+              <a:rPr lang="de-DE" sz="1400" dirty="0"/>
+              <a:t> </a:t>
+            </a:r>
+            <a:r>
+              <a:rPr lang="de-DE" sz="1400" dirty="0" err="1"/>
+              <a:t>static</a:t>
+            </a:r>
+            <a:r>
+              <a:rPr lang="de-DE" sz="1400" dirty="0"/>
+              <a:t> final String SQL_SORT_TBL_PLAYER = "SELECT * FROM " + TABLE_PLAYER_NAME + " ORDER BY " + TBL_PLAYER_COL_SCORE  + " DESC";</a:t>
+            </a:r>
+          </a:p>
+          <a:p>
+            <a:r>
+              <a:rPr lang="de-DE" sz="1400" dirty="0"/>
+              <a:t>    </a:t>
+            </a:r>
+          </a:p>
+          <a:p>
+            <a:r>
+              <a:rPr lang="de-DE" sz="1400" dirty="0"/>
+              <a:t>    </a:t>
+            </a:r>
+            <a:r>
+              <a:rPr lang="de-DE" sz="1400" dirty="0" err="1"/>
+              <a:t>public</a:t>
+            </a:r>
+            <a:r>
+              <a:rPr lang="de-DE" sz="1400" dirty="0"/>
+              <a:t> </a:t>
+            </a:r>
+            <a:r>
+              <a:rPr lang="de-DE" sz="1400" dirty="0" err="1"/>
+              <a:t>static</a:t>
+            </a:r>
+            <a:r>
+              <a:rPr lang="de-DE" sz="1400" dirty="0"/>
+              <a:t> final String SQL_WHERE_NAME_EQUALS_ANAME = "Select * FROM " + TABLE_PLAYER_NAME + " WHERE " + TBL_PLAYER_COL_NAME + " = '";</a:t>
+            </a:r>
+          </a:p>
+          <a:p>
+            <a:endParaRPr lang="de-DE" sz="1400" dirty="0"/>
+          </a:p>
+          <a:p>
+            <a:r>
+              <a:rPr lang="de-DE" sz="1400" dirty="0"/>
+              <a:t>    </a:t>
+            </a:r>
+            <a:r>
+              <a:rPr lang="de-DE" sz="1400" dirty="0" err="1"/>
+              <a:t>public</a:t>
+            </a:r>
+            <a:r>
+              <a:rPr lang="de-DE" sz="1400" dirty="0"/>
+              <a:t> </a:t>
+            </a:r>
+            <a:r>
+              <a:rPr lang="de-DE" sz="1400" dirty="0" err="1"/>
+              <a:t>static</a:t>
+            </a:r>
+            <a:r>
+              <a:rPr lang="de-DE" sz="1400" dirty="0"/>
+              <a:t> final String SQL_UPDATE_PLAYER = "UPDATE " + TABLE_PLAYER_NAME + " SET " + TBL_PLAYER_COL_SCORE + " = ?, " + TBL_PLAYER_COL_GAMES + " = ? WHERE " + TBL_PLAYER_COL_ID + " = ? AND " + TBL_PLAYER_COL_NAME + " = ?";</a:t>
+            </a:r>
+          </a:p>
+          <a:p>
+            <a:endParaRPr lang="de-DE" sz="1400" dirty="0"/>
+          </a:p>
+          <a:p>
+            <a:r>
+              <a:rPr lang="de-DE" sz="1400" dirty="0"/>
+              <a:t>    </a:t>
+            </a:r>
+            <a:r>
+              <a:rPr lang="de-DE" sz="1400" dirty="0" err="1"/>
+              <a:t>public</a:t>
+            </a:r>
+            <a:r>
+              <a:rPr lang="de-DE" sz="1400" dirty="0"/>
+              <a:t> </a:t>
+            </a:r>
+            <a:r>
+              <a:rPr lang="de-DE" sz="1400" dirty="0" err="1"/>
+              <a:t>static</a:t>
+            </a:r>
+            <a:r>
+              <a:rPr lang="de-DE" sz="1400" dirty="0"/>
+              <a:t> final String DELETE_PLAYER_BY_ID = " DELETE FROM " + TABLE_PLAYER_NAME + " WHERE " + TBL_PLAYER_COL_ID + " = ?";</a:t>
+            </a:r>
+          </a:p>
+          <a:p>
+            <a:endParaRPr lang="de-DE" sz="1400" dirty="0"/>
+          </a:p>
+          <a:p>
+            <a:r>
+              <a:rPr lang="de-DE" sz="1400" dirty="0"/>
+              <a:t>    </a:t>
+            </a:r>
+            <a:r>
+              <a:rPr lang="de-DE" sz="1400" dirty="0" err="1"/>
+              <a:t>public</a:t>
+            </a:r>
+            <a:r>
+              <a:rPr lang="de-DE" sz="1400" dirty="0"/>
+              <a:t> </a:t>
+            </a:r>
+            <a:r>
+              <a:rPr lang="de-DE" sz="1400" dirty="0" err="1"/>
+              <a:t>static</a:t>
+            </a:r>
+            <a:r>
+              <a:rPr lang="de-DE" sz="1400" dirty="0"/>
+              <a:t> final String DELETE_ALL_PLAYERS = "DELETE FROM " + TABLE_PLAYER_NAME</a:t>
+            </a:r>
+            <a:r>
+              <a:rPr lang="de-DE" sz="1400" dirty="0" smtClean="0"/>
+              <a:t>;    </a:t>
+            </a:r>
+            <a:endParaRPr lang="de-DE" sz="1400" dirty="0"/>
+          </a:p>
+          <a:p>
+            <a:r>
+              <a:rPr lang="de-DE" sz="1400" dirty="0"/>
+              <a:t>    </a:t>
+            </a:r>
+          </a:p>
+          <a:p>
+            <a:r>
+              <a:rPr lang="de-DE" sz="1400" dirty="0"/>
+              <a:t>}</a:t>
+            </a:r>
+            <a:endParaRPr lang="de-DE" sz="1400" dirty="0" smtClean="0"/>
+          </a:p>
+          <a:p>
+            <a:endParaRPr lang="de-DE" dirty="0"/>
+          </a:p>
+          <a:p>
+            <a:endParaRPr lang="de-DE" dirty="0" smtClean="0"/>
+          </a:p>
+          <a:p>
+            <a:endParaRPr lang="de-DE" dirty="0"/>
+          </a:p>
+          <a:p>
+            <a:endParaRPr lang="de-DE" dirty="0" smtClean="0"/>
+          </a:p>
+          <a:p>
+            <a:endParaRPr lang="de-DE" dirty="0"/>
+          </a:p>
+          <a:p>
+            <a:endParaRPr lang="de-DE" dirty="0" smtClean="0"/>
+          </a:p>
+          <a:p>
+            <a:endParaRPr lang="de-DE" dirty="0"/>
+          </a:p>
+          <a:p>
+            <a:endParaRPr lang="de-DE" dirty="0"/>
+          </a:p>
+        </p:txBody>
+      </p:sp>
+    </p:spTree>
+    <p:extLst>
+      <p:ext uri="{BB962C8B-B14F-4D97-AF65-F5344CB8AC3E}">
+        <p14:creationId xmlns:p14="http://schemas.microsoft.com/office/powerpoint/2010/main" val="2411066479"/>
+      </p:ext>
+    </p:extLst>
+  </p:cSld>
+  <p:clrMapOvr>
+    <a:masterClrMapping/>
+  </p:clrMapOvr>
+</p:sld>
+</file>
+
+<file path=ppt/slides/slide25.xml><?xml version="1.0" encoding="utf-8"?>
+<p:sld xmlns:a="http://schemas.openxmlformats.org/drawingml/2006/main" xmlns:r="http://schemas.openxmlformats.org/officeDocument/2006/relationships" xmlns:p="http://schemas.openxmlformats.org/presentationml/2006/main">
+  <p:cSld>
+    <p:spTree>
+      <p:nvGrpSpPr>
+        <p:cNvPr id="1" name=""/>
+        <p:cNvGrpSpPr/>
+        <p:nvPr/>
+      </p:nvGrpSpPr>
+      <p:grpSpPr>
+        <a:xfrm>
+          <a:off x="0" y="0"/>
+          <a:ext cx="0" cy="0"/>
+          <a:chOff x="0" y="0"/>
+          <a:chExt cx="0" cy="0"/>
+        </a:xfrm>
+      </p:grpSpPr>
+      <p:sp>
+        <p:nvSpPr>
+          <p:cNvPr id="2" name="Titel 1"/>
+          <p:cNvSpPr>
+            <a:spLocks noGrp="1"/>
+          </p:cNvSpPr>
+          <p:nvPr>
+            <p:ph type="title"/>
+          </p:nvPr>
+        </p:nvSpPr>
+        <p:spPr/>
+        <p:txBody>
+          <a:bodyPr>
+            <a:normAutofit fontScale="90000"/>
+          </a:bodyPr>
+          <a:lstStyle/>
+          <a:p>
+            <a:r>
+              <a:rPr lang="de-DE" dirty="0" err="1" smtClean="0"/>
+              <a:t>DBSingleton</a:t>
+            </a:r>
+            <a:r>
+              <a:rPr lang="de-DE" dirty="0" smtClean="0"/>
+              <a:t> – Die </a:t>
+            </a:r>
+            <a:r>
+              <a:rPr lang="de-DE" dirty="0" err="1" smtClean="0"/>
+              <a:t>DatenbankVerwaltungsklasse</a:t>
+            </a:r>
+            <a:endParaRPr lang="de-DE" dirty="0"/>
+          </a:p>
+        </p:txBody>
+      </p:sp>
+      <p:sp>
+        <p:nvSpPr>
+          <p:cNvPr id="3" name="Inhaltsplatzhalter 2"/>
+          <p:cNvSpPr>
+            <a:spLocks noGrp="1"/>
+          </p:cNvSpPr>
+          <p:nvPr>
+            <p:ph idx="1"/>
+          </p:nvPr>
+        </p:nvSpPr>
+        <p:spPr/>
+        <p:txBody>
+          <a:bodyPr>
+            <a:normAutofit/>
+          </a:bodyPr>
+          <a:lstStyle/>
+          <a:p>
+            <a:endParaRPr lang="de-DE" dirty="0"/>
+          </a:p>
+          <a:p>
+            <a:endParaRPr lang="de-DE" dirty="0" smtClean="0"/>
+          </a:p>
+        </p:txBody>
+      </p:sp>
+      <p:sp>
+        <p:nvSpPr>
+          <p:cNvPr id="6" name="Textfeld 5"/>
+          <p:cNvSpPr txBox="1"/>
+          <p:nvPr/>
+        </p:nvSpPr>
+        <p:spPr>
+          <a:xfrm>
+            <a:off x="66675" y="2438400"/>
+            <a:ext cx="8934450" cy="3139321"/>
+          </a:xfrm>
+          <a:prstGeom prst="rect">
+            <a:avLst/>
+          </a:prstGeom>
+          <a:noFill/>
+        </p:spPr>
+        <p:txBody>
+          <a:bodyPr wrap="square" rtlCol="0">
+            <a:spAutoFit/>
+          </a:bodyPr>
+          <a:lstStyle/>
+          <a:p>
+            <a:r>
+              <a:rPr lang="de-DE" dirty="0" smtClean="0"/>
+              <a:t>Mit dieser Klasse wird die komplette Datenbank verwaltet. Hier finden sich Methoden zum Öffnen und </a:t>
+            </a:r>
+            <a:r>
+              <a:rPr lang="de-DE" dirty="0" err="1" smtClean="0"/>
+              <a:t>Schliessen</a:t>
+            </a:r>
+            <a:r>
+              <a:rPr lang="de-DE" dirty="0" smtClean="0"/>
+              <a:t> der DB-Verbindung, Ausführen der Kommandos und Umsetzung in eine dynamische List mit der Fachklasse Player.</a:t>
+            </a:r>
+          </a:p>
+          <a:p>
+            <a:endParaRPr lang="de-DE" dirty="0"/>
+          </a:p>
+          <a:p>
+            <a:endParaRPr lang="de-DE" dirty="0" smtClean="0"/>
+          </a:p>
+          <a:p>
+            <a:endParaRPr lang="de-DE" dirty="0"/>
+          </a:p>
+          <a:p>
+            <a:endParaRPr lang="de-DE" dirty="0" smtClean="0"/>
+          </a:p>
+          <a:p>
+            <a:endParaRPr lang="de-DE" dirty="0"/>
+          </a:p>
+          <a:p>
+            <a:endParaRPr lang="de-DE" dirty="0" smtClean="0"/>
+          </a:p>
+          <a:p>
+            <a:endParaRPr lang="de-DE" dirty="0"/>
+          </a:p>
+          <a:p>
+            <a:endParaRPr lang="de-DE" dirty="0"/>
+          </a:p>
+        </p:txBody>
+      </p:sp>
+      <p:pic>
+        <p:nvPicPr>
+          <p:cNvPr id="4" name="Grafik 3"/>
+          <p:cNvPicPr>
+            <a:picLocks noChangeAspect="1"/>
+          </p:cNvPicPr>
+          <p:nvPr/>
+        </p:nvPicPr>
+        <p:blipFill>
+          <a:blip r:embed="rId2">
+            <a:extLst>
+              <a:ext uri="{28A0092B-C50C-407E-A947-70E740481C1C}">
+                <a14:useLocalDpi xmlns:a14="http://schemas.microsoft.com/office/drawing/2010/main" val="0"/>
+              </a:ext>
+            </a:extLst>
+          </a:blip>
+          <a:stretch>
+            <a:fillRect/>
+          </a:stretch>
+        </p:blipFill>
+        <p:spPr>
+          <a:xfrm>
+            <a:off x="148720" y="3438526"/>
+            <a:ext cx="4017994" cy="3028948"/>
+          </a:xfrm>
+          <a:prstGeom prst="rect">
+            <a:avLst/>
+          </a:prstGeom>
+        </p:spPr>
+      </p:pic>
+      <p:pic>
+        <p:nvPicPr>
+          <p:cNvPr id="5" name="Grafik 4"/>
+          <p:cNvPicPr>
+            <a:picLocks noChangeAspect="1"/>
+          </p:cNvPicPr>
+          <p:nvPr/>
+        </p:nvPicPr>
+        <p:blipFill>
+          <a:blip r:embed="rId3">
+            <a:extLst>
+              <a:ext uri="{28A0092B-C50C-407E-A947-70E740481C1C}">
+                <a14:useLocalDpi xmlns:a14="http://schemas.microsoft.com/office/drawing/2010/main" val="0"/>
+              </a:ext>
+            </a:extLst>
+          </a:blip>
+          <a:stretch>
+            <a:fillRect/>
+          </a:stretch>
+        </p:blipFill>
+        <p:spPr>
+          <a:xfrm>
+            <a:off x="4533901" y="3438526"/>
+            <a:ext cx="3848100" cy="3020939"/>
+          </a:xfrm>
+          <a:prstGeom prst="rect">
+            <a:avLst/>
+          </a:prstGeom>
+        </p:spPr>
+      </p:pic>
+    </p:spTree>
+    <p:extLst>
+      <p:ext uri="{BB962C8B-B14F-4D97-AF65-F5344CB8AC3E}">
+        <p14:creationId xmlns:p14="http://schemas.microsoft.com/office/powerpoint/2010/main" val="1679534371"/>
+      </p:ext>
+    </p:extLst>
+  </p:cSld>
+  <p:clrMapOvr>
+    <a:masterClrMapping/>
+  </p:clrMapOvr>
+</p:sld>
+</file>
+
+<file path=ppt/slides/slide26.xml><?xml version="1.0" encoding="utf-8"?>
+<p:sld xmlns:a="http://schemas.openxmlformats.org/drawingml/2006/main" xmlns:r="http://schemas.openxmlformats.org/officeDocument/2006/relationships" xmlns:p="http://schemas.openxmlformats.org/presentationml/2006/main">
+  <p:cSld>
+    <p:spTree>
+      <p:nvGrpSpPr>
+        <p:cNvPr id="1" name=""/>
+        <p:cNvGrpSpPr/>
+        <p:nvPr/>
+      </p:nvGrpSpPr>
+      <p:grpSpPr>
+        <a:xfrm>
+          <a:off x="0" y="0"/>
+          <a:ext cx="0" cy="0"/>
+          <a:chOff x="0" y="0"/>
+          <a:chExt cx="0" cy="0"/>
+        </a:xfrm>
+      </p:grpSpPr>
+      <p:sp>
+        <p:nvSpPr>
+          <p:cNvPr id="2" name="Titel 1"/>
+          <p:cNvSpPr>
+            <a:spLocks noGrp="1"/>
+          </p:cNvSpPr>
+          <p:nvPr>
+            <p:ph type="title"/>
+          </p:nvPr>
+        </p:nvSpPr>
+        <p:spPr/>
+        <p:txBody>
+          <a:bodyPr>
+            <a:normAutofit/>
+          </a:bodyPr>
+          <a:lstStyle/>
+          <a:p>
+            <a:r>
+              <a:rPr lang="de-DE" dirty="0" err="1" smtClean="0"/>
+              <a:t>Highscore</a:t>
+            </a:r>
+            <a:r>
+              <a:rPr lang="de-DE" dirty="0" smtClean="0"/>
+              <a:t>-Listen-GUI</a:t>
+            </a:r>
+            <a:endParaRPr lang="de-DE" dirty="0"/>
+          </a:p>
+        </p:txBody>
+      </p:sp>
+      <p:sp>
+        <p:nvSpPr>
+          <p:cNvPr id="3" name="Inhaltsplatzhalter 2"/>
+          <p:cNvSpPr>
+            <a:spLocks noGrp="1"/>
+          </p:cNvSpPr>
+          <p:nvPr>
+            <p:ph idx="1"/>
+          </p:nvPr>
+        </p:nvSpPr>
+        <p:spPr/>
+        <p:txBody>
+          <a:bodyPr>
+            <a:normAutofit/>
+          </a:bodyPr>
+          <a:lstStyle/>
+          <a:p>
+            <a:endParaRPr lang="de-DE" dirty="0"/>
+          </a:p>
+          <a:p>
+            <a:endParaRPr lang="de-DE" dirty="0" smtClean="0"/>
+          </a:p>
+        </p:txBody>
+      </p:sp>
+      <p:sp>
+        <p:nvSpPr>
+          <p:cNvPr id="6" name="Textfeld 5"/>
+          <p:cNvSpPr txBox="1"/>
+          <p:nvPr/>
+        </p:nvSpPr>
+        <p:spPr>
+          <a:xfrm>
+            <a:off x="736347" y="2438399"/>
+            <a:ext cx="7677151" cy="2585323"/>
+          </a:xfrm>
+          <a:prstGeom prst="rect">
+            <a:avLst/>
+          </a:prstGeom>
+          <a:noFill/>
+        </p:spPr>
+        <p:txBody>
+          <a:bodyPr wrap="square" rtlCol="0">
+            <a:spAutoFit/>
+          </a:bodyPr>
+          <a:lstStyle/>
+          <a:p>
+            <a:r>
+              <a:rPr lang="de-DE" dirty="0" smtClean="0"/>
+              <a:t>Mit Hilfe der Klasse </a:t>
+            </a:r>
+            <a:r>
+              <a:rPr lang="de-DE" dirty="0" err="1" smtClean="0"/>
+              <a:t>HighscoreGUI</a:t>
+            </a:r>
+            <a:r>
+              <a:rPr lang="de-DE" dirty="0" smtClean="0"/>
+              <a:t> kann man sich in einem Fenster die Daten in der Datenbank anzeigen lassen</a:t>
+            </a:r>
+            <a:endParaRPr lang="de-DE" dirty="0"/>
+          </a:p>
+          <a:p>
+            <a:endParaRPr lang="de-DE" dirty="0" smtClean="0"/>
+          </a:p>
+          <a:p>
+            <a:endParaRPr lang="de-DE" dirty="0"/>
+          </a:p>
+          <a:p>
+            <a:endParaRPr lang="de-DE" dirty="0" smtClean="0"/>
+          </a:p>
+          <a:p>
+            <a:endParaRPr lang="de-DE" dirty="0"/>
+          </a:p>
+          <a:p>
+            <a:endParaRPr lang="de-DE" dirty="0" smtClean="0"/>
+          </a:p>
+          <a:p>
+            <a:endParaRPr lang="de-DE" dirty="0"/>
+          </a:p>
+          <a:p>
+            <a:endParaRPr lang="de-DE" dirty="0"/>
+          </a:p>
+        </p:txBody>
+      </p:sp>
+      <p:pic>
+        <p:nvPicPr>
+          <p:cNvPr id="7" name="Grafik 6"/>
+          <p:cNvPicPr>
+            <a:picLocks noChangeAspect="1"/>
+          </p:cNvPicPr>
+          <p:nvPr/>
+        </p:nvPicPr>
+        <p:blipFill>
+          <a:blip r:embed="rId2"/>
+          <a:stretch>
+            <a:fillRect/>
+          </a:stretch>
+        </p:blipFill>
+        <p:spPr>
+          <a:xfrm>
+            <a:off x="736347" y="3085385"/>
+            <a:ext cx="7677150" cy="3876675"/>
+          </a:xfrm>
+          <a:prstGeom prst="rect">
+            <a:avLst/>
+          </a:prstGeom>
+        </p:spPr>
+      </p:pic>
+    </p:spTree>
+    <p:extLst>
+      <p:ext uri="{BB962C8B-B14F-4D97-AF65-F5344CB8AC3E}">
+        <p14:creationId xmlns:p14="http://schemas.microsoft.com/office/powerpoint/2010/main" val="1958871772"/>
+      </p:ext>
+    </p:extLst>
+  </p:cSld>
+  <p:clrMapOvr>
+    <a:masterClrMapping/>
+  </p:clrMapOvr>
+</p:sld>
+</file>
+
+<file path=ppt/slides/slide27.xml><?xml version="1.0" encoding="utf-8"?>
+<p:sld xmlns:a="http://schemas.openxmlformats.org/drawingml/2006/main" xmlns:r="http://schemas.openxmlformats.org/officeDocument/2006/relationships" xmlns:p="http://schemas.openxmlformats.org/presentationml/2006/main">
+  <p:cSld>
+    <p:spTree>
+      <p:nvGrpSpPr>
+        <p:cNvPr id="1" name=""/>
+        <p:cNvGrpSpPr/>
+        <p:nvPr/>
+      </p:nvGrpSpPr>
+      <p:grpSpPr>
+        <a:xfrm>
+          <a:off x="0" y="0"/>
+          <a:ext cx="0" cy="0"/>
+          <a:chOff x="0" y="0"/>
+          <a:chExt cx="0" cy="0"/>
+        </a:xfrm>
+      </p:grpSpPr>
+      <p:sp>
+        <p:nvSpPr>
+          <p:cNvPr id="2" name="Titel 1"/>
+          <p:cNvSpPr>
+            <a:spLocks noGrp="1"/>
+          </p:cNvSpPr>
+          <p:nvPr>
+            <p:ph type="title"/>
+          </p:nvPr>
+        </p:nvSpPr>
+        <p:spPr/>
+        <p:txBody>
+          <a:bodyPr>
+            <a:normAutofit/>
+          </a:bodyPr>
+          <a:lstStyle/>
+          <a:p>
+            <a:r>
+              <a:rPr lang="de-DE" dirty="0" err="1" smtClean="0"/>
+              <a:t>Highscore</a:t>
+            </a:r>
+            <a:r>
+              <a:rPr lang="de-DE" dirty="0" smtClean="0"/>
+              <a:t>-Listen-GUI-Klasse</a:t>
+            </a:r>
+            <a:endParaRPr lang="de-DE" dirty="0"/>
+          </a:p>
+        </p:txBody>
+      </p:sp>
+      <p:sp>
+        <p:nvSpPr>
+          <p:cNvPr id="3" name="Inhaltsplatzhalter 2"/>
+          <p:cNvSpPr>
+            <a:spLocks noGrp="1"/>
+          </p:cNvSpPr>
+          <p:nvPr>
+            <p:ph idx="1"/>
+          </p:nvPr>
+        </p:nvSpPr>
+        <p:spPr/>
+        <p:txBody>
+          <a:bodyPr>
+            <a:normAutofit/>
+          </a:bodyPr>
+          <a:lstStyle/>
+          <a:p>
+            <a:endParaRPr lang="de-DE" dirty="0"/>
+          </a:p>
+          <a:p>
+            <a:endParaRPr lang="de-DE" dirty="0" smtClean="0"/>
+          </a:p>
+        </p:txBody>
+      </p:sp>
+      <p:sp>
+        <p:nvSpPr>
+          <p:cNvPr id="6" name="Textfeld 5"/>
+          <p:cNvSpPr txBox="1"/>
+          <p:nvPr/>
+        </p:nvSpPr>
+        <p:spPr>
+          <a:xfrm>
+            <a:off x="736347" y="2438399"/>
+            <a:ext cx="7677151" cy="2585323"/>
+          </a:xfrm>
+          <a:prstGeom prst="rect">
+            <a:avLst/>
+          </a:prstGeom>
+          <a:noFill/>
+        </p:spPr>
+        <p:txBody>
+          <a:bodyPr wrap="square" rtlCol="0">
+            <a:spAutoFit/>
+          </a:bodyPr>
+          <a:lstStyle/>
+          <a:p>
+            <a:r>
+              <a:rPr lang="de-DE" dirty="0" smtClean="0"/>
+              <a:t>Zur Verwendung einer </a:t>
+            </a:r>
+            <a:r>
+              <a:rPr lang="de-DE" dirty="0" err="1" smtClean="0"/>
+              <a:t>Jlist</a:t>
+            </a:r>
+            <a:endParaRPr lang="de-DE" dirty="0" smtClean="0"/>
+          </a:p>
+          <a:p>
+            <a:endParaRPr lang="de-DE" dirty="0"/>
+          </a:p>
+          <a:p>
+            <a:endParaRPr lang="de-DE" dirty="0" smtClean="0"/>
+          </a:p>
+          <a:p>
+            <a:endParaRPr lang="de-DE" dirty="0"/>
+          </a:p>
+          <a:p>
+            <a:endParaRPr lang="de-DE" dirty="0" smtClean="0"/>
+          </a:p>
+          <a:p>
+            <a:endParaRPr lang="de-DE" dirty="0"/>
+          </a:p>
+          <a:p>
+            <a:endParaRPr lang="de-DE" dirty="0" smtClean="0"/>
+          </a:p>
+          <a:p>
+            <a:endParaRPr lang="de-DE" dirty="0"/>
+          </a:p>
+          <a:p>
+            <a:endParaRPr lang="de-DE" dirty="0"/>
+          </a:p>
+        </p:txBody>
+      </p:sp>
+      <p:pic>
+        <p:nvPicPr>
+          <p:cNvPr id="4" name="Grafik 3"/>
+          <p:cNvPicPr>
+            <a:picLocks noChangeAspect="1"/>
+          </p:cNvPicPr>
+          <p:nvPr/>
+        </p:nvPicPr>
+        <p:blipFill>
+          <a:blip r:embed="rId2">
+            <a:extLst>
+              <a:ext uri="{28A0092B-C50C-407E-A947-70E740481C1C}">
+                <a14:useLocalDpi xmlns:a14="http://schemas.microsoft.com/office/drawing/2010/main" val="0"/>
+              </a:ext>
+            </a:extLst>
+          </a:blip>
+          <a:stretch>
+            <a:fillRect/>
+          </a:stretch>
+        </p:blipFill>
+        <p:spPr>
+          <a:xfrm>
+            <a:off x="5558645" y="2243342"/>
+            <a:ext cx="1985155" cy="3891388"/>
+          </a:xfrm>
+          <a:prstGeom prst="rect">
+            <a:avLst/>
+          </a:prstGeom>
+        </p:spPr>
+      </p:pic>
+    </p:spTree>
+    <p:extLst>
+      <p:ext uri="{BB962C8B-B14F-4D97-AF65-F5344CB8AC3E}">
+        <p14:creationId xmlns:p14="http://schemas.microsoft.com/office/powerpoint/2010/main" val="4242433567"/>
+      </p:ext>
+    </p:extLst>
+  </p:cSld>
+  <p:clrMapOvr>
+    <a:masterClrMapping/>
+  </p:clrMapOvr>
+</p:sld>
+</file>
+
+<file path=ppt/slides/slide28.xml><?xml version="1.0" encoding="utf-8"?>
+<p:sld xmlns:a="http://schemas.openxmlformats.org/drawingml/2006/main" xmlns:r="http://schemas.openxmlformats.org/officeDocument/2006/relationships" xmlns:p="http://schemas.openxmlformats.org/presentationml/2006/main">
+  <p:cSld>
+    <p:spTree>
+      <p:nvGrpSpPr>
+        <p:cNvPr id="1" name=""/>
+        <p:cNvGrpSpPr/>
+        <p:nvPr/>
+      </p:nvGrpSpPr>
+      <p:grpSpPr>
+        <a:xfrm>
+          <a:off x="0" y="0"/>
+          <a:ext cx="0" cy="0"/>
+          <a:chOff x="0" y="0"/>
+          <a:chExt cx="0" cy="0"/>
+        </a:xfrm>
+      </p:grpSpPr>
+      <p:sp>
+        <p:nvSpPr>
+          <p:cNvPr id="2" name="Titel 1"/>
+          <p:cNvSpPr>
+            <a:spLocks noGrp="1"/>
+          </p:cNvSpPr>
+          <p:nvPr>
+            <p:ph type="title"/>
+          </p:nvPr>
+        </p:nvSpPr>
+        <p:spPr/>
+        <p:txBody>
+          <a:bodyPr/>
+          <a:lstStyle/>
+          <a:p>
+            <a:r>
+              <a:rPr lang="de-DE" dirty="0"/>
+              <a:t>Versionskontrollsystem</a:t>
+            </a:r>
+          </a:p>
+        </p:txBody>
+      </p:sp>
+      <p:sp>
+        <p:nvSpPr>
+          <p:cNvPr id="3" name="Textplatzhalter 2"/>
+          <p:cNvSpPr>
+            <a:spLocks noGrp="1"/>
+          </p:cNvSpPr>
+          <p:nvPr>
+            <p:ph type="body" idx="1"/>
+          </p:nvPr>
+        </p:nvSpPr>
+        <p:spPr/>
+        <p:txBody>
+          <a:bodyPr/>
+          <a:lstStyle/>
+          <a:p>
+            <a:endParaRPr lang="de-DE"/>
+          </a:p>
+        </p:txBody>
+      </p:sp>
+    </p:spTree>
+    <p:extLst>
+      <p:ext uri="{BB962C8B-B14F-4D97-AF65-F5344CB8AC3E}">
+        <p14:creationId xmlns:p14="http://schemas.microsoft.com/office/powerpoint/2010/main" val="3844275677"/>
+      </p:ext>
+    </p:extLst>
+  </p:cSld>
+  <p:clrMapOvr>
+    <a:masterClrMapping/>
+  </p:clrMapOvr>
+</p:sld>
+</file>
+
+<file path=ppt/slides/slide29.xml><?xml version="1.0" encoding="utf-8"?>
+<p:sld xmlns:a="http://schemas.openxmlformats.org/drawingml/2006/main" xmlns:r="http://schemas.openxmlformats.org/officeDocument/2006/relationships" xmlns:p="http://schemas.openxmlformats.org/presentationml/2006/main">
+  <p:cSld>
+    <p:spTree>
+      <p:nvGrpSpPr>
+        <p:cNvPr id="1" name=""/>
+        <p:cNvGrpSpPr/>
+        <p:nvPr/>
+      </p:nvGrpSpPr>
+      <p:grpSpPr>
+        <a:xfrm>
+          <a:off x="0" y="0"/>
+          <a:ext cx="0" cy="0"/>
+          <a:chOff x="0" y="0"/>
+          <a:chExt cx="0" cy="0"/>
+        </a:xfrm>
+      </p:grpSpPr>
+      <p:sp>
+        <p:nvSpPr>
+          <p:cNvPr id="2" name="Titel 1"/>
+          <p:cNvSpPr>
+            <a:spLocks noGrp="1"/>
+          </p:cNvSpPr>
+          <p:nvPr>
+            <p:ph type="title"/>
+          </p:nvPr>
+        </p:nvSpPr>
+        <p:spPr/>
+        <p:txBody>
+          <a:bodyPr/>
+          <a:lstStyle/>
+          <a:p>
+            <a:r>
+              <a:rPr lang="de-DE" dirty="0"/>
+              <a:t>Versionskontrolle</a:t>
+            </a:r>
+          </a:p>
+        </p:txBody>
+      </p:sp>
+      <p:sp>
+        <p:nvSpPr>
+          <p:cNvPr id="3" name="Inhaltsplatzhalter 2"/>
+          <p:cNvSpPr>
+            <a:spLocks noGrp="1"/>
+          </p:cNvSpPr>
+          <p:nvPr>
+            <p:ph idx="1"/>
+          </p:nvPr>
+        </p:nvSpPr>
+        <p:spPr/>
+        <p:txBody>
+          <a:bodyPr>
+            <a:normAutofit/>
+          </a:bodyPr>
+          <a:lstStyle/>
+          <a:p>
+            <a:r>
+              <a:rPr lang="de-DE" dirty="0"/>
+              <a:t>Versionsgeschichte stets verfügbar.</a:t>
+            </a:r>
+          </a:p>
+          <a:p>
+            <a:r>
+              <a:rPr lang="de-DE" dirty="0"/>
+              <a:t>Zentraler Speicherort, Versionsnummern</a:t>
+            </a:r>
+          </a:p>
+          <a:p>
+            <a:r>
+              <a:rPr lang="de-DE" dirty="0"/>
+              <a:t>Kooperation</a:t>
+            </a:r>
+          </a:p>
+          <a:p>
+            <a:pPr lvl="1"/>
+            <a:r>
+              <a:rPr lang="de-DE" dirty="0"/>
+              <a:t>parallele Entwicklung</a:t>
+            </a:r>
+          </a:p>
+          <a:p>
+            <a:pPr lvl="1"/>
+            <a:r>
+              <a:rPr lang="de-DE" dirty="0" err="1"/>
+              <a:t>Merging</a:t>
+            </a:r>
+            <a:r>
+              <a:rPr lang="de-DE" dirty="0"/>
+              <a:t> bei gleichzeitigen Änderungen an einer Datei</a:t>
+            </a:r>
+          </a:p>
+          <a:p>
+            <a:r>
+              <a:rPr lang="de-DE" dirty="0"/>
+              <a:t>Beispiele:</a:t>
+            </a:r>
+          </a:p>
+          <a:p>
+            <a:pPr lvl="1"/>
+            <a:r>
+              <a:rPr lang="de-DE" dirty="0" err="1"/>
+              <a:t>Git</a:t>
+            </a:r>
+            <a:r>
+              <a:rPr lang="de-DE" dirty="0"/>
+              <a:t> mit </a:t>
+            </a:r>
+            <a:r>
+              <a:rPr lang="de-DE" dirty="0" err="1"/>
+              <a:t>GitHub</a:t>
+            </a:r>
+            <a:r>
+              <a:rPr lang="de-DE" dirty="0"/>
+              <a:t> oder </a:t>
+            </a:r>
+            <a:r>
+              <a:rPr lang="de-DE" dirty="0" err="1"/>
+              <a:t>GitLab</a:t>
+            </a:r>
+            <a:endParaRPr lang="de-DE" dirty="0"/>
+          </a:p>
+          <a:p>
+            <a:pPr lvl="1"/>
+            <a:r>
+              <a:rPr lang="de-DE" dirty="0" err="1"/>
+              <a:t>darcs</a:t>
+            </a:r>
+            <a:r>
+              <a:rPr lang="de-DE" dirty="0"/>
+              <a:t> mit </a:t>
+            </a:r>
+            <a:r>
+              <a:rPr lang="de-DE" dirty="0">
+                <a:hlinkClick r:id="rId2"/>
+              </a:rPr>
+              <a:t>http://hub.darcs.net/</a:t>
+            </a:r>
+            <a:r>
+              <a:rPr lang="de-DE" dirty="0"/>
+              <a:t> </a:t>
+            </a:r>
+          </a:p>
+        </p:txBody>
+      </p:sp>
+    </p:spTree>
+    <p:extLst>
+      <p:ext uri="{BB962C8B-B14F-4D97-AF65-F5344CB8AC3E}">
+        <p14:creationId xmlns:p14="http://schemas.microsoft.com/office/powerpoint/2010/main" val="463168704"/>
+      </p:ext>
+    </p:extLst>
+  </p:cSld>
+  <p:clrMapOvr>
+    <a:masterClrMapping/>
+  </p:clrMapOvr>
+</p:sld>
+</file>
+
+<file path=ppt/slides/slide3.xml><?xml version="1.0" encoding="utf-8"?>
+<p:sld xmlns:a="http://schemas.openxmlformats.org/drawingml/2006/main" xmlns:r="http://schemas.openxmlformats.org/officeDocument/2006/relationships" xmlns:p="http://schemas.openxmlformats.org/presentationml/2006/main">
+  <p:cSld>
+    <p:spTree>
+      <p:nvGrpSpPr>
+        <p:cNvPr id="1" name=""/>
+        <p:cNvGrpSpPr/>
+        <p:nvPr/>
+      </p:nvGrpSpPr>
+      <p:grpSpPr>
+        <a:xfrm>
+          <a:off x="0" y="0"/>
+          <a:ext cx="0" cy="0"/>
+          <a:chOff x="0" y="0"/>
+          <a:chExt cx="0" cy="0"/>
+        </a:xfrm>
+      </p:grpSpPr>
+      <p:sp>
+        <p:nvSpPr>
+          <p:cNvPr id="2" name="Titel 1"/>
+          <p:cNvSpPr>
+            <a:spLocks noGrp="1"/>
+          </p:cNvSpPr>
+          <p:nvPr>
+            <p:ph type="title"/>
+          </p:nvPr>
+        </p:nvSpPr>
+        <p:spPr/>
+        <p:txBody>
+          <a:bodyPr/>
+          <a:lstStyle/>
+          <a:p>
+            <a:r>
+              <a:rPr lang="de-DE" dirty="0"/>
+              <a:t>GUI</a:t>
+            </a:r>
+          </a:p>
+        </p:txBody>
+      </p:sp>
+      <p:sp>
+        <p:nvSpPr>
+          <p:cNvPr id="3" name="Textplatzhalter 2"/>
+          <p:cNvSpPr>
+            <a:spLocks noGrp="1"/>
+          </p:cNvSpPr>
+          <p:nvPr>
+            <p:ph type="body" idx="1"/>
+          </p:nvPr>
+        </p:nvSpPr>
+        <p:spPr/>
+        <p:txBody>
+          <a:bodyPr/>
+          <a:lstStyle/>
+          <a:p>
+            <a:endParaRPr lang="de-DE"/>
+          </a:p>
+        </p:txBody>
+      </p:sp>
+    </p:spTree>
+    <p:extLst>
+      <p:ext uri="{BB962C8B-B14F-4D97-AF65-F5344CB8AC3E}">
+        <p14:creationId xmlns:p14="http://schemas.microsoft.com/office/powerpoint/2010/main" val="1389367256"/>
+      </p:ext>
+    </p:extLst>
+  </p:cSld>
+  <p:clrMapOvr>
+    <a:masterClrMapping/>
+  </p:clrMapOvr>
+</p:sld>
+</file>
+
+<file path=ppt/slides/slide30.xml><?xml version="1.0" encoding="utf-8"?>
 <p:sld xmlns:a="http://schemas.openxmlformats.org/drawingml/2006/main" xmlns:r="http://schemas.openxmlformats.org/officeDocument/2006/relationships" xmlns:p="http://schemas.openxmlformats.org/presentationml/2006/main">
   <p:cSld>
     <p:spTree>
@@ -7653,7 +10669,7 @@
 </p:sld>
 </file>
 
-<file path=ppt/slides/slide18.xml><?xml version="1.0" encoding="utf-8"?>
+<file path=ppt/slides/slide31.xml><?xml version="1.0" encoding="utf-8"?>
 <p:sld xmlns:a="http://schemas.openxmlformats.org/drawingml/2006/main" xmlns:r="http://schemas.openxmlformats.org/officeDocument/2006/relationships" xmlns:p="http://schemas.openxmlformats.org/presentationml/2006/main">
   <p:cSld>
     <p:spTree>
@@ -7775,7 +10791,7 @@
 </p:sld>
 </file>
 
-<file path=ppt/slides/slide19.xml><?xml version="1.0" encoding="utf-8"?>
+<file path=ppt/slides/slide32.xml><?xml version="1.0" encoding="utf-8"?>
 <p:sld xmlns:a="http://schemas.openxmlformats.org/drawingml/2006/main" xmlns:r="http://schemas.openxmlformats.org/officeDocument/2006/relationships" xmlns:p="http://schemas.openxmlformats.org/presentationml/2006/main">
   <p:cSld>
     <p:spTree>
@@ -7900,223 +10916,6 @@
     <p:extLst>
       <p:ext uri="{BB962C8B-B14F-4D97-AF65-F5344CB8AC3E}">
         <p14:creationId xmlns:p14="http://schemas.microsoft.com/office/powerpoint/2010/main" val="620972530"/>
-      </p:ext>
-    </p:extLst>
-  </p:cSld>
-  <p:clrMapOvr>
-    <a:masterClrMapping/>
-  </p:clrMapOvr>
-</p:sld>
-</file>
-
-<file path=ppt/slides/slide2.xml><?xml version="1.0" encoding="utf-8"?>
-<p:sld xmlns:a="http://schemas.openxmlformats.org/drawingml/2006/main" xmlns:r="http://schemas.openxmlformats.org/officeDocument/2006/relationships" xmlns:p="http://schemas.openxmlformats.org/presentationml/2006/main">
-  <p:cSld>
-    <p:spTree>
-      <p:nvGrpSpPr>
-        <p:cNvPr id="1" name=""/>
-        <p:cNvGrpSpPr/>
-        <p:nvPr/>
-      </p:nvGrpSpPr>
-      <p:grpSpPr>
-        <a:xfrm>
-          <a:off x="0" y="0"/>
-          <a:ext cx="0" cy="0"/>
-          <a:chOff x="0" y="0"/>
-          <a:chExt cx="0" cy="0"/>
-        </a:xfrm>
-      </p:grpSpPr>
-      <p:sp>
-        <p:nvSpPr>
-          <p:cNvPr id="2" name="Titel 1"/>
-          <p:cNvSpPr>
-            <a:spLocks noGrp="1"/>
-          </p:cNvSpPr>
-          <p:nvPr>
-            <p:ph type="title"/>
-          </p:nvPr>
-        </p:nvSpPr>
-        <p:spPr/>
-        <p:txBody>
-          <a:bodyPr/>
-          <a:lstStyle/>
-          <a:p>
-            <a:r>
-              <a:rPr lang="de-DE" dirty="0"/>
-              <a:t>Entwicklungsvorgaben</a:t>
-            </a:r>
-          </a:p>
-        </p:txBody>
-      </p:sp>
-      <p:sp>
-        <p:nvSpPr>
-          <p:cNvPr id="3" name="Inhaltsplatzhalter 2"/>
-          <p:cNvSpPr>
-            <a:spLocks noGrp="1"/>
-          </p:cNvSpPr>
-          <p:nvPr>
-            <p:ph idx="1"/>
-          </p:nvPr>
-        </p:nvSpPr>
-        <p:spPr/>
-        <p:txBody>
-          <a:bodyPr>
-            <a:normAutofit/>
-          </a:bodyPr>
-          <a:lstStyle/>
-          <a:p>
-            <a:r>
-              <a:rPr lang="de-DE" dirty="0"/>
-              <a:t>Einfaches, rundenbasiertes Spiel</a:t>
-            </a:r>
-          </a:p>
-          <a:p>
-            <a:r>
-              <a:rPr lang="de-DE" dirty="0"/>
-              <a:t>Wenig Features, möglichst robust</a:t>
-            </a:r>
-          </a:p>
-          <a:p>
-            <a:r>
-              <a:rPr lang="de-DE" dirty="0"/>
-              <a:t>Weitere Features in weiteren Entwicklungszyklen</a:t>
-            </a:r>
-          </a:p>
-          <a:p>
-            <a:r>
-              <a:rPr lang="de-DE" dirty="0"/>
-              <a:t>Netzwerkprotokoll mit</a:t>
-            </a:r>
-          </a:p>
-          <a:p>
-            <a:pPr lvl="1"/>
-            <a:r>
-              <a:rPr lang="de-DE" dirty="0"/>
-              <a:t>möglichst wenigen Zuständen</a:t>
-            </a:r>
-          </a:p>
-          <a:p>
-            <a:pPr lvl="1"/>
-            <a:r>
-              <a:rPr lang="de-DE" dirty="0"/>
-              <a:t>möglichst wenigen obligatorischen Schlüsselworten</a:t>
-            </a:r>
-          </a:p>
-          <a:p>
-            <a:r>
-              <a:rPr lang="de-DE" dirty="0"/>
-              <a:t>Keep </a:t>
-            </a:r>
-            <a:r>
-              <a:rPr lang="de-DE" dirty="0" err="1"/>
-              <a:t>it</a:t>
-            </a:r>
-            <a:r>
-              <a:rPr lang="de-DE" dirty="0"/>
-              <a:t> simple, stupid!</a:t>
-            </a:r>
-          </a:p>
-        </p:txBody>
-      </p:sp>
-      <p:pic>
-        <p:nvPicPr>
-          <p:cNvPr id="4" name="Grafik 3"/>
-          <p:cNvPicPr>
-            <a:picLocks noChangeAspect="1"/>
-          </p:cNvPicPr>
-          <p:nvPr/>
-        </p:nvPicPr>
-        <p:blipFill>
-          <a:blip r:embed="rId3"/>
-          <a:stretch>
-            <a:fillRect/>
-          </a:stretch>
-        </p:blipFill>
-        <p:spPr>
-          <a:xfrm rot="594280">
-            <a:off x="4229853" y="5093707"/>
-            <a:ext cx="1292643" cy="1292643"/>
-          </a:xfrm>
-          <a:prstGeom prst="rect">
-            <a:avLst/>
-          </a:prstGeom>
-        </p:spPr>
-      </p:pic>
-    </p:spTree>
-    <p:extLst>
-      <p:ext uri="{BB962C8B-B14F-4D97-AF65-F5344CB8AC3E}">
-        <p14:creationId xmlns:p14="http://schemas.microsoft.com/office/powerpoint/2010/main" val="1935901955"/>
-      </p:ext>
-    </p:extLst>
-  </p:cSld>
-  <p:clrMapOvr>
-    <a:masterClrMapping/>
-  </p:clrMapOvr>
-</p:sld>
-</file>
-
-<file path=ppt/slides/slide3.xml><?xml version="1.0" encoding="utf-8"?>
-<p:sld xmlns:a="http://schemas.openxmlformats.org/drawingml/2006/main" xmlns:r="http://schemas.openxmlformats.org/officeDocument/2006/relationships" xmlns:p="http://schemas.openxmlformats.org/presentationml/2006/main">
-  <p:cSld>
-    <p:spTree>
-      <p:nvGrpSpPr>
-        <p:cNvPr id="1" name=""/>
-        <p:cNvGrpSpPr/>
-        <p:nvPr/>
-      </p:nvGrpSpPr>
-      <p:grpSpPr>
-        <a:xfrm>
-          <a:off x="0" y="0"/>
-          <a:ext cx="0" cy="0"/>
-          <a:chOff x="0" y="0"/>
-          <a:chExt cx="0" cy="0"/>
-        </a:xfrm>
-      </p:grpSpPr>
-      <p:sp>
-        <p:nvSpPr>
-          <p:cNvPr id="2" name="Titel 1"/>
-          <p:cNvSpPr>
-            <a:spLocks noGrp="1"/>
-          </p:cNvSpPr>
-          <p:nvPr>
-            <p:ph type="title"/>
-          </p:nvPr>
-        </p:nvSpPr>
-        <p:spPr/>
-        <p:txBody>
-          <a:bodyPr/>
-          <a:lstStyle/>
-          <a:p>
-            <a:r>
-              <a:rPr lang="de-DE" dirty="0"/>
-              <a:t>GUI</a:t>
-            </a:r>
-          </a:p>
-        </p:txBody>
-      </p:sp>
-      <p:sp>
-        <p:nvSpPr>
-          <p:cNvPr id="3" name="Textplatzhalter 2"/>
-          <p:cNvSpPr>
-            <a:spLocks noGrp="1"/>
-          </p:cNvSpPr>
-          <p:nvPr>
-            <p:ph type="body" idx="1"/>
-          </p:nvPr>
-        </p:nvSpPr>
-        <p:spPr/>
-        <p:txBody>
-          <a:bodyPr/>
-          <a:lstStyle/>
-          <a:p>
-            <a:endParaRPr lang="de-DE"/>
-          </a:p>
-        </p:txBody>
-      </p:sp>
-    </p:spTree>
-    <p:extLst>
-      <p:ext uri="{BB962C8B-B14F-4D97-AF65-F5344CB8AC3E}">
-        <p14:creationId xmlns:p14="http://schemas.microsoft.com/office/powerpoint/2010/main" val="1389367256"/>
       </p:ext>
     </p:extLst>
   </p:cSld>
@@ -8159,31 +10958,44 @@
           <a:lstStyle/>
           <a:p>
             <a:r>
-              <a:rPr lang="de-DE" dirty="0"/>
+              <a:rPr lang="de-DE" dirty="0" smtClean="0"/>
               <a:t>GUI</a:t>
             </a:r>
-          </a:p>
-        </p:txBody>
-      </p:sp>
-      <p:sp>
-        <p:nvSpPr>
-          <p:cNvPr id="3" name="Inhaltsplatzhalter 2"/>
-          <p:cNvSpPr>
-            <a:spLocks noGrp="1"/>
-          </p:cNvSpPr>
-          <p:nvPr>
-            <p:ph idx="1"/>
-          </p:nvPr>
-        </p:nvSpPr>
-        <p:spPr/>
-        <p:txBody>
-          <a:bodyPr/>
-          <a:lstStyle/>
-          <a:p>
+            <a:br>
+              <a:rPr lang="de-DE" dirty="0" smtClean="0"/>
+            </a:br>
+            <a:r>
+              <a:rPr lang="de-DE" dirty="0" err="1" smtClean="0"/>
+              <a:t>StartBildschirm</a:t>
+            </a:r>
             <a:endParaRPr lang="de-DE" dirty="0"/>
           </a:p>
         </p:txBody>
       </p:sp>
+      <p:pic>
+        <p:nvPicPr>
+          <p:cNvPr id="5" name="Grafik 4"/>
+          <p:cNvPicPr>
+            <a:picLocks noChangeAspect="1"/>
+          </p:cNvPicPr>
+          <p:nvPr/>
+        </p:nvPicPr>
+        <p:blipFill>
+          <a:blip r:embed="rId2"/>
+          <a:stretch>
+            <a:fillRect/>
+          </a:stretch>
+        </p:blipFill>
+        <p:spPr>
+          <a:xfrm>
+            <a:off x="2023349" y="2289482"/>
+            <a:ext cx="5310902" cy="4568518"/>
+          </a:xfrm>
+          <a:prstGeom prst="rect">
+            <a:avLst/>
+          </a:prstGeom>
+        </p:spPr>
+      </p:pic>
     </p:spTree>
     <p:extLst>
       <p:ext uri="{BB962C8B-B14F-4D97-AF65-F5344CB8AC3E}">
@@ -8230,35 +11042,50 @@
           <a:lstStyle/>
           <a:p>
             <a:r>
-              <a:rPr lang="de-DE" dirty="0"/>
-              <a:t>Spiel-Logik</a:t>
-            </a:r>
-          </a:p>
-        </p:txBody>
-      </p:sp>
-      <p:sp>
-        <p:nvSpPr>
-          <p:cNvPr id="3" name="Textplatzhalter 2"/>
-          <p:cNvSpPr>
-            <a:spLocks noGrp="1"/>
-          </p:cNvSpPr>
-          <p:nvPr>
-            <p:ph type="body" idx="1"/>
-          </p:nvPr>
-        </p:nvSpPr>
-        <p:spPr/>
-        <p:txBody>
-          <a:bodyPr/>
-          <a:lstStyle/>
-          <a:p>
-            <a:endParaRPr lang="de-DE"/>
-          </a:p>
-        </p:txBody>
-      </p:sp>
+              <a:rPr lang="de-DE" dirty="0" smtClean="0"/>
+              <a:t>GUI</a:t>
+            </a:r>
+            <a:br>
+              <a:rPr lang="de-DE" dirty="0" smtClean="0"/>
+            </a:br>
+            <a:r>
+              <a:rPr lang="de-DE" dirty="0" smtClean="0"/>
+              <a:t>Spieler am Zug</a:t>
+            </a:r>
+            <a:endParaRPr lang="de-DE" dirty="0"/>
+          </a:p>
+        </p:txBody>
+      </p:sp>
+      <p:pic>
+        <p:nvPicPr>
+          <p:cNvPr id="4" name="Inhaltsplatzhalter 3"/>
+          <p:cNvPicPr>
+            <a:picLocks noGrp="1" noChangeAspect="1"/>
+          </p:cNvPicPr>
+          <p:nvPr>
+            <p:ph idx="1"/>
+          </p:nvPr>
+        </p:nvPicPr>
+        <p:blipFill>
+          <a:blip r:embed="rId2"/>
+          <a:stretch>
+            <a:fillRect/>
+          </a:stretch>
+        </p:blipFill>
+        <p:spPr>
+          <a:xfrm>
+            <a:off x="2006794" y="2274766"/>
+            <a:ext cx="5136255" cy="4411784"/>
+          </a:xfrm>
+          <a:prstGeom prst="rect">
+            <a:avLst/>
+          </a:prstGeom>
+        </p:spPr>
+      </p:pic>
     </p:spTree>
     <p:extLst>
       <p:ext uri="{BB962C8B-B14F-4D97-AF65-F5344CB8AC3E}">
-        <p14:creationId xmlns:p14="http://schemas.microsoft.com/office/powerpoint/2010/main" val="4073575872"/>
+        <p14:creationId xmlns:p14="http://schemas.microsoft.com/office/powerpoint/2010/main" val="1631446834"/>
       </p:ext>
     </p:extLst>
   </p:cSld>
@@ -8301,35 +11128,48 @@
           <a:lstStyle/>
           <a:p>
             <a:r>
-              <a:rPr lang="de-DE" dirty="0"/>
-              <a:t>Netzwerk</a:t>
-            </a:r>
-          </a:p>
-        </p:txBody>
-      </p:sp>
-      <p:sp>
-        <p:nvSpPr>
-          <p:cNvPr id="3" name="Textplatzhalter 2"/>
-          <p:cNvSpPr>
-            <a:spLocks noGrp="1"/>
-          </p:cNvSpPr>
-          <p:nvPr>
-            <p:ph type="body" idx="1"/>
-          </p:nvPr>
-        </p:nvSpPr>
-        <p:spPr/>
-        <p:txBody>
-          <a:bodyPr/>
-          <a:lstStyle/>
-          <a:p>
-            <a:endParaRPr lang="de-DE"/>
-          </a:p>
-        </p:txBody>
-      </p:sp>
+              <a:rPr lang="de-DE" dirty="0" smtClean="0"/>
+              <a:t>GUI</a:t>
+            </a:r>
+            <a:br>
+              <a:rPr lang="de-DE" dirty="0" smtClean="0"/>
+            </a:br>
+            <a:r>
+              <a:rPr lang="de-DE" dirty="0" smtClean="0"/>
+              <a:t>Spieler Nicht am Zug</a:t>
+            </a:r>
+            <a:endParaRPr lang="de-DE" dirty="0"/>
+          </a:p>
+        </p:txBody>
+      </p:sp>
+      <p:pic>
+        <p:nvPicPr>
+          <p:cNvPr id="5" name="Grafik 4"/>
+          <p:cNvPicPr>
+            <a:picLocks noChangeAspect="1"/>
+          </p:cNvPicPr>
+          <p:nvPr/>
+        </p:nvPicPr>
+        <p:blipFill>
+          <a:blip r:embed="rId2"/>
+          <a:stretch>
+            <a:fillRect/>
+          </a:stretch>
+        </p:blipFill>
+        <p:spPr>
+          <a:xfrm>
+            <a:off x="2137388" y="2291722"/>
+            <a:ext cx="5053987" cy="4365701"/>
+          </a:xfrm>
+          <a:prstGeom prst="rect">
+            <a:avLst/>
+          </a:prstGeom>
+        </p:spPr>
+      </p:pic>
     </p:spTree>
     <p:extLst>
       <p:ext uri="{BB962C8B-B14F-4D97-AF65-F5344CB8AC3E}">
-        <p14:creationId xmlns:p14="http://schemas.microsoft.com/office/powerpoint/2010/main" val="1093014762"/>
+        <p14:creationId xmlns:p14="http://schemas.microsoft.com/office/powerpoint/2010/main" val="203763322"/>
       </p:ext>
     </p:extLst>
   </p:cSld>
@@ -8366,55 +11206,41 @@
             <p:ph type="title"/>
           </p:nvPr>
         </p:nvSpPr>
-        <p:spPr>
-          <a:xfrm>
-            <a:off x="1606297" y="424366"/>
-            <a:ext cx="5937755" cy="559308"/>
-          </a:xfrm>
-        </p:spPr>
-        <p:txBody>
-          <a:bodyPr>
-            <a:normAutofit fontScale="90000"/>
-          </a:bodyPr>
+        <p:spPr/>
+        <p:txBody>
+          <a:bodyPr/>
           <a:lstStyle/>
           <a:p>
             <a:r>
               <a:rPr lang="de-DE" dirty="0"/>
-              <a:t>Klassendiagramm Server</a:t>
-            </a:r>
-          </a:p>
-        </p:txBody>
-      </p:sp>
-      <p:pic>
-        <p:nvPicPr>
-          <p:cNvPr id="7" name="Inhaltsplatzhalter 6"/>
-          <p:cNvPicPr>
-            <a:picLocks noGrp="1" noChangeAspect="1"/>
-          </p:cNvPicPr>
-          <p:nvPr>
-            <p:ph idx="1"/>
-          </p:nvPr>
-        </p:nvPicPr>
-        <p:blipFill>
-          <a:blip r:embed="rId2"/>
-          <a:stretch>
-            <a:fillRect/>
-          </a:stretch>
-        </p:blipFill>
-        <p:spPr>
-          <a:xfrm>
-            <a:off x="865487" y="1370734"/>
-            <a:ext cx="7419373" cy="4996044"/>
-          </a:xfrm>
-          <a:prstGeom prst="rect">
-            <a:avLst/>
-          </a:prstGeom>
-        </p:spPr>
-      </p:pic>
+              <a:t>Spiel-Logik</a:t>
+            </a:r>
+          </a:p>
+        </p:txBody>
+      </p:sp>
+      <p:sp>
+        <p:nvSpPr>
+          <p:cNvPr id="3" name="Textplatzhalter 2"/>
+          <p:cNvSpPr>
+            <a:spLocks noGrp="1"/>
+          </p:cNvSpPr>
+          <p:nvPr>
+            <p:ph type="body" idx="1"/>
+          </p:nvPr>
+        </p:nvSpPr>
+        <p:spPr/>
+        <p:txBody>
+          <a:bodyPr/>
+          <a:lstStyle/>
+          <a:p>
+            <a:endParaRPr lang="de-DE"/>
+          </a:p>
+        </p:txBody>
+      </p:sp>
     </p:spTree>
     <p:extLst>
       <p:ext uri="{BB962C8B-B14F-4D97-AF65-F5344CB8AC3E}">
-        <p14:creationId xmlns:p14="http://schemas.microsoft.com/office/powerpoint/2010/main" val="220164420"/>
+        <p14:creationId xmlns:p14="http://schemas.microsoft.com/office/powerpoint/2010/main" val="4073575872"/>
       </p:ext>
     </p:extLst>
   </p:cSld>
@@ -8451,21 +11277,18 @@
             <p:ph type="title"/>
           </p:nvPr>
         </p:nvSpPr>
-        <p:spPr>
-          <a:xfrm>
-            <a:off x="1606297" y="424366"/>
-            <a:ext cx="5937755" cy="559308"/>
-          </a:xfrm>
-        </p:spPr>
-        <p:txBody>
-          <a:bodyPr>
-            <a:normAutofit fontScale="90000"/>
-          </a:bodyPr>
+        <p:spPr/>
+        <p:txBody>
+          <a:bodyPr/>
           <a:lstStyle/>
           <a:p>
             <a:r>
+              <a:rPr lang="de-DE" dirty="0" smtClean="0"/>
+              <a:t>Sequenzdiagramm Spiellogi</a:t>
+            </a:r>
+            <a:r>
               <a:rPr lang="de-DE" dirty="0"/>
-              <a:t>Klassendiagramm Client</a:t>
+              <a:t>k</a:t>
             </a:r>
           </a:p>
         </p:txBody>
@@ -8481,25 +11304,28 @@
           </p:nvPr>
         </p:nvPicPr>
         <p:blipFill>
-          <a:blip r:embed="rId2"/>
+          <a:blip r:embed="rId2">
+            <a:extLst>
+              <a:ext uri="{28A0092B-C50C-407E-A947-70E740481C1C}">
+                <a14:useLocalDpi xmlns:a14="http://schemas.microsoft.com/office/drawing/2010/main" val="0"/>
+              </a:ext>
+            </a:extLst>
+          </a:blip>
           <a:stretch>
             <a:fillRect/>
           </a:stretch>
         </p:blipFill>
         <p:spPr>
           <a:xfrm>
-            <a:off x="964888" y="1183697"/>
-            <a:ext cx="7220571" cy="5151904"/>
+            <a:off x="2001548" y="2324100"/>
+            <a:ext cx="5146747" cy="4114718"/>
           </a:xfrm>
-          <a:prstGeom prst="rect">
-            <a:avLst/>
-          </a:prstGeom>
         </p:spPr>
       </p:pic>
     </p:spTree>
     <p:extLst>
       <p:ext uri="{BB962C8B-B14F-4D97-AF65-F5344CB8AC3E}">
-        <p14:creationId xmlns:p14="http://schemas.microsoft.com/office/powerpoint/2010/main" val="133935050"/>
+        <p14:creationId xmlns:p14="http://schemas.microsoft.com/office/powerpoint/2010/main" val="1073519355"/>
       </p:ext>
     </p:extLst>
   </p:cSld>
@@ -8536,28 +11362,29 @@
             <p:ph type="title"/>
           </p:nvPr>
         </p:nvSpPr>
-        <p:spPr>
-          <a:xfrm>
-            <a:off x="1606297" y="424366"/>
-            <a:ext cx="5937755" cy="559308"/>
-          </a:xfrm>
-        </p:spPr>
-        <p:txBody>
-          <a:bodyPr>
-            <a:normAutofit fontScale="90000"/>
-          </a:bodyPr>
+        <p:spPr/>
+        <p:txBody>
+          <a:bodyPr/>
           <a:lstStyle/>
           <a:p>
             <a:r>
-              <a:rPr lang="de-DE" dirty="0"/>
-              <a:t>Klassendiagramm</a:t>
-            </a:r>
+              <a:rPr lang="de-DE" dirty="0" smtClean="0"/>
+              <a:t>Spiellogik</a:t>
+            </a:r>
+            <a:br>
+              <a:rPr lang="de-DE" dirty="0" smtClean="0"/>
+            </a:br>
+            <a:r>
+              <a:rPr lang="de-DE" dirty="0" err="1" smtClean="0"/>
+              <a:t>FAchklasse</a:t>
+            </a:r>
+            <a:endParaRPr lang="de-DE" dirty="0"/>
           </a:p>
         </p:txBody>
       </p:sp>
       <p:pic>
         <p:nvPicPr>
-          <p:cNvPr id="4" name="Inhaltsplatzhalter 3"/>
+          <p:cNvPr id="5" name="Inhaltsplatzhalter 4"/>
           <p:cNvPicPr>
             <a:picLocks noGrp="1" noChangeAspect="1"/>
           </p:cNvPicPr>
@@ -8566,25 +11393,28 @@
           </p:nvPr>
         </p:nvPicPr>
         <p:blipFill>
-          <a:blip r:embed="rId2"/>
+          <a:blip r:embed="rId2">
+            <a:extLst>
+              <a:ext uri="{28A0092B-C50C-407E-A947-70E740481C1C}">
+                <a14:useLocalDpi xmlns:a14="http://schemas.microsoft.com/office/drawing/2010/main" val="0"/>
+              </a:ext>
+            </a:extLst>
+          </a:blip>
           <a:stretch>
             <a:fillRect/>
           </a:stretch>
         </p:blipFill>
         <p:spPr>
           <a:xfrm>
-            <a:off x="969029" y="1135378"/>
-            <a:ext cx="7212290" cy="5480167"/>
+            <a:off x="1644971" y="2638425"/>
+            <a:ext cx="5860408" cy="3101975"/>
           </a:xfrm>
-          <a:prstGeom prst="rect">
-            <a:avLst/>
-          </a:prstGeom>
         </p:spPr>
       </p:pic>
     </p:spTree>
     <p:extLst>
       <p:ext uri="{BB962C8B-B14F-4D97-AF65-F5344CB8AC3E}">
-        <p14:creationId xmlns:p14="http://schemas.microsoft.com/office/powerpoint/2010/main" val="2626846658"/>
+        <p14:creationId xmlns:p14="http://schemas.microsoft.com/office/powerpoint/2010/main" val="4265070410"/>
       </p:ext>
     </p:extLst>
   </p:cSld>
